--- a/lesson04.pptx
+++ b/lesson04.pptx
@@ -570,10 +570,25 @@
   <pc:docChgLst>
     <pc:chgData name="Anatoliy Kigel" userId="7432c6c4687b0a9c" providerId="LiveId" clId="{42FC864A-592A-438C-95A3-9207798F4664}"/>
     <pc:docChg chg="undo custSel modSld">
-      <pc:chgData name="Anatoliy Kigel" userId="7432c6c4687b0a9c" providerId="LiveId" clId="{42FC864A-592A-438C-95A3-9207798F4664}" dt="2021-10-28T06:33:24.016" v="273" actId="207"/>
+      <pc:chgData name="Anatoliy Kigel" userId="7432c6c4687b0a9c" providerId="LiveId" clId="{42FC864A-592A-438C-95A3-9207798F4664}" dt="2021-10-30T06:46:07.324" v="277" actId="14100"/>
       <pc:docMkLst>
         <pc:docMk/>
       </pc:docMkLst>
+      <pc:sldChg chg="modSp mod">
+        <pc:chgData name="Anatoliy Kigel" userId="7432c6c4687b0a9c" providerId="LiveId" clId="{42FC864A-592A-438C-95A3-9207798F4664}" dt="2021-10-30T06:46:07.324" v="277" actId="14100"/>
+        <pc:sldMkLst>
+          <pc:docMk/>
+          <pc:sldMk cId="0" sldId="317"/>
+        </pc:sldMkLst>
+        <pc:spChg chg="mod">
+          <ac:chgData name="Anatoliy Kigel" userId="7432c6c4687b0a9c" providerId="LiveId" clId="{42FC864A-592A-438C-95A3-9207798F4664}" dt="2021-10-30T06:46:07.324" v="277" actId="14100"/>
+          <ac:spMkLst>
+            <pc:docMk/>
+            <pc:sldMk cId="0" sldId="317"/>
+            <ac:spMk id="6" creationId="{00000000-0000-0000-0000-000000000000}"/>
+          </ac:spMkLst>
+        </pc:spChg>
+      </pc:sldChg>
       <pc:sldChg chg="addSp delSp modSp mod">
         <pc:chgData name="Anatoliy Kigel" userId="7432c6c4687b0a9c" providerId="LiveId" clId="{42FC864A-592A-438C-95A3-9207798F4664}" dt="2021-10-28T06:33:24.016" v="273" actId="207"/>
         <pc:sldMkLst>
@@ -693,7 +708,7 @@
             <a:fld id="{85522811-C5C6-42D2-A409-F8556720C93F}" type="datetimeFigureOut">
               <a:rPr lang="uk-UA" smtClean="0"/>
               <a:pPr/>
-              <a:t>28.10.2021</a:t>
+              <a:t>30.10.2021</a:t>
             </a:fld>
             <a:endParaRPr lang="uk-UA"/>
           </a:p>
@@ -1233,7 +1248,7 @@
             <a:fld id="{E6FC6B0D-6115-4D7C-8040-9C8E2349BB6E}" type="datetime1">
               <a:rPr lang="uk-UA" smtClean="0"/>
               <a:pPr/>
-              <a:t>28.10.2021</a:t>
+              <a:t>30.10.2021</a:t>
             </a:fld>
             <a:endParaRPr lang="uk-UA"/>
           </a:p>
@@ -1400,7 +1415,7 @@
             <a:fld id="{996367BA-0A39-4DE2-BFC3-D5290044365E}" type="datetime1">
               <a:rPr lang="uk-UA" smtClean="0"/>
               <a:pPr/>
-              <a:t>28.10.2021</a:t>
+              <a:t>30.10.2021</a:t>
             </a:fld>
             <a:endParaRPr lang="uk-UA"/>
           </a:p>
@@ -1577,7 +1592,7 @@
             <a:fld id="{1BD6A67F-6C29-47DC-AF8A-FDB3C787DF70}" type="datetime1">
               <a:rPr lang="uk-UA" smtClean="0"/>
               <a:pPr/>
-              <a:t>28.10.2021</a:t>
+              <a:t>30.10.2021</a:t>
             </a:fld>
             <a:endParaRPr lang="uk-UA"/>
           </a:p>
@@ -1744,7 +1759,7 @@
             <a:fld id="{1657D9C5-7FF1-434F-B56E-9BAD559744E9}" type="datetime1">
               <a:rPr lang="uk-UA" smtClean="0"/>
               <a:pPr/>
-              <a:t>28.10.2021</a:t>
+              <a:t>30.10.2021</a:t>
             </a:fld>
             <a:endParaRPr lang="uk-UA"/>
           </a:p>
@@ -1987,7 +2002,7 @@
             <a:fld id="{2CEB0FC9-DE63-476B-A1A9-BE934D9049F8}" type="datetime1">
               <a:rPr lang="uk-UA" smtClean="0"/>
               <a:pPr/>
-              <a:t>28.10.2021</a:t>
+              <a:t>30.10.2021</a:t>
             </a:fld>
             <a:endParaRPr lang="uk-UA"/>
           </a:p>
@@ -2272,7 +2287,7 @@
             <a:fld id="{F964460F-86E2-4DF6-9D0F-12F5005CF375}" type="datetime1">
               <a:rPr lang="uk-UA" smtClean="0"/>
               <a:pPr/>
-              <a:t>28.10.2021</a:t>
+              <a:t>30.10.2021</a:t>
             </a:fld>
             <a:endParaRPr lang="uk-UA"/>
           </a:p>
@@ -2691,7 +2706,7 @@
             <a:fld id="{C521715E-DDCD-4267-B0A5-2918B6F6768A}" type="datetime1">
               <a:rPr lang="uk-UA" smtClean="0"/>
               <a:pPr/>
-              <a:t>28.10.2021</a:t>
+              <a:t>30.10.2021</a:t>
             </a:fld>
             <a:endParaRPr lang="uk-UA"/>
           </a:p>
@@ -2806,7 +2821,7 @@
             <a:fld id="{9289842C-EB2D-4EBB-A272-2F6A49D9794D}" type="datetime1">
               <a:rPr lang="uk-UA" smtClean="0"/>
               <a:pPr/>
-              <a:t>28.10.2021</a:t>
+              <a:t>30.10.2021</a:t>
             </a:fld>
             <a:endParaRPr lang="uk-UA"/>
           </a:p>
@@ -2898,7 +2913,7 @@
             <a:fld id="{D036F091-B700-4B52-99AC-85D0FD94D904}" type="datetime1">
               <a:rPr lang="uk-UA" smtClean="0"/>
               <a:pPr/>
-              <a:t>28.10.2021</a:t>
+              <a:t>30.10.2021</a:t>
             </a:fld>
             <a:endParaRPr lang="uk-UA"/>
           </a:p>
@@ -3172,7 +3187,7 @@
             <a:fld id="{B35DFABA-3811-4634-B803-2EAC4CD0063B}" type="datetime1">
               <a:rPr lang="uk-UA" smtClean="0"/>
               <a:pPr/>
-              <a:t>28.10.2021</a:t>
+              <a:t>30.10.2021</a:t>
             </a:fld>
             <a:endParaRPr lang="uk-UA"/>
           </a:p>
@@ -3422,7 +3437,7 @@
             <a:fld id="{8A9EA25E-F88E-463A-A119-D1E55A881002}" type="datetime1">
               <a:rPr lang="uk-UA" smtClean="0"/>
               <a:pPr/>
-              <a:t>28.10.2021</a:t>
+              <a:t>30.10.2021</a:t>
             </a:fld>
             <a:endParaRPr lang="uk-UA"/>
           </a:p>
@@ -3632,7 +3647,7 @@
             <a:fld id="{E708ED03-0080-49A2-B709-7DA4ACB3A1C3}" type="datetime1">
               <a:rPr lang="uk-UA" smtClean="0"/>
               <a:pPr/>
-              <a:t>28.10.2021</a:t>
+              <a:t>30.10.2021</a:t>
             </a:fld>
             <a:endParaRPr lang="uk-UA"/>
           </a:p>
@@ -5626,8 +5641,8 @@
         </p:nvSpPr>
         <p:spPr>
           <a:xfrm>
-            <a:off x="1271464" y="4077072"/>
-            <a:ext cx="9793088" cy="523220"/>
+            <a:off x="0" y="4077072"/>
+            <a:ext cx="12192000" cy="523220"/>
           </a:xfrm>
           <a:prstGeom prst="rect">
             <a:avLst/>
@@ -5646,7 +5661,7 @@
                   <a:srgbClr val="0070C0"/>
                 </a:solidFill>
               </a:rPr>
-              <a:t>window.</a:t>
+              <a:t>globalThis.</a:t>
             </a:r>
             <a:r>
               <a:rPr lang="en-US" sz="2800" b="1" dirty="0" err="1">

--- a/lesson04.pptx
+++ b/lesson04.pptx
@@ -215,6 +215,14 @@
     </p:ext>
   </p:extLst>
 </p:presentation>
+</file>
+
+<file path=ppt/revisionInfo.xml><?xml version="1.0" encoding="utf-8"?>
+<p1510:revInfo xmlns:a="http://schemas.openxmlformats.org/drawingml/2006/main" xmlns:r="http://schemas.openxmlformats.org/officeDocument/2006/relationships" xmlns:p1510="http://schemas.microsoft.com/office/powerpoint/2015/10/main">
+  <p1510:revLst>
+    <p1510:client id="{42FC864A-592A-438C-95A3-9207798F4664}" v="8" dt="2021-10-31T13:37:35.293"/>
+  </p1510:revLst>
+</p1510:revInfo>
 </file>
 
 <file path=ppt/changesInfos/changesInfo1.xml><?xml version="1.0" encoding="utf-8"?>
@@ -570,7 +578,7 @@
   <pc:docChgLst>
     <pc:chgData name="Anatoliy Kigel" userId="7432c6c4687b0a9c" providerId="LiveId" clId="{42FC864A-592A-438C-95A3-9207798F4664}"/>
     <pc:docChg chg="undo custSel modSld">
-      <pc:chgData name="Anatoliy Kigel" userId="7432c6c4687b0a9c" providerId="LiveId" clId="{42FC864A-592A-438C-95A3-9207798F4664}" dt="2021-10-30T06:46:07.324" v="277" actId="14100"/>
+      <pc:chgData name="Anatoliy Kigel" userId="7432c6c4687b0a9c" providerId="LiveId" clId="{42FC864A-592A-438C-95A3-9207798F4664}" dt="2021-10-31T13:37:35.902" v="332" actId="6549"/>
       <pc:docMkLst>
         <pc:docMk/>
       </pc:docMkLst>
@@ -590,17 +598,49 @@
         </pc:spChg>
       </pc:sldChg>
       <pc:sldChg chg="addSp delSp modSp mod">
-        <pc:chgData name="Anatoliy Kigel" userId="7432c6c4687b0a9c" providerId="LiveId" clId="{42FC864A-592A-438C-95A3-9207798F4664}" dt="2021-10-28T06:33:24.016" v="273" actId="207"/>
+        <pc:chgData name="Anatoliy Kigel" userId="7432c6c4687b0a9c" providerId="LiveId" clId="{42FC864A-592A-438C-95A3-9207798F4664}" dt="2021-10-31T13:37:35.902" v="332" actId="6549"/>
         <pc:sldMkLst>
           <pc:docMk/>
           <pc:sldMk cId="810677412" sldId="494"/>
         </pc:sldMkLst>
+        <pc:spChg chg="add del">
+          <ac:chgData name="Anatoliy Kigel" userId="7432c6c4687b0a9c" providerId="LiveId" clId="{42FC864A-592A-438C-95A3-9207798F4664}" dt="2021-10-31T13:37:25.591" v="324"/>
+          <ac:spMkLst>
+            <pc:docMk/>
+            <pc:sldMk cId="810677412" sldId="494"/>
+            <ac:spMk id="2" creationId="{283D0D4E-F0E6-469C-B9CB-1C4DFE5F0AB4}"/>
+          </ac:spMkLst>
+        </pc:spChg>
+        <pc:spChg chg="mod">
+          <ac:chgData name="Anatoliy Kigel" userId="7432c6c4687b0a9c" providerId="LiveId" clId="{42FC864A-592A-438C-95A3-9207798F4664}" dt="2021-10-31T13:37:35.902" v="332" actId="6549"/>
+          <ac:spMkLst>
+            <pc:docMk/>
+            <pc:sldMk cId="810677412" sldId="494"/>
+            <ac:spMk id="5" creationId="{00000000-0000-0000-0000-000000000000}"/>
+          </ac:spMkLst>
+        </pc:spChg>
+        <pc:spChg chg="add del mod">
+          <ac:chgData name="Anatoliy Kigel" userId="7432c6c4687b0a9c" providerId="LiveId" clId="{42FC864A-592A-438C-95A3-9207798F4664}" dt="2021-10-31T13:37:28.466" v="328"/>
+          <ac:spMkLst>
+            <pc:docMk/>
+            <pc:sldMk cId="810677412" sldId="494"/>
+            <ac:spMk id="6" creationId="{FD655ACF-22EF-4B3A-9CB3-457D6C76F996}"/>
+          </ac:spMkLst>
+        </pc:spChg>
         <pc:spChg chg="mod">
           <ac:chgData name="Anatoliy Kigel" userId="7432c6c4687b0a9c" providerId="LiveId" clId="{42FC864A-592A-438C-95A3-9207798F4664}" dt="2021-10-28T06:33:24.016" v="273" actId="207"/>
           <ac:spMkLst>
             <pc:docMk/>
             <pc:sldMk cId="810677412" sldId="494"/>
             <ac:spMk id="9" creationId="{00000000-0000-0000-0000-000000000000}"/>
+          </ac:spMkLst>
+        </pc:spChg>
+        <pc:spChg chg="mod">
+          <ac:chgData name="Anatoliy Kigel" userId="7432c6c4687b0a9c" providerId="LiveId" clId="{42FC864A-592A-438C-95A3-9207798F4664}" dt="2021-10-31T13:37:00.020" v="320" actId="1036"/>
+          <ac:spMkLst>
+            <pc:docMk/>
+            <pc:sldMk cId="810677412" sldId="494"/>
+            <ac:spMk id="12" creationId="{00000000-0000-0000-0000-000000000000}"/>
           </ac:spMkLst>
         </pc:spChg>
         <pc:picChg chg="add mod modCrop">
@@ -708,7 +748,7 @@
             <a:fld id="{85522811-C5C6-42D2-A409-F8556720C93F}" type="datetimeFigureOut">
               <a:rPr lang="uk-UA" smtClean="0"/>
               <a:pPr/>
-              <a:t>30.10.2021</a:t>
+              <a:t>31.10.2021</a:t>
             </a:fld>
             <a:endParaRPr lang="uk-UA"/>
           </a:p>
@@ -1248,7 +1288,7 @@
             <a:fld id="{E6FC6B0D-6115-4D7C-8040-9C8E2349BB6E}" type="datetime1">
               <a:rPr lang="uk-UA" smtClean="0"/>
               <a:pPr/>
-              <a:t>30.10.2021</a:t>
+              <a:t>31.10.2021</a:t>
             </a:fld>
             <a:endParaRPr lang="uk-UA"/>
           </a:p>
@@ -1415,7 +1455,7 @@
             <a:fld id="{996367BA-0A39-4DE2-BFC3-D5290044365E}" type="datetime1">
               <a:rPr lang="uk-UA" smtClean="0"/>
               <a:pPr/>
-              <a:t>30.10.2021</a:t>
+              <a:t>31.10.2021</a:t>
             </a:fld>
             <a:endParaRPr lang="uk-UA"/>
           </a:p>
@@ -1592,7 +1632,7 @@
             <a:fld id="{1BD6A67F-6C29-47DC-AF8A-FDB3C787DF70}" type="datetime1">
               <a:rPr lang="uk-UA" smtClean="0"/>
               <a:pPr/>
-              <a:t>30.10.2021</a:t>
+              <a:t>31.10.2021</a:t>
             </a:fld>
             <a:endParaRPr lang="uk-UA"/>
           </a:p>
@@ -1759,7 +1799,7 @@
             <a:fld id="{1657D9C5-7FF1-434F-B56E-9BAD559744E9}" type="datetime1">
               <a:rPr lang="uk-UA" smtClean="0"/>
               <a:pPr/>
-              <a:t>30.10.2021</a:t>
+              <a:t>31.10.2021</a:t>
             </a:fld>
             <a:endParaRPr lang="uk-UA"/>
           </a:p>
@@ -2002,7 +2042,7 @@
             <a:fld id="{2CEB0FC9-DE63-476B-A1A9-BE934D9049F8}" type="datetime1">
               <a:rPr lang="uk-UA" smtClean="0"/>
               <a:pPr/>
-              <a:t>30.10.2021</a:t>
+              <a:t>31.10.2021</a:t>
             </a:fld>
             <a:endParaRPr lang="uk-UA"/>
           </a:p>
@@ -2287,7 +2327,7 @@
             <a:fld id="{F964460F-86E2-4DF6-9D0F-12F5005CF375}" type="datetime1">
               <a:rPr lang="uk-UA" smtClean="0"/>
               <a:pPr/>
-              <a:t>30.10.2021</a:t>
+              <a:t>31.10.2021</a:t>
             </a:fld>
             <a:endParaRPr lang="uk-UA"/>
           </a:p>
@@ -2706,7 +2746,7 @@
             <a:fld id="{C521715E-DDCD-4267-B0A5-2918B6F6768A}" type="datetime1">
               <a:rPr lang="uk-UA" smtClean="0"/>
               <a:pPr/>
-              <a:t>30.10.2021</a:t>
+              <a:t>31.10.2021</a:t>
             </a:fld>
             <a:endParaRPr lang="uk-UA"/>
           </a:p>
@@ -2821,7 +2861,7 @@
             <a:fld id="{9289842C-EB2D-4EBB-A272-2F6A49D9794D}" type="datetime1">
               <a:rPr lang="uk-UA" smtClean="0"/>
               <a:pPr/>
-              <a:t>30.10.2021</a:t>
+              <a:t>31.10.2021</a:t>
             </a:fld>
             <a:endParaRPr lang="uk-UA"/>
           </a:p>
@@ -2913,7 +2953,7 @@
             <a:fld id="{D036F091-B700-4B52-99AC-85D0FD94D904}" type="datetime1">
               <a:rPr lang="uk-UA" smtClean="0"/>
               <a:pPr/>
-              <a:t>30.10.2021</a:t>
+              <a:t>31.10.2021</a:t>
             </a:fld>
             <a:endParaRPr lang="uk-UA"/>
           </a:p>
@@ -3187,7 +3227,7 @@
             <a:fld id="{B35DFABA-3811-4634-B803-2EAC4CD0063B}" type="datetime1">
               <a:rPr lang="uk-UA" smtClean="0"/>
               <a:pPr/>
-              <a:t>30.10.2021</a:t>
+              <a:t>31.10.2021</a:t>
             </a:fld>
             <a:endParaRPr lang="uk-UA"/>
           </a:p>
@@ -3437,7 +3477,7 @@
             <a:fld id="{8A9EA25E-F88E-463A-A119-D1E55A881002}" type="datetime1">
               <a:rPr lang="uk-UA" smtClean="0"/>
               <a:pPr/>
-              <a:t>30.10.2021</a:t>
+              <a:t>31.10.2021</a:t>
             </a:fld>
             <a:endParaRPr lang="uk-UA"/>
           </a:p>
@@ -3647,7 +3687,7 @@
             <a:fld id="{E708ED03-0080-49A2-B709-7DA4ACB3A1C3}" type="datetime1">
               <a:rPr lang="uk-UA" smtClean="0"/>
               <a:pPr/>
-              <a:t>30.10.2021</a:t>
+              <a:t>31.10.2021</a:t>
             </a:fld>
             <a:endParaRPr lang="uk-UA"/>
           </a:p>
@@ -13657,8 +13697,8 @@
         </p:nvSpPr>
         <p:spPr>
           <a:xfrm>
-            <a:off x="0" y="982469"/>
-            <a:ext cx="12192000" cy="646331"/>
+            <a:off x="0" y="980728"/>
+            <a:ext cx="12192000" cy="923330"/>
           </a:xfrm>
           <a:prstGeom prst="rect">
             <a:avLst/>
@@ -13700,10 +13740,39 @@
               <a:rPr lang="ru-RU" dirty="0"/>
             </a:br>
             <a:r>
+              <a:rPr lang="ru-RU" b="1" dirty="0"/>
+              <a:t>Сайт:</a:t>
+            </a:r>
+            <a:r>
+              <a:rPr lang="ru-RU" dirty="0"/>
+              <a:t> </a:t>
+            </a:r>
+            <a:r>
               <a:rPr lang="en-US" b="1" dirty="0">
                 <a:hlinkClick r:id="rId2"/>
               </a:rPr>
-              <a:t>https://restcountries.eu/rest/v2/all</a:t>
+              <a:t>https://restcountries.com/</a:t>
+            </a:r>
+            <a:r>
+              <a:rPr lang="en-US" b="1" dirty="0"/>
+              <a:t> </a:t>
+            </a:r>
+          </a:p>
+          <a:p>
+            <a:pPr algn="ctr"/>
+            <a:r>
+              <a:rPr lang="en-US" b="1" dirty="0"/>
+              <a:t>JSON</a:t>
+            </a:r>
+            <a:r>
+              <a:rPr lang="en-US" b="1"/>
+              <a:t>: </a:t>
+            </a:r>
+            <a:r>
+              <a:rPr lang="en-US" b="1">
+                <a:hlinkClick r:id="rId3"/>
+              </a:rPr>
+              <a:t>https://restcountries.com/v3.1/all</a:t>
             </a:r>
             <a:endParaRPr lang="ru-RU" b="1" dirty="0"/>
           </a:p>
@@ -13717,7 +13786,7 @@
         </p:nvSpPr>
         <p:spPr>
           <a:xfrm>
-            <a:off x="0" y="1774557"/>
+            <a:off x="0" y="2134597"/>
             <a:ext cx="12192000" cy="646331"/>
           </a:xfrm>
           <a:prstGeom prst="rect">
@@ -13746,7 +13815,15 @@
             </a:r>
             <a:r>
               <a:rPr lang="ru-RU" dirty="0"/>
-              <a:t>по курсам валют:</a:t>
+              <a:t>по курсам валют (</a:t>
+            </a:r>
+            <a:r>
+              <a:rPr lang="en-US" b="1" dirty="0"/>
+              <a:t>JSON</a:t>
+            </a:r>
+            <a:r>
+              <a:rPr lang="ru-RU" dirty="0"/>
+              <a:t>):</a:t>
             </a:r>
             <a:br>
               <a:rPr lang="ru-RU" dirty="0"/>
@@ -13757,7 +13834,7 @@
             </a:r>
             <a:r>
               <a:rPr lang="en-US" b="1" dirty="0">
-                <a:hlinkClick r:id="rId3"/>
+                <a:hlinkClick r:id="rId4"/>
               </a:rPr>
               <a:t>https://bank.gov.ua/NBUStatService/v1/statdirectory/exchange?json</a:t>
             </a:r>
@@ -13871,7 +13948,7 @@
           <p:nvPr/>
         </p:nvPicPr>
         <p:blipFill rotWithShape="1">
-          <a:blip r:embed="rId4"/>
+          <a:blip r:embed="rId5"/>
           <a:srcRect l="5634" t="6622" r="6411"/>
           <a:stretch/>
         </p:blipFill>

--- a/lesson04.pptx
+++ b/lesson04.pptx
@@ -5,7 +5,7 @@
     <p:sldMasterId id="2147483648" r:id="rId1"/>
   </p:sldMasterIdLst>
   <p:notesMasterIdLst>
-    <p:notesMasterId r:id="rId44"/>
+    <p:notesMasterId r:id="rId40"/>
   </p:notesMasterIdLst>
   <p:sldIdLst>
     <p:sldId id="495" r:id="rId2"/>
@@ -30,26 +30,22 @@
     <p:sldId id="452" r:id="rId21"/>
     <p:sldId id="453" r:id="rId22"/>
     <p:sldId id="454" r:id="rId23"/>
-    <p:sldId id="456" r:id="rId24"/>
-    <p:sldId id="457" r:id="rId25"/>
-    <p:sldId id="458" r:id="rId26"/>
-    <p:sldId id="459" r:id="rId27"/>
-    <p:sldId id="460" r:id="rId28"/>
-    <p:sldId id="438" r:id="rId29"/>
-    <p:sldId id="439" r:id="rId30"/>
-    <p:sldId id="461" r:id="rId31"/>
-    <p:sldId id="388" r:id="rId32"/>
-    <p:sldId id="464" r:id="rId33"/>
-    <p:sldId id="465" r:id="rId34"/>
-    <p:sldId id="466" r:id="rId35"/>
-    <p:sldId id="467" r:id="rId36"/>
-    <p:sldId id="490" r:id="rId37"/>
-    <p:sldId id="481" r:id="rId38"/>
-    <p:sldId id="339" r:id="rId39"/>
-    <p:sldId id="505" r:id="rId40"/>
-    <p:sldId id="506" r:id="rId41"/>
-    <p:sldId id="507" r:id="rId42"/>
-    <p:sldId id="494" r:id="rId43"/>
+    <p:sldId id="460" r:id="rId24"/>
+    <p:sldId id="438" r:id="rId25"/>
+    <p:sldId id="439" r:id="rId26"/>
+    <p:sldId id="461" r:id="rId27"/>
+    <p:sldId id="388" r:id="rId28"/>
+    <p:sldId id="464" r:id="rId29"/>
+    <p:sldId id="465" r:id="rId30"/>
+    <p:sldId id="466" r:id="rId31"/>
+    <p:sldId id="467" r:id="rId32"/>
+    <p:sldId id="490" r:id="rId33"/>
+    <p:sldId id="481" r:id="rId34"/>
+    <p:sldId id="339" r:id="rId35"/>
+    <p:sldId id="505" r:id="rId36"/>
+    <p:sldId id="506" r:id="rId37"/>
+    <p:sldId id="507" r:id="rId38"/>
+    <p:sldId id="494" r:id="rId39"/>
   </p:sldIdLst>
   <p:sldSz cx="12192000" cy="6858000"/>
   <p:notesSz cx="6858000" cy="9144000"/>
@@ -175,10 +171,6 @@
             <p14:sldId id="452"/>
             <p14:sldId id="453"/>
             <p14:sldId id="454"/>
-            <p14:sldId id="456"/>
-            <p14:sldId id="457"/>
-            <p14:sldId id="458"/>
-            <p14:sldId id="459"/>
             <p14:sldId id="460"/>
             <p14:sldId id="438"/>
             <p14:sldId id="439"/>
@@ -577,8 +569,8 @@
   </pc:docChgLst>
   <pc:docChgLst>
     <pc:chgData name="Anatoliy Kigel" userId="7432c6c4687b0a9c" providerId="LiveId" clId="{42FC864A-592A-438C-95A3-9207798F4664}"/>
-    <pc:docChg chg="undo custSel modSld">
-      <pc:chgData name="Anatoliy Kigel" userId="7432c6c4687b0a9c" providerId="LiveId" clId="{42FC864A-592A-438C-95A3-9207798F4664}" dt="2021-10-31T13:37:35.902" v="332" actId="6549"/>
+    <pc:docChg chg="undo custSel delSld modSld modSection">
+      <pc:chgData name="Anatoliy Kigel" userId="7432c6c4687b0a9c" providerId="LiveId" clId="{42FC864A-592A-438C-95A3-9207798F4664}" dt="2021-11-01T08:43:38.703" v="333" actId="47"/>
       <pc:docMkLst>
         <pc:docMk/>
       </pc:docMkLst>
@@ -596,6 +588,34 @@
             <ac:spMk id="6" creationId="{00000000-0000-0000-0000-000000000000}"/>
           </ac:spMkLst>
         </pc:spChg>
+      </pc:sldChg>
+      <pc:sldChg chg="del">
+        <pc:chgData name="Anatoliy Kigel" userId="7432c6c4687b0a9c" providerId="LiveId" clId="{42FC864A-592A-438C-95A3-9207798F4664}" dt="2021-11-01T08:43:38.703" v="333" actId="47"/>
+        <pc:sldMkLst>
+          <pc:docMk/>
+          <pc:sldMk cId="2327806218" sldId="456"/>
+        </pc:sldMkLst>
+      </pc:sldChg>
+      <pc:sldChg chg="del">
+        <pc:chgData name="Anatoliy Kigel" userId="7432c6c4687b0a9c" providerId="LiveId" clId="{42FC864A-592A-438C-95A3-9207798F4664}" dt="2021-11-01T08:43:38.703" v="333" actId="47"/>
+        <pc:sldMkLst>
+          <pc:docMk/>
+          <pc:sldMk cId="3126189720" sldId="457"/>
+        </pc:sldMkLst>
+      </pc:sldChg>
+      <pc:sldChg chg="del">
+        <pc:chgData name="Anatoliy Kigel" userId="7432c6c4687b0a9c" providerId="LiveId" clId="{42FC864A-592A-438C-95A3-9207798F4664}" dt="2021-11-01T08:43:38.703" v="333" actId="47"/>
+        <pc:sldMkLst>
+          <pc:docMk/>
+          <pc:sldMk cId="3320345205" sldId="458"/>
+        </pc:sldMkLst>
+      </pc:sldChg>
+      <pc:sldChg chg="del">
+        <pc:chgData name="Anatoliy Kigel" userId="7432c6c4687b0a9c" providerId="LiveId" clId="{42FC864A-592A-438C-95A3-9207798F4664}" dt="2021-11-01T08:43:38.703" v="333" actId="47"/>
+        <pc:sldMkLst>
+          <pc:docMk/>
+          <pc:sldMk cId="2322527988" sldId="459"/>
+        </pc:sldMkLst>
       </pc:sldChg>
       <pc:sldChg chg="addSp delSp modSp mod">
         <pc:chgData name="Anatoliy Kigel" userId="7432c6c4687b0a9c" providerId="LiveId" clId="{42FC864A-592A-438C-95A3-9207798F4664}" dt="2021-10-31T13:37:35.902" v="332" actId="6549"/>
@@ -748,7 +768,7 @@
             <a:fld id="{85522811-C5C6-42D2-A409-F8556720C93F}" type="datetimeFigureOut">
               <a:rPr lang="uk-UA" smtClean="0"/>
               <a:pPr/>
-              <a:t>31.10.2021</a:t>
+              <a:t>01.11.2021</a:t>
             </a:fld>
             <a:endParaRPr lang="uk-UA"/>
           </a:p>
@@ -1288,7 +1308,7 @@
             <a:fld id="{E6FC6B0D-6115-4D7C-8040-9C8E2349BB6E}" type="datetime1">
               <a:rPr lang="uk-UA" smtClean="0"/>
               <a:pPr/>
-              <a:t>31.10.2021</a:t>
+              <a:t>01.11.2021</a:t>
             </a:fld>
             <a:endParaRPr lang="uk-UA"/>
           </a:p>
@@ -1455,7 +1475,7 @@
             <a:fld id="{996367BA-0A39-4DE2-BFC3-D5290044365E}" type="datetime1">
               <a:rPr lang="uk-UA" smtClean="0"/>
               <a:pPr/>
-              <a:t>31.10.2021</a:t>
+              <a:t>01.11.2021</a:t>
             </a:fld>
             <a:endParaRPr lang="uk-UA"/>
           </a:p>
@@ -1632,7 +1652,7 @@
             <a:fld id="{1BD6A67F-6C29-47DC-AF8A-FDB3C787DF70}" type="datetime1">
               <a:rPr lang="uk-UA" smtClean="0"/>
               <a:pPr/>
-              <a:t>31.10.2021</a:t>
+              <a:t>01.11.2021</a:t>
             </a:fld>
             <a:endParaRPr lang="uk-UA"/>
           </a:p>
@@ -1799,7 +1819,7 @@
             <a:fld id="{1657D9C5-7FF1-434F-B56E-9BAD559744E9}" type="datetime1">
               <a:rPr lang="uk-UA" smtClean="0"/>
               <a:pPr/>
-              <a:t>31.10.2021</a:t>
+              <a:t>01.11.2021</a:t>
             </a:fld>
             <a:endParaRPr lang="uk-UA"/>
           </a:p>
@@ -2042,7 +2062,7 @@
             <a:fld id="{2CEB0FC9-DE63-476B-A1A9-BE934D9049F8}" type="datetime1">
               <a:rPr lang="uk-UA" smtClean="0"/>
               <a:pPr/>
-              <a:t>31.10.2021</a:t>
+              <a:t>01.11.2021</a:t>
             </a:fld>
             <a:endParaRPr lang="uk-UA"/>
           </a:p>
@@ -2327,7 +2347,7 @@
             <a:fld id="{F964460F-86E2-4DF6-9D0F-12F5005CF375}" type="datetime1">
               <a:rPr lang="uk-UA" smtClean="0"/>
               <a:pPr/>
-              <a:t>31.10.2021</a:t>
+              <a:t>01.11.2021</a:t>
             </a:fld>
             <a:endParaRPr lang="uk-UA"/>
           </a:p>
@@ -2746,7 +2766,7 @@
             <a:fld id="{C521715E-DDCD-4267-B0A5-2918B6F6768A}" type="datetime1">
               <a:rPr lang="uk-UA" smtClean="0"/>
               <a:pPr/>
-              <a:t>31.10.2021</a:t>
+              <a:t>01.11.2021</a:t>
             </a:fld>
             <a:endParaRPr lang="uk-UA"/>
           </a:p>
@@ -2861,7 +2881,7 @@
             <a:fld id="{9289842C-EB2D-4EBB-A272-2F6A49D9794D}" type="datetime1">
               <a:rPr lang="uk-UA" smtClean="0"/>
               <a:pPr/>
-              <a:t>31.10.2021</a:t>
+              <a:t>01.11.2021</a:t>
             </a:fld>
             <a:endParaRPr lang="uk-UA"/>
           </a:p>
@@ -2953,7 +2973,7 @@
             <a:fld id="{D036F091-B700-4B52-99AC-85D0FD94D904}" type="datetime1">
               <a:rPr lang="uk-UA" smtClean="0"/>
               <a:pPr/>
-              <a:t>31.10.2021</a:t>
+              <a:t>01.11.2021</a:t>
             </a:fld>
             <a:endParaRPr lang="uk-UA"/>
           </a:p>
@@ -3227,7 +3247,7 @@
             <a:fld id="{B35DFABA-3811-4634-B803-2EAC4CD0063B}" type="datetime1">
               <a:rPr lang="uk-UA" smtClean="0"/>
               <a:pPr/>
-              <a:t>31.10.2021</a:t>
+              <a:t>01.11.2021</a:t>
             </a:fld>
             <a:endParaRPr lang="uk-UA"/>
           </a:p>
@@ -3477,7 +3497,7 @@
             <a:fld id="{8A9EA25E-F88E-463A-A119-D1E55A881002}" type="datetime1">
               <a:rPr lang="uk-UA" smtClean="0"/>
               <a:pPr/>
-              <a:t>31.10.2021</a:t>
+              <a:t>01.11.2021</a:t>
             </a:fld>
             <a:endParaRPr lang="uk-UA"/>
           </a:p>
@@ -3687,7 +3707,7 @@
             <a:fld id="{E708ED03-0080-49A2-B709-7DA4ACB3A1C3}" type="datetime1">
               <a:rPr lang="uk-UA" smtClean="0"/>
               <a:pPr/>
-              <a:t>31.10.2021</a:t>
+              <a:t>01.11.2021</a:t>
             </a:fld>
             <a:endParaRPr lang="uk-UA"/>
           </a:p>
@@ -9004,215 +9024,61 @@
       </p:grpSpPr>
       <p:sp>
         <p:nvSpPr>
-          <p:cNvPr id="20" name="Номер слайда 36"/>
-          <p:cNvSpPr txBox="1">
-            <a:spLocks/>
-          </p:cNvSpPr>
-          <p:nvPr/>
-        </p:nvSpPr>
-        <p:spPr>
-          <a:xfrm>
-            <a:off x="11208568" y="6093296"/>
-            <a:ext cx="648072" cy="432048"/>
-          </a:xfrm>
-          <a:prstGeom prst="roundRect">
-            <a:avLst/>
-          </a:prstGeom>
-          <a:ln w="25400" cap="flat" cmpd="sng" algn="ctr">
-            <a:solidFill>
-              <a:schemeClr val="tx2">
-                <a:lumMod val="60000"/>
-                <a:lumOff val="40000"/>
-              </a:schemeClr>
-            </a:solidFill>
-            <a:prstDash val="solid"/>
-          </a:ln>
+          <p:cNvPr id="5" name="Прямоугольник 4"/>
+          <p:cNvSpPr/>
+          <p:nvPr/>
+        </p:nvSpPr>
+        <p:spPr>
+          <a:xfrm>
+            <a:off x="0" y="0"/>
+            <a:ext cx="12192000" cy="6858000"/>
+          </a:xfrm>
+          <a:prstGeom prst="rect">
+            <a:avLst/>
+          </a:prstGeom>
+          <a:solidFill>
+            <a:schemeClr val="tx2">
+              <a:lumMod val="75000"/>
+            </a:schemeClr>
+          </a:solidFill>
         </p:spPr>
         <p:style>
           <a:lnRef idx="2">
-            <a:schemeClr val="accent1"/>
+            <a:schemeClr val="accent1">
+              <a:shade val="50000"/>
+            </a:schemeClr>
           </a:lnRef>
           <a:fillRef idx="1">
-            <a:schemeClr val="lt1"/>
+            <a:schemeClr val="accent1"/>
           </a:fillRef>
           <a:effectRef idx="0">
             <a:schemeClr val="accent1"/>
           </a:effectRef>
           <a:fontRef idx="minor">
-            <a:schemeClr val="dk1"/>
+            <a:schemeClr val="lt1"/>
           </a:fontRef>
         </p:style>
         <p:txBody>
-          <a:bodyPr vert="horz" lIns="91440" tIns="45720" rIns="91440" bIns="45720" rtlCol="0" anchor="ctr"/>
-          <a:lstStyle/>
-          <a:p>
-            <a:pPr algn="ctr">
-              <a:defRPr/>
-            </a:pPr>
-            <a:fld id="{6389AA22-90B4-448C-8B6B-C699140D38B9}" type="slidenum">
-              <a:rPr lang="uk-UA" sz="2400" b="1">
-                <a:solidFill>
-                  <a:schemeClr val="bg1">
-                    <a:lumMod val="50000"/>
-                  </a:schemeClr>
-                </a:solidFill>
-              </a:rPr>
-              <a:pPr algn="ctr">
-                <a:defRPr/>
-              </a:pPr>
-              <a:t>23</a:t>
-            </a:fld>
-            <a:endParaRPr lang="uk-UA" sz="2400" b="1" dirty="0">
-              <a:solidFill>
-                <a:schemeClr val="bg1">
-                  <a:lumMod val="50000"/>
-                </a:schemeClr>
-              </a:solidFill>
-            </a:endParaRPr>
-          </a:p>
-        </p:txBody>
-      </p:sp>
-      <p:sp>
-        <p:nvSpPr>
-          <p:cNvPr id="4" name="TextBox 3"/>
-          <p:cNvSpPr txBox="1"/>
-          <p:nvPr/>
-        </p:nvSpPr>
-        <p:spPr>
-          <a:xfrm>
-            <a:off x="0" y="332656"/>
-            <a:ext cx="12192000" cy="584775"/>
-          </a:xfrm>
-          <a:prstGeom prst="rect">
-            <a:avLst/>
-          </a:prstGeom>
-          <a:noFill/>
-        </p:spPr>
-        <p:txBody>
-          <a:bodyPr wrap="square" rtlCol="0">
-            <a:spAutoFit/>
-          </a:bodyPr>
+          <a:bodyPr rtlCol="0" anchor="ctr"/>
           <a:lstStyle/>
           <a:p>
             <a:pPr algn="ctr"/>
             <a:r>
-              <a:rPr lang="ru-RU" sz="3200" b="1" dirty="0">
-                <a:cs typeface="Courier New" pitchFamily="49" charset="0"/>
-              </a:rPr>
-              <a:t>Вложенный поиск, т.е. поиск в результатах поиска</a:t>
-            </a:r>
-          </a:p>
-        </p:txBody>
-      </p:sp>
-      <p:sp>
-        <p:nvSpPr>
-          <p:cNvPr id="7" name="TextBox 6"/>
-          <p:cNvSpPr txBox="1"/>
-          <p:nvPr/>
-        </p:nvSpPr>
-        <p:spPr>
-          <a:xfrm>
-            <a:off x="803412" y="5189714"/>
-            <a:ext cx="10585176" cy="1200329"/>
-          </a:xfrm>
-          <a:prstGeom prst="rect">
-            <a:avLst/>
-          </a:prstGeom>
-          <a:noFill/>
-        </p:spPr>
-        <p:txBody>
-          <a:bodyPr wrap="square" rtlCol="0">
-            <a:spAutoFit/>
-          </a:bodyPr>
-          <a:lstStyle/>
-          <a:p>
-            <a:r>
-              <a:rPr lang="ru-RU" sz="2400" b="1" dirty="0"/>
-              <a:t>Функции поиска элементов можно применять к любому существующему элементу, а не только к документу</a:t>
-            </a:r>
-            <a:r>
-              <a:rPr lang="ru-RU" sz="2400" dirty="0"/>
-              <a:t>. Когда функция поиска применяется к конкретному элементу, то поиск осуществляется среди его потомков.</a:t>
-            </a:r>
-          </a:p>
-        </p:txBody>
-      </p:sp>
-      <p:pic>
-        <p:nvPicPr>
-          <p:cNvPr id="3" name="Рисунок 2"/>
-          <p:cNvPicPr>
-            <a:picLocks noChangeAspect="1"/>
-          </p:cNvPicPr>
-          <p:nvPr/>
-        </p:nvPicPr>
-        <p:blipFill>
-          <a:blip r:embed="rId2"/>
-          <a:stretch>
-            <a:fillRect/>
-          </a:stretch>
-        </p:blipFill>
-        <p:spPr>
-          <a:xfrm>
-            <a:off x="1866901" y="4014192"/>
-            <a:ext cx="8458200" cy="1143000"/>
-          </a:xfrm>
-          <a:prstGeom prst="rect">
-            <a:avLst/>
-          </a:prstGeom>
-          <a:ln>
-            <a:solidFill>
-              <a:schemeClr val="bg1">
-                <a:lumMod val="85000"/>
-              </a:schemeClr>
-            </a:solidFill>
-          </a:ln>
-          <a:effectLst>
-            <a:outerShdw blurRad="292100" dist="139700" dir="2700000" algn="tl" rotWithShape="0">
-              <a:srgbClr val="333333">
-                <a:alpha val="65000"/>
-              </a:srgbClr>
-            </a:outerShdw>
-          </a:effectLst>
-        </p:spPr>
-      </p:pic>
-      <p:pic>
-        <p:nvPicPr>
-          <p:cNvPr id="5" name="Рисунок 4"/>
-          <p:cNvPicPr>
-            <a:picLocks noChangeAspect="1"/>
-          </p:cNvPicPr>
-          <p:nvPr/>
-        </p:nvPicPr>
-        <p:blipFill>
-          <a:blip r:embed="rId3"/>
-          <a:stretch>
-            <a:fillRect/>
-          </a:stretch>
-        </p:blipFill>
-        <p:spPr>
-          <a:xfrm>
-            <a:off x="1866900" y="980728"/>
-            <a:ext cx="8458200" cy="2819400"/>
-          </a:xfrm>
-          <a:prstGeom prst="rect">
-            <a:avLst/>
-          </a:prstGeom>
-          <a:ln>
-            <a:noFill/>
-          </a:ln>
-          <a:effectLst>
-            <a:outerShdw blurRad="292100" dist="139700" dir="2700000" algn="tl" rotWithShape="0">
-              <a:srgbClr val="333333">
-                <a:alpha val="65000"/>
-              </a:srgbClr>
-            </a:outerShdw>
-          </a:effectLst>
-        </p:spPr>
-      </p:pic>
+              <a:rPr lang="en-US" sz="6000" b="1" dirty="0"/>
+              <a:t>5. </a:t>
+            </a:r>
+            <a:r>
+              <a:rPr lang="ru-RU" sz="6000" b="1" dirty="0"/>
+              <a:t>Как изменить тег?</a:t>
+            </a:r>
+            <a:endParaRPr lang="uk-UA" sz="3200" b="1" i="1" dirty="0"/>
+          </a:p>
+        </p:txBody>
+      </p:sp>
     </p:spTree>
     <p:extLst>
       <p:ext uri="{BB962C8B-B14F-4D97-AF65-F5344CB8AC3E}">
-        <p14:creationId xmlns:p14="http://schemas.microsoft.com/office/powerpoint/2010/main" val="2327806218"/>
+        <p14:creationId xmlns:p14="http://schemas.microsoft.com/office/powerpoint/2010/main" val="1250038862"/>
       </p:ext>
     </p:extLst>
   </p:cSld>
@@ -9249,7 +9115,7 @@
         </p:nvSpPr>
         <p:spPr>
           <a:xfrm>
-            <a:off x="11208568" y="6023076"/>
+            <a:off x="11203227" y="6093296"/>
             <a:ext cx="648072" cy="432048"/>
           </a:xfrm>
           <a:prstGeom prst="roundRect">
@@ -9317,8 +9183,8 @@
         </p:nvSpPr>
         <p:spPr>
           <a:xfrm>
-            <a:off x="0" y="188640"/>
-            <a:ext cx="12191999" cy="584775"/>
+            <a:off x="911424" y="1198493"/>
+            <a:ext cx="10225136" cy="646331"/>
           </a:xfrm>
           <a:prstGeom prst="rect">
             <a:avLst/>
@@ -9333,22 +9199,61 @@
           <a:p>
             <a:pPr algn="ctr"/>
             <a:r>
-              <a:rPr lang="ru-RU" sz="3200" b="1" dirty="0"/>
-              <a:t>«Живые» и статические коллекции</a:t>
-            </a:r>
-          </a:p>
-        </p:txBody>
-      </p:sp>
-      <p:sp>
-        <p:nvSpPr>
-          <p:cNvPr id="4" name="TextBox 3"/>
+              <a:rPr lang="ru-RU" sz="3600" b="1" dirty="0"/>
+              <a:t>Свойство </a:t>
+            </a:r>
+            <a:r>
+              <a:rPr lang="en-US" sz="3600" b="1" dirty="0">
+                <a:solidFill>
+                  <a:schemeClr val="accent6">
+                    <a:lumMod val="75000"/>
+                  </a:schemeClr>
+                </a:solidFill>
+              </a:rPr>
+              <a:t>.</a:t>
+            </a:r>
+            <a:r>
+              <a:rPr lang="en-US" sz="3600" b="1" dirty="0" err="1">
+                <a:solidFill>
+                  <a:schemeClr val="accent6">
+                    <a:lumMod val="75000"/>
+                  </a:schemeClr>
+                </a:solidFill>
+              </a:rPr>
+              <a:t>innerHTML</a:t>
+            </a:r>
+            <a:r>
+              <a:rPr lang="en-US" sz="3600" b="1" dirty="0">
+                <a:solidFill>
+                  <a:schemeClr val="accent6">
+                    <a:lumMod val="75000"/>
+                  </a:schemeClr>
+                </a:solidFill>
+              </a:rPr>
+              <a:t> </a:t>
+            </a:r>
+            <a:r>
+              <a:rPr lang="ru-RU" sz="3600" b="1" dirty="0"/>
+              <a:t>хранит содержимое тега</a:t>
+            </a:r>
+            <a:endParaRPr lang="ru-RU" sz="3600" b="1" dirty="0">
+              <a:solidFill>
+                <a:srgbClr val="0070C0"/>
+              </a:solidFill>
+            </a:endParaRPr>
+          </a:p>
+        </p:txBody>
+      </p:sp>
+      <p:sp>
+        <p:nvSpPr>
+          <p:cNvPr id="11" name="TextBox 10"/>
           <p:cNvSpPr txBox="1"/>
           <p:nvPr/>
         </p:nvSpPr>
         <p:spPr>
           <a:xfrm>
-            <a:off x="2168640" y="5108991"/>
-            <a:ext cx="8543924" cy="1200329"/>
+            <a:off x="2495600" y="2924944"/>
+            <a:ext cx="7776864" cy="2062103"/>
           </a:xfrm>
           <a:prstGeom prst="rect">
             <a:avLst/>
@@ -9362,111 +9267,41 @@
           <a:lstStyle/>
           <a:p>
             <a:r>
-              <a:rPr lang="ru-RU" sz="2400" dirty="0"/>
-              <a:t>Живые (</a:t>
-            </a:r>
-            <a:r>
-              <a:rPr lang="en-US" sz="2400" b="1" dirty="0"/>
-              <a:t>Live</a:t>
-            </a:r>
-            <a:r>
-              <a:rPr lang="ru-RU" sz="2400" dirty="0"/>
-              <a:t>)</a:t>
-            </a:r>
-            <a:r>
-              <a:rPr lang="en-US" sz="2400" dirty="0"/>
+              <a:rPr lang="ru-RU" sz="3200" dirty="0"/>
+              <a:t>Свойство .</a:t>
+            </a:r>
+            <a:r>
+              <a:rPr lang="en-US" sz="3200" b="1" dirty="0" err="1"/>
+              <a:t>innerHTML</a:t>
+            </a:r>
+            <a:r>
+              <a:rPr lang="ru-RU" sz="3200" dirty="0"/>
+              <a:t> – можно не только считывать но и устанавливать.</a:t>
+            </a:r>
+            <a:r>
+              <a:rPr lang="en-US" sz="3200" dirty="0"/>
               <a:t> </a:t>
             </a:r>
             <a:r>
-              <a:rPr lang="ru-RU" sz="2400" dirty="0"/>
-              <a:t>коллекции изменяют свой состав в зависимости от изменений в документа. Статические (</a:t>
-            </a:r>
-            <a:r>
-              <a:rPr lang="en-US" sz="2400" b="1" dirty="0"/>
-              <a:t>Static</a:t>
-            </a:r>
-            <a:r>
-              <a:rPr lang="ru-RU" sz="2400" dirty="0"/>
-              <a:t>) коллекции</a:t>
-            </a:r>
-            <a:r>
-              <a:rPr lang="en-US" sz="2400" dirty="0"/>
-              <a:t> </a:t>
-            </a:r>
-            <a:r>
-              <a:rPr lang="ru-RU" sz="2400" dirty="0"/>
-              <a:t>не изменяют свой состав после формирования.</a:t>
-            </a:r>
-            <a:endParaRPr lang="uk-UA" sz="2400" dirty="0"/>
-          </a:p>
-        </p:txBody>
-      </p:sp>
-      <p:pic>
-        <p:nvPicPr>
-          <p:cNvPr id="5" name="Рисунок 4"/>
-          <p:cNvPicPr>
-            <a:picLocks noChangeAspect="1"/>
-          </p:cNvPicPr>
-          <p:nvPr/>
-        </p:nvPicPr>
-        <p:blipFill>
-          <a:blip r:embed="rId2"/>
-          <a:stretch>
-            <a:fillRect/>
-          </a:stretch>
-        </p:blipFill>
-        <p:spPr>
-          <a:xfrm>
-            <a:off x="2168639" y="836712"/>
-            <a:ext cx="8543925" cy="2847975"/>
-          </a:xfrm>
-          <a:prstGeom prst="rect">
-            <a:avLst/>
-          </a:prstGeom>
-        </p:spPr>
-      </p:pic>
-      <p:pic>
-        <p:nvPicPr>
-          <p:cNvPr id="8" name="Рисунок 7"/>
-          <p:cNvPicPr>
-            <a:picLocks noChangeAspect="1"/>
-          </p:cNvPicPr>
-          <p:nvPr/>
-        </p:nvPicPr>
-        <p:blipFill>
-          <a:blip r:embed="rId3"/>
-          <a:stretch>
-            <a:fillRect/>
-          </a:stretch>
-        </p:blipFill>
-        <p:spPr>
-          <a:xfrm>
-            <a:off x="2168639" y="3816548"/>
-            <a:ext cx="8543925" cy="1026445"/>
-          </a:xfrm>
-          <a:prstGeom prst="rect">
-            <a:avLst/>
-          </a:prstGeom>
-          <a:ln>
-            <a:solidFill>
-              <a:schemeClr val="bg1">
-                <a:lumMod val="95000"/>
-              </a:schemeClr>
-            </a:solidFill>
-          </a:ln>
-          <a:effectLst>
-            <a:outerShdw blurRad="292100" dist="139700" dir="2700000" algn="tl" rotWithShape="0">
-              <a:srgbClr val="333333">
-                <a:alpha val="65000"/>
-              </a:srgbClr>
-            </a:outerShdw>
-          </a:effectLst>
-        </p:spPr>
-      </p:pic>
+              <a:rPr lang="ru-RU" sz="3200" dirty="0"/>
+              <a:t>Изменение свойства .</a:t>
+            </a:r>
+            <a:r>
+              <a:rPr lang="en-US" sz="3200" b="1" dirty="0" err="1"/>
+              <a:t>innerHTML</a:t>
+            </a:r>
+            <a:r>
+              <a:rPr lang="ru-RU" sz="3200" dirty="0"/>
+              <a:t> – автоматически влечёт перерисовку документа.</a:t>
+            </a:r>
+            <a:endParaRPr lang="ru-RU" sz="3600" dirty="0"/>
+          </a:p>
+        </p:txBody>
+      </p:sp>
     </p:spTree>
     <p:extLst>
       <p:ext uri="{BB962C8B-B14F-4D97-AF65-F5344CB8AC3E}">
-        <p14:creationId xmlns:p14="http://schemas.microsoft.com/office/powerpoint/2010/main" val="3126189720"/>
+        <p14:creationId xmlns:p14="http://schemas.microsoft.com/office/powerpoint/2010/main" val="102644604"/>
       </p:ext>
     </p:extLst>
   </p:cSld>
@@ -9495,7 +9330,49 @@
       </p:grpSpPr>
       <p:sp>
         <p:nvSpPr>
-          <p:cNvPr id="20" name="Номер слайда 36"/>
+          <p:cNvPr id="16" name="TextBox 15"/>
+          <p:cNvSpPr txBox="1"/>
+          <p:nvPr/>
+        </p:nvSpPr>
+        <p:spPr>
+          <a:xfrm rot="16200000">
+            <a:off x="8867771" y="2923203"/>
+            <a:ext cx="5329664" cy="369332"/>
+          </a:xfrm>
+          <a:prstGeom prst="rect">
+            <a:avLst/>
+          </a:prstGeom>
+          <a:noFill/>
+        </p:spPr>
+        <p:txBody>
+          <a:bodyPr wrap="none" rtlCol="0">
+            <a:spAutoFit/>
+          </a:bodyPr>
+          <a:lstStyle/>
+          <a:p>
+            <a:r>
+              <a:rPr lang="ru-RU" b="1" dirty="0"/>
+              <a:t>Подробнее: </a:t>
+            </a:r>
+            <a:r>
+              <a:rPr lang="en-US" b="1" dirty="0">
+                <a:hlinkClick r:id="rId2"/>
+              </a:rPr>
+              <a:t>https://</a:t>
+            </a:r>
+            <a:r>
+              <a:rPr lang="en-US" sz="1600" b="1" dirty="0">
+                <a:hlinkClick r:id="rId2"/>
+              </a:rPr>
+              <a:t>learn.javascript.ru/styles-and-classes</a:t>
+            </a:r>
+            <a:endParaRPr lang="ru-RU" b="1" dirty="0"/>
+          </a:p>
+        </p:txBody>
+      </p:sp>
+      <p:sp>
+        <p:nvSpPr>
+          <p:cNvPr id="7" name="Номер слайда 36"/>
           <p:cNvSpPr txBox="1">
             <a:spLocks/>
           </p:cNvSpPr>
@@ -9503,7 +9380,7 @@
         </p:nvSpPr>
         <p:spPr>
           <a:xfrm>
-            <a:off x="11208568" y="6165304"/>
+            <a:off x="11208568" y="6058780"/>
             <a:ext cx="648072" cy="432048"/>
           </a:xfrm>
           <a:prstGeom prst="roundRect">
@@ -9565,14 +9442,43 @@
       </p:sp>
       <p:sp>
         <p:nvSpPr>
-          <p:cNvPr id="6" name="TextBox 5"/>
+          <p:cNvPr id="3" name="Прямоугольник 2"/>
+          <p:cNvSpPr/>
+          <p:nvPr/>
+        </p:nvSpPr>
+        <p:spPr>
+          <a:xfrm>
+            <a:off x="2949443" y="116633"/>
+            <a:ext cx="6293134" cy="646331"/>
+          </a:xfrm>
+          <a:prstGeom prst="rect">
+            <a:avLst/>
+          </a:prstGeom>
+        </p:spPr>
+        <p:txBody>
+          <a:bodyPr wrap="none">
+            <a:spAutoFit/>
+          </a:bodyPr>
+          <a:lstStyle/>
+          <a:p>
+            <a:pPr algn="ctr"/>
+            <a:r>
+              <a:rPr lang="ru-RU" sz="3600" b="1" dirty="0"/>
+              <a:t>Полезные свойства элементов</a:t>
+            </a:r>
+          </a:p>
+        </p:txBody>
+      </p:sp>
+      <p:sp>
+        <p:nvSpPr>
+          <p:cNvPr id="8" name="TextBox 7"/>
           <p:cNvSpPr txBox="1"/>
           <p:nvPr/>
         </p:nvSpPr>
         <p:spPr>
           <a:xfrm>
-            <a:off x="0" y="262389"/>
-            <a:ext cx="12192000" cy="646331"/>
+            <a:off x="2207568" y="692696"/>
+            <a:ext cx="7992888" cy="830997"/>
           </a:xfrm>
           <a:prstGeom prst="rect">
             <a:avLst/>
@@ -9585,34 +9491,45 @@
           </a:bodyPr>
           <a:lstStyle/>
           <a:p>
-            <a:pPr algn="ctr"/>
-            <a:r>
-              <a:rPr lang="ru-RU" sz="3600" b="1" dirty="0"/>
-              <a:t>Живые и статические коллекции</a:t>
-            </a:r>
-          </a:p>
-        </p:txBody>
-      </p:sp>
-      <p:sp>
-        <p:nvSpPr>
-          <p:cNvPr id="13" name="TextBox 12"/>
+            <a:pPr algn="just"/>
+            <a:r>
+              <a:rPr lang="en-US" sz="2400" b="1" i="1" dirty="0"/>
+              <a:t>.</a:t>
+            </a:r>
+            <a:r>
+              <a:rPr lang="en-US" sz="2400" b="1" i="1" dirty="0" err="1"/>
+              <a:t>className</a:t>
+            </a:r>
+            <a:r>
+              <a:rPr lang="en-US" sz="2400" b="1" i="1" dirty="0"/>
+              <a:t> </a:t>
+            </a:r>
+            <a:r>
+              <a:rPr lang="en-US" sz="2400" i="1" dirty="0"/>
+              <a:t>– </a:t>
+            </a:r>
+            <a:r>
+              <a:rPr lang="ru-RU" sz="2400" i="1" dirty="0"/>
+              <a:t>свойство содержит полный список всех классов которые присвоены тегу (одной строкой).</a:t>
+            </a:r>
+          </a:p>
+        </p:txBody>
+      </p:sp>
+      <p:sp>
+        <p:nvSpPr>
+          <p:cNvPr id="9" name="TextBox 8"/>
           <p:cNvSpPr txBox="1"/>
           <p:nvPr/>
         </p:nvSpPr>
         <p:spPr>
           <a:xfrm>
-            <a:off x="1775520" y="1268760"/>
-            <a:ext cx="8424936" cy="584775"/>
+            <a:off x="2207568" y="1484784"/>
+            <a:ext cx="7992888" cy="830997"/>
           </a:xfrm>
           <a:prstGeom prst="rect">
             <a:avLst/>
           </a:prstGeom>
           <a:noFill/>
-          <a:ln w="28575">
-            <a:solidFill>
-              <a:srgbClr val="00B0F0"/>
-            </a:solidFill>
-          </a:ln>
         </p:spPr>
         <p:txBody>
           <a:bodyPr wrap="square" rtlCol="0">
@@ -9620,49 +9537,40 @@
           </a:bodyPr>
           <a:lstStyle/>
           <a:p>
-            <a:pPr algn="ctr"/>
-            <a:r>
-              <a:rPr lang="en-US" sz="3200" b="1" dirty="0"/>
+            <a:pPr algn="just"/>
+            <a:r>
+              <a:rPr lang="en-US" sz="2400" b="1" i="1" dirty="0"/>
               <a:t>.</a:t>
             </a:r>
             <a:r>
-              <a:rPr lang="en-US" sz="3200" b="1" dirty="0" err="1"/>
-              <a:t>querySelector</a:t>
-            </a:r>
-            <a:r>
-              <a:rPr lang="en-US" sz="3200" b="1" dirty="0"/>
-              <a:t>()</a:t>
-            </a:r>
-            <a:r>
-              <a:rPr lang="ru-RU" sz="3200" b="1" dirty="0"/>
-              <a:t> и </a:t>
-            </a:r>
-            <a:r>
-              <a:rPr lang="en-US" sz="3200" b="1" dirty="0"/>
-              <a:t>.</a:t>
-            </a:r>
-            <a:r>
-              <a:rPr lang="en-US" sz="3200" b="1" dirty="0" err="1"/>
-              <a:t>querySelectorAll</a:t>
-            </a:r>
-            <a:r>
-              <a:rPr lang="en-US" sz="3200" b="1" dirty="0"/>
-              <a:t>()</a:t>
-            </a:r>
-            <a:endParaRPr lang="ru-RU" sz="3200" b="1" dirty="0"/>
-          </a:p>
-        </p:txBody>
-      </p:sp>
-      <p:sp>
-        <p:nvSpPr>
-          <p:cNvPr id="14" name="TextBox 13"/>
+              <a:rPr lang="en-US" sz="2400" b="1" i="1" dirty="0" err="1"/>
+              <a:t>classList</a:t>
+            </a:r>
+            <a:r>
+              <a:rPr lang="en-US" sz="2400" b="1" i="1" dirty="0"/>
+              <a:t> </a:t>
+            </a:r>
+            <a:r>
+              <a:rPr lang="en-US" sz="2400" i="1" dirty="0"/>
+              <a:t>– </a:t>
+            </a:r>
+            <a:r>
+              <a:rPr lang="ru-RU" sz="2400" i="1" dirty="0"/>
+              <a:t>свойство содержит список всех классов которые присвоены тегу (в виде массива).</a:t>
+            </a:r>
+          </a:p>
+        </p:txBody>
+      </p:sp>
+      <p:sp>
+        <p:nvSpPr>
+          <p:cNvPr id="10" name="TextBox 9"/>
           <p:cNvSpPr txBox="1"/>
           <p:nvPr/>
         </p:nvSpPr>
         <p:spPr>
           <a:xfrm>
-            <a:off x="1775520" y="1979548"/>
-            <a:ext cx="8424936" cy="830997"/>
+            <a:off x="2207568" y="2276872"/>
+            <a:ext cx="7992888" cy="830997"/>
           </a:xfrm>
           <a:prstGeom prst="rect">
             <a:avLst/>
@@ -9675,33 +9583,45 @@
           </a:bodyPr>
           <a:lstStyle/>
           <a:p>
-            <a:r>
-              <a:rPr lang="ru-RU" sz="2400" dirty="0"/>
-              <a:t>Возвращают статические  коллекции, т.е. «слепок» на момент вызова функции.</a:t>
-            </a:r>
-          </a:p>
-        </p:txBody>
-      </p:sp>
-      <p:sp>
-        <p:nvSpPr>
-          <p:cNvPr id="15" name="TextBox 14"/>
+            <a:pPr algn="just"/>
+            <a:r>
+              <a:rPr lang="en-US" sz="2400" b="1" i="1" dirty="0"/>
+              <a:t>.</a:t>
+            </a:r>
+            <a:r>
+              <a:rPr lang="en-US" sz="2400" b="1" i="1" dirty="0" err="1"/>
+              <a:t>classList.add</a:t>
+            </a:r>
+            <a:r>
+              <a:rPr lang="en-US" sz="2400" b="1" i="1" dirty="0"/>
+              <a:t>(‘cat’) </a:t>
+            </a:r>
+            <a:r>
+              <a:rPr lang="en-US" sz="2400" i="1" dirty="0"/>
+              <a:t>– </a:t>
+            </a:r>
+            <a:r>
+              <a:rPr lang="ru-RU" sz="2400" i="1" dirty="0"/>
+              <a:t>метод добавляет класс к тегу (если есть другие классы то они остаются).</a:t>
+            </a:r>
+          </a:p>
+        </p:txBody>
+      </p:sp>
+      <p:sp>
+        <p:nvSpPr>
+          <p:cNvPr id="11" name="TextBox 10"/>
           <p:cNvSpPr txBox="1"/>
           <p:nvPr/>
         </p:nvSpPr>
         <p:spPr>
           <a:xfrm>
-            <a:off x="1775520" y="3126448"/>
-            <a:ext cx="8424936" cy="584775"/>
+            <a:off x="2207568" y="2996952"/>
+            <a:ext cx="7992888" cy="830997"/>
           </a:xfrm>
           <a:prstGeom prst="rect">
             <a:avLst/>
           </a:prstGeom>
           <a:noFill/>
-          <a:ln w="28575">
-            <a:solidFill>
-              <a:srgbClr val="00B0F0"/>
-            </a:solidFill>
-          </a:ln>
         </p:spPr>
         <p:txBody>
           <a:bodyPr wrap="square" rtlCol="0">
@@ -9709,33 +9629,40 @@
           </a:bodyPr>
           <a:lstStyle/>
           <a:p>
-            <a:pPr algn="ctr"/>
-            <a:r>
-              <a:rPr lang="en-US" sz="3200" b="1" dirty="0"/>
+            <a:pPr algn="just"/>
+            <a:r>
+              <a:rPr lang="en-US" sz="2400" b="1" i="1" dirty="0"/>
               <a:t>.</a:t>
             </a:r>
             <a:r>
-              <a:rPr lang="en-US" sz="3200" b="1" dirty="0" err="1"/>
-              <a:t>getElementsBy</a:t>
-            </a:r>
-            <a:r>
-              <a:rPr lang="en-US" sz="3200" b="1" dirty="0"/>
-              <a:t>…()</a:t>
-            </a:r>
-            <a:endParaRPr lang="ru-RU" sz="3200" b="1" dirty="0"/>
-          </a:p>
-        </p:txBody>
-      </p:sp>
-      <p:sp>
-        <p:nvSpPr>
-          <p:cNvPr id="16" name="TextBox 15"/>
+              <a:rPr lang="en-US" sz="2400" b="1" i="1" dirty="0" err="1"/>
+              <a:t>classList.remove</a:t>
+            </a:r>
+            <a:r>
+              <a:rPr lang="en-US" sz="2400" b="1" i="1" dirty="0"/>
+              <a:t>(‘cat’) </a:t>
+            </a:r>
+            <a:r>
+              <a:rPr lang="en-US" sz="2400" i="1" dirty="0"/>
+              <a:t>– </a:t>
+            </a:r>
+            <a:r>
+              <a:rPr lang="ru-RU" sz="2400" i="1" dirty="0"/>
+              <a:t>метод удаляет класс у тегу (если есть другие классы то они не затрагиваются).</a:t>
+            </a:r>
+          </a:p>
+        </p:txBody>
+      </p:sp>
+      <p:sp>
+        <p:nvSpPr>
+          <p:cNvPr id="13" name="TextBox 12"/>
           <p:cNvSpPr txBox="1"/>
           <p:nvPr/>
         </p:nvSpPr>
         <p:spPr>
           <a:xfrm>
-            <a:off x="1775520" y="3846527"/>
-            <a:ext cx="8568952" cy="1569660"/>
+            <a:off x="2207568" y="4470211"/>
+            <a:ext cx="7992888" cy="830997"/>
           </a:xfrm>
           <a:prstGeom prst="rect">
             <a:avLst/>
@@ -9748,23 +9675,48 @@
           </a:bodyPr>
           <a:lstStyle/>
           <a:p>
-            <a:r>
-              <a:rPr lang="ru-RU" sz="2400" dirty="0"/>
-              <a:t>Возвращают живые коллекции, которые всегда актуальны. Т.е. массив с результатом работы этих функций всегда будет содержать актуальное количество результатов, что бы не происходило с документом. </a:t>
-            </a:r>
-          </a:p>
-        </p:txBody>
-      </p:sp>
-      <p:sp>
-        <p:nvSpPr>
-          <p:cNvPr id="8" name="TextBox 7"/>
+            <a:pPr algn="just"/>
+            <a:r>
+              <a:rPr lang="en-US" sz="2400" b="1" i="1" dirty="0"/>
+              <a:t>.</a:t>
+            </a:r>
+            <a:r>
+              <a:rPr lang="en-US" sz="2400" b="1" i="1" dirty="0" err="1"/>
+              <a:t>classList.contains</a:t>
+            </a:r>
+            <a:r>
+              <a:rPr lang="en-US" sz="2400" b="1" i="1" dirty="0"/>
+              <a:t>(‘cat’) </a:t>
+            </a:r>
+            <a:r>
+              <a:rPr lang="en-US" sz="2400" i="1" dirty="0"/>
+              <a:t>– </a:t>
+            </a:r>
+            <a:r>
+              <a:rPr lang="ru-RU" sz="2400" i="1" dirty="0"/>
+              <a:t>метод проверяет наличие у тега заданного класса (возвращает </a:t>
+            </a:r>
+            <a:r>
+              <a:rPr lang="en-US" sz="2400" i="1" dirty="0"/>
+              <a:t>true/false</a:t>
+            </a:r>
+            <a:r>
+              <a:rPr lang="ru-RU" sz="2400" i="1" dirty="0"/>
+              <a:t>).</a:t>
+            </a:r>
+          </a:p>
+        </p:txBody>
+      </p:sp>
+      <p:sp>
+        <p:nvSpPr>
+          <p:cNvPr id="12" name="TextBox 11"/>
           <p:cNvSpPr txBox="1"/>
           <p:nvPr/>
         </p:nvSpPr>
         <p:spPr>
           <a:xfrm>
-            <a:off x="0" y="5862463"/>
-            <a:ext cx="12192000" cy="461665"/>
+            <a:off x="2207568" y="5229200"/>
+            <a:ext cx="7992612" cy="830997"/>
           </a:xfrm>
           <a:prstGeom prst="rect">
             <a:avLst/>
@@ -9777,25 +9729,130 @@
           </a:bodyPr>
           <a:lstStyle/>
           <a:p>
-            <a:pPr algn="ctr"/>
-            <a:r>
-              <a:rPr lang="ru-RU" sz="2400" b="1" dirty="0"/>
-              <a:t>Подробнее: </a:t>
-            </a:r>
-            <a:r>
-              <a:rPr lang="en-US" sz="2400" b="1" dirty="0">
-                <a:hlinkClick r:id="rId2"/>
+            <a:pPr algn="just"/>
+            <a:r>
+              <a:rPr lang="en-US" sz="2400" b="1" i="1" dirty="0">
+                <a:solidFill>
+                  <a:schemeClr val="accent6"/>
+                </a:solidFill>
               </a:rPr>
-              <a:t>https://learn.javascript.ru/searching-elements-dom</a:t>
-            </a:r>
-            <a:endParaRPr lang="ru-RU" sz="2400" b="1" dirty="0"/>
+              <a:t>.style</a:t>
+            </a:r>
+            <a:r>
+              <a:rPr lang="en-US" sz="2400" i="1" dirty="0">
+                <a:solidFill>
+                  <a:schemeClr val="accent6"/>
+                </a:solidFill>
+              </a:rPr>
+              <a:t> </a:t>
+            </a:r>
+            <a:r>
+              <a:rPr lang="en-US" sz="2400" i="1" dirty="0"/>
+              <a:t>– </a:t>
+            </a:r>
+            <a:r>
+              <a:rPr lang="ru-RU" sz="2400" i="1" dirty="0"/>
+              <a:t>свойство определяющее объект со всеми поддерживаемыми браузером стилевые свойства</a:t>
+            </a:r>
+            <a:r>
+              <a:rPr lang="en-US" sz="2400" i="1" dirty="0"/>
+              <a:t> (CSS)</a:t>
+            </a:r>
+            <a:r>
+              <a:rPr lang="ru-RU" sz="2400" i="1" dirty="0"/>
+              <a:t>.</a:t>
+            </a:r>
+          </a:p>
+        </p:txBody>
+      </p:sp>
+      <p:sp>
+        <p:nvSpPr>
+          <p:cNvPr id="14" name="TextBox 13"/>
+          <p:cNvSpPr txBox="1"/>
+          <p:nvPr/>
+        </p:nvSpPr>
+        <p:spPr>
+          <a:xfrm>
+            <a:off x="2207292" y="3750131"/>
+            <a:ext cx="7992888" cy="830997"/>
+          </a:xfrm>
+          <a:prstGeom prst="rect">
+            <a:avLst/>
+          </a:prstGeom>
+          <a:noFill/>
+        </p:spPr>
+        <p:txBody>
+          <a:bodyPr wrap="square" rtlCol="0">
+            <a:spAutoFit/>
+          </a:bodyPr>
+          <a:lstStyle/>
+          <a:p>
+            <a:pPr algn="just"/>
+            <a:r>
+              <a:rPr lang="en-US" sz="2400" b="1" i="1" dirty="0"/>
+              <a:t>.</a:t>
+            </a:r>
+            <a:r>
+              <a:rPr lang="en-US" sz="2400" b="1" i="1" dirty="0" err="1"/>
+              <a:t>classList.toggle</a:t>
+            </a:r>
+            <a:r>
+              <a:rPr lang="en-US" sz="2400" b="1" i="1" dirty="0"/>
+              <a:t>(‘cat’) </a:t>
+            </a:r>
+            <a:r>
+              <a:rPr lang="en-US" sz="2400" i="1" dirty="0"/>
+              <a:t>– </a:t>
+            </a:r>
+            <a:r>
+              <a:rPr lang="ru-RU" sz="2400" i="1" dirty="0"/>
+              <a:t>метод удаляет класс у тегу, если он есть, или добавляет класс, если его нет.</a:t>
+            </a:r>
+          </a:p>
+        </p:txBody>
+      </p:sp>
+      <p:sp>
+        <p:nvSpPr>
+          <p:cNvPr id="15" name="TextBox 14"/>
+          <p:cNvSpPr txBox="1"/>
+          <p:nvPr/>
+        </p:nvSpPr>
+        <p:spPr>
+          <a:xfrm>
+            <a:off x="2279576" y="6022449"/>
+            <a:ext cx="7992612" cy="461665"/>
+          </a:xfrm>
+          <a:prstGeom prst="rect">
+            <a:avLst/>
+          </a:prstGeom>
+          <a:noFill/>
+        </p:spPr>
+        <p:txBody>
+          <a:bodyPr wrap="square" rtlCol="0">
+            <a:spAutoFit/>
+          </a:bodyPr>
+          <a:lstStyle/>
+          <a:p>
+            <a:pPr algn="just"/>
+            <a:r>
+              <a:rPr lang="en-US" sz="2400" b="1" i="1" dirty="0"/>
+              <a:t>.attributes</a:t>
+            </a:r>
+            <a:r>
+              <a:rPr lang="en-US" sz="2400" i="1" dirty="0"/>
+              <a:t> – </a:t>
+            </a:r>
+            <a:r>
+              <a:rPr lang="ru-RU" sz="2400" i="1" dirty="0"/>
+              <a:t>хранит коллекцию с атрибутами тега.</a:t>
+            </a:r>
           </a:p>
         </p:txBody>
       </p:sp>
     </p:spTree>
     <p:extLst>
       <p:ext uri="{BB962C8B-B14F-4D97-AF65-F5344CB8AC3E}">
-        <p14:creationId xmlns:p14="http://schemas.microsoft.com/office/powerpoint/2010/main" val="3320345205"/>
+        <p14:creationId xmlns:p14="http://schemas.microsoft.com/office/powerpoint/2010/main" val="3096554104"/>
       </p:ext>
     </p:extLst>
   </p:cSld>
@@ -9824,177 +9881,61 @@
       </p:grpSpPr>
       <p:sp>
         <p:nvSpPr>
-          <p:cNvPr id="20" name="Номер слайда 36"/>
-          <p:cNvSpPr txBox="1">
-            <a:spLocks/>
-          </p:cNvSpPr>
-          <p:nvPr/>
-        </p:nvSpPr>
-        <p:spPr>
-          <a:xfrm>
-            <a:off x="11232256" y="6165304"/>
-            <a:ext cx="648072" cy="432048"/>
-          </a:xfrm>
-          <a:prstGeom prst="roundRect">
-            <a:avLst/>
-          </a:prstGeom>
-          <a:ln w="25400" cap="flat" cmpd="sng" algn="ctr">
-            <a:solidFill>
-              <a:schemeClr val="tx2">
-                <a:lumMod val="60000"/>
-                <a:lumOff val="40000"/>
-              </a:schemeClr>
-            </a:solidFill>
-            <a:prstDash val="solid"/>
-          </a:ln>
+          <p:cNvPr id="5" name="Прямоугольник 4"/>
+          <p:cNvSpPr/>
+          <p:nvPr/>
+        </p:nvSpPr>
+        <p:spPr>
+          <a:xfrm>
+            <a:off x="0" y="0"/>
+            <a:ext cx="12192000" cy="6858000"/>
+          </a:xfrm>
+          <a:prstGeom prst="rect">
+            <a:avLst/>
+          </a:prstGeom>
+          <a:solidFill>
+            <a:schemeClr val="tx2">
+              <a:lumMod val="75000"/>
+            </a:schemeClr>
+          </a:solidFill>
         </p:spPr>
         <p:style>
           <a:lnRef idx="2">
-            <a:schemeClr val="accent1"/>
+            <a:schemeClr val="accent1">
+              <a:shade val="50000"/>
+            </a:schemeClr>
           </a:lnRef>
           <a:fillRef idx="1">
-            <a:schemeClr val="lt1"/>
+            <a:schemeClr val="accent1"/>
           </a:fillRef>
           <a:effectRef idx="0">
             <a:schemeClr val="accent1"/>
           </a:effectRef>
           <a:fontRef idx="minor">
-            <a:schemeClr val="dk1"/>
+            <a:schemeClr val="lt1"/>
           </a:fontRef>
         </p:style>
         <p:txBody>
-          <a:bodyPr vert="horz" lIns="91440" tIns="45720" rIns="91440" bIns="45720" rtlCol="0" anchor="ctr"/>
-          <a:lstStyle/>
-          <a:p>
-            <a:pPr algn="ctr">
-              <a:defRPr/>
-            </a:pPr>
-            <a:fld id="{6389AA22-90B4-448C-8B6B-C699140D38B9}" type="slidenum">
-              <a:rPr lang="uk-UA" sz="2400" b="1">
-                <a:solidFill>
-                  <a:schemeClr val="bg1">
-                    <a:lumMod val="50000"/>
-                  </a:schemeClr>
-                </a:solidFill>
-              </a:rPr>
-              <a:pPr algn="ctr">
-                <a:defRPr/>
-              </a:pPr>
-              <a:t>26</a:t>
-            </a:fld>
-            <a:endParaRPr lang="uk-UA" sz="2400" b="1" dirty="0">
-              <a:solidFill>
-                <a:schemeClr val="bg1">
-                  <a:lumMod val="50000"/>
-                </a:schemeClr>
-              </a:solidFill>
-            </a:endParaRPr>
-          </a:p>
-        </p:txBody>
-      </p:sp>
-      <p:sp>
-        <p:nvSpPr>
-          <p:cNvPr id="8" name="TextBox 7"/>
-          <p:cNvSpPr txBox="1"/>
-          <p:nvPr/>
-        </p:nvSpPr>
-        <p:spPr>
-          <a:xfrm>
-            <a:off x="1343472" y="563196"/>
-            <a:ext cx="9793088" cy="1569660"/>
-          </a:xfrm>
-          <a:prstGeom prst="rect">
-            <a:avLst/>
-          </a:prstGeom>
-          <a:noFill/>
-        </p:spPr>
-        <p:txBody>
-          <a:bodyPr wrap="square" rtlCol="0">
-            <a:spAutoFit/>
-          </a:bodyPr>
-          <a:lstStyle/>
-          <a:p>
-            <a:pPr algn="just"/>
-            <a:r>
-              <a:rPr lang="ru-RU" sz="3200" b="1" i="1" dirty="0"/>
-              <a:t>С живыми коллекциями нужно быть осторожным</a:t>
-            </a:r>
-            <a:r>
-              <a:rPr lang="ru-RU" sz="3200" i="1" dirty="0"/>
-              <a:t> в том случае если вы перебираете её в цикле и изменяете её состав.</a:t>
-            </a:r>
-          </a:p>
-        </p:txBody>
-      </p:sp>
-      <p:sp>
-        <p:nvSpPr>
-          <p:cNvPr id="3" name="TextBox 2"/>
-          <p:cNvSpPr txBox="1"/>
-          <p:nvPr/>
-        </p:nvSpPr>
-        <p:spPr>
-          <a:xfrm>
-            <a:off x="1559496" y="4911452"/>
-            <a:ext cx="9649072" cy="954107"/>
-          </a:xfrm>
-          <a:prstGeom prst="rect">
-            <a:avLst/>
-          </a:prstGeom>
-          <a:noFill/>
-        </p:spPr>
-        <p:txBody>
-          <a:bodyPr wrap="square" rtlCol="0">
-            <a:spAutoFit/>
-          </a:bodyPr>
+          <a:bodyPr rtlCol="0" anchor="ctr"/>
           <a:lstStyle/>
           <a:p>
             <a:pPr algn="ctr"/>
             <a:r>
-              <a:rPr lang="ru-RU" sz="2800" i="1" dirty="0"/>
-              <a:t>Однако, и живую и статическую коллекцию можно конвертировать в классический массив.</a:t>
-            </a:r>
-            <a:endParaRPr lang="uk-UA" sz="2800" i="1" dirty="0"/>
-          </a:p>
-        </p:txBody>
-      </p:sp>
-      <p:pic>
-        <p:nvPicPr>
-          <p:cNvPr id="4" name="Рисунок 3"/>
-          <p:cNvPicPr>
-            <a:picLocks noChangeAspect="1"/>
-          </p:cNvPicPr>
-          <p:nvPr/>
-        </p:nvPicPr>
-        <p:blipFill>
-          <a:blip r:embed="rId2"/>
-          <a:stretch>
-            <a:fillRect/>
-          </a:stretch>
-        </p:blipFill>
-        <p:spPr>
-          <a:xfrm>
-            <a:off x="2258702" y="2357142"/>
-            <a:ext cx="7905750" cy="2152650"/>
-          </a:xfrm>
-          <a:prstGeom prst="rect">
-            <a:avLst/>
-          </a:prstGeom>
-          <a:ln>
-            <a:noFill/>
-          </a:ln>
-          <a:effectLst>
-            <a:outerShdw blurRad="292100" dist="139700" dir="2700000" algn="tl" rotWithShape="0">
-              <a:srgbClr val="333333">
-                <a:alpha val="65000"/>
-              </a:srgbClr>
-            </a:outerShdw>
-          </a:effectLst>
-        </p:spPr>
-      </p:pic>
+              <a:rPr lang="en-US" sz="6000" b="1" dirty="0"/>
+              <a:t>6. </a:t>
+            </a:r>
+            <a:r>
+              <a:rPr lang="ru-RU" sz="6000" b="1" dirty="0"/>
+              <a:t>Как удалить тег?</a:t>
+            </a:r>
+            <a:endParaRPr lang="uk-UA" sz="3200" b="1" i="1" dirty="0"/>
+          </a:p>
+        </p:txBody>
+      </p:sp>
     </p:spTree>
     <p:extLst>
       <p:ext uri="{BB962C8B-B14F-4D97-AF65-F5344CB8AC3E}">
-        <p14:creationId xmlns:p14="http://schemas.microsoft.com/office/powerpoint/2010/main" val="2322527988"/>
+        <p14:creationId xmlns:p14="http://schemas.microsoft.com/office/powerpoint/2010/main" val="2200278204"/>
       </p:ext>
     </p:extLst>
   </p:cSld>
@@ -10023,63 +9964,215 @@
       </p:grpSpPr>
       <p:sp>
         <p:nvSpPr>
-          <p:cNvPr id="5" name="Прямоугольник 4"/>
-          <p:cNvSpPr/>
-          <p:nvPr/>
-        </p:nvSpPr>
-        <p:spPr>
-          <a:xfrm>
-            <a:off x="0" y="0"/>
-            <a:ext cx="12192000" cy="6858000"/>
-          </a:xfrm>
-          <a:prstGeom prst="rect">
-            <a:avLst/>
-          </a:prstGeom>
-          <a:solidFill>
-            <a:schemeClr val="tx2">
-              <a:lumMod val="75000"/>
-            </a:schemeClr>
-          </a:solidFill>
+          <p:cNvPr id="20" name="Номер слайда 36"/>
+          <p:cNvSpPr txBox="1">
+            <a:spLocks/>
+          </p:cNvSpPr>
+          <p:nvPr/>
+        </p:nvSpPr>
+        <p:spPr>
+          <a:xfrm>
+            <a:off x="10989935" y="6195079"/>
+            <a:ext cx="648072" cy="432048"/>
+          </a:xfrm>
+          <a:prstGeom prst="roundRect">
+            <a:avLst/>
+          </a:prstGeom>
+          <a:ln w="25400" cap="flat" cmpd="sng" algn="ctr">
+            <a:solidFill>
+              <a:schemeClr val="tx2">
+                <a:lumMod val="60000"/>
+                <a:lumOff val="40000"/>
+              </a:schemeClr>
+            </a:solidFill>
+            <a:prstDash val="solid"/>
+          </a:ln>
         </p:spPr>
         <p:style>
           <a:lnRef idx="2">
-            <a:schemeClr val="accent1">
-              <a:shade val="50000"/>
-            </a:schemeClr>
+            <a:schemeClr val="accent1"/>
           </a:lnRef>
           <a:fillRef idx="1">
-            <a:schemeClr val="accent1"/>
+            <a:schemeClr val="lt1"/>
           </a:fillRef>
           <a:effectRef idx="0">
             <a:schemeClr val="accent1"/>
           </a:effectRef>
           <a:fontRef idx="minor">
-            <a:schemeClr val="lt1"/>
+            <a:schemeClr val="dk1"/>
           </a:fontRef>
         </p:style>
         <p:txBody>
-          <a:bodyPr rtlCol="0" anchor="ctr"/>
+          <a:bodyPr vert="horz" lIns="91440" tIns="45720" rIns="91440" bIns="45720" rtlCol="0" anchor="ctr"/>
+          <a:lstStyle/>
+          <a:p>
+            <a:pPr algn="ctr">
+              <a:defRPr/>
+            </a:pPr>
+            <a:fld id="{6389AA22-90B4-448C-8B6B-C699140D38B9}" type="slidenum">
+              <a:rPr lang="uk-UA" sz="2400" b="1">
+                <a:solidFill>
+                  <a:schemeClr val="bg1">
+                    <a:lumMod val="50000"/>
+                  </a:schemeClr>
+                </a:solidFill>
+              </a:rPr>
+              <a:pPr algn="ctr">
+                <a:defRPr/>
+              </a:pPr>
+              <a:t>27</a:t>
+            </a:fld>
+            <a:endParaRPr lang="uk-UA" sz="2400" b="1" dirty="0">
+              <a:solidFill>
+                <a:schemeClr val="bg1">
+                  <a:lumMod val="50000"/>
+                </a:schemeClr>
+              </a:solidFill>
+            </a:endParaRPr>
+          </a:p>
+        </p:txBody>
+      </p:sp>
+      <p:sp>
+        <p:nvSpPr>
+          <p:cNvPr id="4" name="TextBox 3"/>
+          <p:cNvSpPr txBox="1"/>
+          <p:nvPr/>
+        </p:nvSpPr>
+        <p:spPr>
+          <a:xfrm>
+            <a:off x="0" y="385500"/>
+            <a:ext cx="12191999" cy="523220"/>
+          </a:xfrm>
+          <a:prstGeom prst="rect">
+            <a:avLst/>
+          </a:prstGeom>
+          <a:noFill/>
+        </p:spPr>
+        <p:txBody>
+          <a:bodyPr wrap="square" rtlCol="0">
+            <a:spAutoFit/>
+          </a:bodyPr>
           <a:lstStyle/>
           <a:p>
             <a:pPr algn="ctr"/>
             <a:r>
-              <a:rPr lang="en-US" sz="6000" b="1" dirty="0"/>
-              <a:t>5. </a:t>
-            </a:r>
-            <a:r>
-              <a:rPr lang="ru-RU" sz="6000" b="1" dirty="0"/>
-              <a:t>Как изменить тег?</a:t>
-            </a:r>
-            <a:endParaRPr lang="uk-UA" sz="3200" b="1" i="1" dirty="0"/>
-          </a:p>
-        </p:txBody>
-      </p:sp>
+              <a:rPr lang="ru-RU" sz="2800" b="1" dirty="0"/>
+              <a:t>Удаление элементов из дерева документа</a:t>
+            </a:r>
+          </a:p>
+        </p:txBody>
+      </p:sp>
+      <p:sp>
+        <p:nvSpPr>
+          <p:cNvPr id="5" name="TextBox 4"/>
+          <p:cNvSpPr txBox="1"/>
+          <p:nvPr/>
+        </p:nvSpPr>
+        <p:spPr>
+          <a:xfrm>
+            <a:off x="720057" y="3821395"/>
+            <a:ext cx="5400600" cy="2308324"/>
+          </a:xfrm>
+          <a:prstGeom prst="rect">
+            <a:avLst/>
+          </a:prstGeom>
+          <a:noFill/>
+        </p:spPr>
+        <p:txBody>
+          <a:bodyPr wrap="square" rtlCol="0">
+            <a:spAutoFit/>
+          </a:bodyPr>
+          <a:lstStyle/>
+          <a:p>
+            <a:r>
+              <a:rPr lang="ru-RU" sz="2400" dirty="0"/>
+              <a:t>Удалить элемент из дерева документа можно вызывав у него метод </a:t>
+            </a:r>
+            <a:r>
+              <a:rPr lang="ru-RU" sz="2400" b="1" dirty="0"/>
+              <a:t>.</a:t>
+            </a:r>
+            <a:r>
+              <a:rPr lang="en-US" sz="2400" b="1" dirty="0"/>
+              <a:t>remove()</a:t>
+            </a:r>
+            <a:r>
+              <a:rPr lang="ru-RU" sz="2400" dirty="0"/>
+              <a:t>, при этом все его дочерние элементы также исчезнут со странице. Однако сам объект-тег не уничтожается. Его можно использовать в дальнейшем.  </a:t>
+            </a:r>
+          </a:p>
+        </p:txBody>
+      </p:sp>
+      <p:pic>
+        <p:nvPicPr>
+          <p:cNvPr id="13" name="Picture 3"/>
+          <p:cNvPicPr>
+            <a:picLocks noChangeAspect="1" noChangeArrowheads="1"/>
+          </p:cNvPicPr>
+          <p:nvPr/>
+        </p:nvPicPr>
+        <p:blipFill rotWithShape="1">
+          <a:blip r:embed="rId2" cstate="print"/>
+          <a:srcRect t="25836" r="20589" b="836"/>
+          <a:stretch/>
+        </p:blipFill>
+        <p:spPr bwMode="auto">
+          <a:xfrm>
+            <a:off x="7176120" y="4397844"/>
+            <a:ext cx="3921827" cy="1155426"/>
+          </a:xfrm>
+          <a:prstGeom prst="rect">
+            <a:avLst/>
+          </a:prstGeom>
+          <a:ln>
+            <a:solidFill>
+              <a:srgbClr val="FFC000"/>
+            </a:solidFill>
+          </a:ln>
+          <a:effectLst>
+            <a:outerShdw blurRad="292100" dist="139700" dir="2700000" algn="tl" rotWithShape="0">
+              <a:srgbClr val="333333">
+                <a:alpha val="65000"/>
+              </a:srgbClr>
+            </a:outerShdw>
+          </a:effectLst>
+        </p:spPr>
+      </p:pic>
+      <p:pic>
+        <p:nvPicPr>
+          <p:cNvPr id="2" name="Рисунок 1"/>
+          <p:cNvPicPr>
+            <a:picLocks noChangeAspect="1"/>
+          </p:cNvPicPr>
+          <p:nvPr/>
+        </p:nvPicPr>
+        <p:blipFill>
+          <a:blip r:embed="rId3"/>
+          <a:stretch>
+            <a:fillRect/>
+          </a:stretch>
+        </p:blipFill>
+        <p:spPr>
+          <a:xfrm>
+            <a:off x="720057" y="1281683"/>
+            <a:ext cx="7419975" cy="2219325"/>
+          </a:xfrm>
+          <a:prstGeom prst="rect">
+            <a:avLst/>
+          </a:prstGeom>
+          <a:ln>
+            <a:noFill/>
+          </a:ln>
+          <a:effectLst>
+            <a:outerShdw blurRad="292100" dist="139700" dir="2700000" algn="tl" rotWithShape="0">
+              <a:srgbClr val="333333">
+                <a:alpha val="65000"/>
+              </a:srgbClr>
+            </a:outerShdw>
+          </a:effectLst>
+        </p:spPr>
+      </p:pic>
     </p:spTree>
-    <p:extLst>
-      <p:ext uri="{BB962C8B-B14F-4D97-AF65-F5344CB8AC3E}">
-        <p14:creationId xmlns:p14="http://schemas.microsoft.com/office/powerpoint/2010/main" val="1250038862"/>
-      </p:ext>
-    </p:extLst>
   </p:cSld>
   <p:clrMapOvr>
     <a:masterClrMapping/>
@@ -10106,201 +10199,61 @@
       </p:grpSpPr>
       <p:sp>
         <p:nvSpPr>
-          <p:cNvPr id="20" name="Номер слайда 36"/>
-          <p:cNvSpPr txBox="1">
-            <a:spLocks/>
-          </p:cNvSpPr>
-          <p:nvPr/>
-        </p:nvSpPr>
-        <p:spPr>
-          <a:xfrm>
-            <a:off x="11203227" y="6093296"/>
-            <a:ext cx="648072" cy="432048"/>
-          </a:xfrm>
-          <a:prstGeom prst="roundRect">
-            <a:avLst/>
-          </a:prstGeom>
-          <a:ln w="25400" cap="flat" cmpd="sng" algn="ctr">
-            <a:solidFill>
-              <a:schemeClr val="tx2">
-                <a:lumMod val="60000"/>
-                <a:lumOff val="40000"/>
-              </a:schemeClr>
-            </a:solidFill>
-            <a:prstDash val="solid"/>
-          </a:ln>
+          <p:cNvPr id="5" name="Прямоугольник 4"/>
+          <p:cNvSpPr/>
+          <p:nvPr/>
+        </p:nvSpPr>
+        <p:spPr>
+          <a:xfrm>
+            <a:off x="0" y="0"/>
+            <a:ext cx="12192000" cy="6858000"/>
+          </a:xfrm>
+          <a:prstGeom prst="rect">
+            <a:avLst/>
+          </a:prstGeom>
+          <a:solidFill>
+            <a:schemeClr val="tx2">
+              <a:lumMod val="75000"/>
+            </a:schemeClr>
+          </a:solidFill>
         </p:spPr>
         <p:style>
           <a:lnRef idx="2">
-            <a:schemeClr val="accent1"/>
+            <a:schemeClr val="accent1">
+              <a:shade val="50000"/>
+            </a:schemeClr>
           </a:lnRef>
           <a:fillRef idx="1">
-            <a:schemeClr val="lt1"/>
+            <a:schemeClr val="accent1"/>
           </a:fillRef>
           <a:effectRef idx="0">
             <a:schemeClr val="accent1"/>
           </a:effectRef>
           <a:fontRef idx="minor">
-            <a:schemeClr val="dk1"/>
+            <a:schemeClr val="lt1"/>
           </a:fontRef>
         </p:style>
         <p:txBody>
-          <a:bodyPr vert="horz" lIns="91440" tIns="45720" rIns="91440" bIns="45720" rtlCol="0" anchor="ctr"/>
-          <a:lstStyle/>
-          <a:p>
-            <a:pPr algn="ctr">
-              <a:defRPr/>
-            </a:pPr>
-            <a:fld id="{6389AA22-90B4-448C-8B6B-C699140D38B9}" type="slidenum">
-              <a:rPr lang="uk-UA" sz="2400" b="1">
-                <a:solidFill>
-                  <a:schemeClr val="bg1">
-                    <a:lumMod val="50000"/>
-                  </a:schemeClr>
-                </a:solidFill>
-              </a:rPr>
-              <a:pPr algn="ctr">
-                <a:defRPr/>
-              </a:pPr>
-              <a:t>28</a:t>
-            </a:fld>
-            <a:endParaRPr lang="uk-UA" sz="2400" b="1" dirty="0">
-              <a:solidFill>
-                <a:schemeClr val="bg1">
-                  <a:lumMod val="50000"/>
-                </a:schemeClr>
-              </a:solidFill>
-            </a:endParaRPr>
-          </a:p>
-        </p:txBody>
-      </p:sp>
-      <p:sp>
-        <p:nvSpPr>
-          <p:cNvPr id="6" name="TextBox 5"/>
-          <p:cNvSpPr txBox="1"/>
-          <p:nvPr/>
-        </p:nvSpPr>
-        <p:spPr>
-          <a:xfrm>
-            <a:off x="911424" y="1198493"/>
-            <a:ext cx="10225136" cy="646331"/>
-          </a:xfrm>
-          <a:prstGeom prst="rect">
-            <a:avLst/>
-          </a:prstGeom>
-          <a:noFill/>
-        </p:spPr>
-        <p:txBody>
-          <a:bodyPr wrap="square" rtlCol="0">
-            <a:spAutoFit/>
-          </a:bodyPr>
+          <a:bodyPr rtlCol="0" anchor="ctr"/>
           <a:lstStyle/>
           <a:p>
             <a:pPr algn="ctr"/>
             <a:r>
-              <a:rPr lang="ru-RU" sz="3600" b="1" dirty="0"/>
-              <a:t>Свойство </a:t>
-            </a:r>
-            <a:r>
-              <a:rPr lang="en-US" sz="3600" b="1" dirty="0">
-                <a:solidFill>
-                  <a:schemeClr val="accent6">
-                    <a:lumMod val="75000"/>
-                  </a:schemeClr>
-                </a:solidFill>
-              </a:rPr>
-              <a:t>.</a:t>
-            </a:r>
-            <a:r>
-              <a:rPr lang="en-US" sz="3600" b="1" dirty="0" err="1">
-                <a:solidFill>
-                  <a:schemeClr val="accent6">
-                    <a:lumMod val="75000"/>
-                  </a:schemeClr>
-                </a:solidFill>
-              </a:rPr>
-              <a:t>innerHTML</a:t>
-            </a:r>
-            <a:r>
-              <a:rPr lang="en-US" sz="3600" b="1" dirty="0">
-                <a:solidFill>
-                  <a:schemeClr val="accent6">
-                    <a:lumMod val="75000"/>
-                  </a:schemeClr>
-                </a:solidFill>
-              </a:rPr>
-              <a:t> </a:t>
-            </a:r>
-            <a:r>
-              <a:rPr lang="ru-RU" sz="3600" b="1" dirty="0"/>
-              <a:t>хранит содержимое тега</a:t>
-            </a:r>
-            <a:endParaRPr lang="ru-RU" sz="3600" b="1" dirty="0">
-              <a:solidFill>
-                <a:srgbClr val="0070C0"/>
-              </a:solidFill>
-            </a:endParaRPr>
-          </a:p>
-        </p:txBody>
-      </p:sp>
-      <p:sp>
-        <p:nvSpPr>
-          <p:cNvPr id="11" name="TextBox 10"/>
-          <p:cNvSpPr txBox="1"/>
-          <p:nvPr/>
-        </p:nvSpPr>
-        <p:spPr>
-          <a:xfrm>
-            <a:off x="2495600" y="2924944"/>
-            <a:ext cx="7776864" cy="2062103"/>
-          </a:xfrm>
-          <a:prstGeom prst="rect">
-            <a:avLst/>
-          </a:prstGeom>
-          <a:noFill/>
-        </p:spPr>
-        <p:txBody>
-          <a:bodyPr wrap="square" rtlCol="0">
-            <a:spAutoFit/>
-          </a:bodyPr>
-          <a:lstStyle/>
-          <a:p>
-            <a:r>
-              <a:rPr lang="ru-RU" sz="3200" dirty="0"/>
-              <a:t>Свойство .</a:t>
-            </a:r>
-            <a:r>
-              <a:rPr lang="en-US" sz="3200" b="1" dirty="0" err="1"/>
-              <a:t>innerHTML</a:t>
-            </a:r>
-            <a:r>
-              <a:rPr lang="ru-RU" sz="3200" dirty="0"/>
-              <a:t> – можно не только считывать но и устанавливать.</a:t>
-            </a:r>
-            <a:r>
-              <a:rPr lang="en-US" sz="3200" dirty="0"/>
-              <a:t> </a:t>
-            </a:r>
-            <a:r>
-              <a:rPr lang="ru-RU" sz="3200" dirty="0"/>
-              <a:t>Изменение свойства .</a:t>
-            </a:r>
-            <a:r>
-              <a:rPr lang="en-US" sz="3200" b="1" dirty="0" err="1"/>
-              <a:t>innerHTML</a:t>
-            </a:r>
-            <a:r>
-              <a:rPr lang="ru-RU" sz="3200" dirty="0"/>
-              <a:t> – автоматически влечёт перерисовку документа.</a:t>
-            </a:r>
-            <a:endParaRPr lang="ru-RU" sz="3600" dirty="0"/>
+              <a:rPr lang="en-US" sz="6000" b="1" dirty="0"/>
+              <a:t>7. </a:t>
+            </a:r>
+            <a:r>
+              <a:rPr lang="ru-RU" sz="6000" b="1" dirty="0"/>
+              <a:t>Как создать и добавить тег?</a:t>
+            </a:r>
+            <a:endParaRPr lang="uk-UA" sz="3200" b="1" i="1" dirty="0"/>
           </a:p>
         </p:txBody>
       </p:sp>
     </p:spTree>
     <p:extLst>
       <p:ext uri="{BB962C8B-B14F-4D97-AF65-F5344CB8AC3E}">
-        <p14:creationId xmlns:p14="http://schemas.microsoft.com/office/powerpoint/2010/main" val="102644604"/>
+        <p14:creationId xmlns:p14="http://schemas.microsoft.com/office/powerpoint/2010/main" val="686537527"/>
       </p:ext>
     </p:extLst>
   </p:cSld>
@@ -10329,49 +10282,7 @@
       </p:grpSpPr>
       <p:sp>
         <p:nvSpPr>
-          <p:cNvPr id="16" name="TextBox 15"/>
-          <p:cNvSpPr txBox="1"/>
-          <p:nvPr/>
-        </p:nvSpPr>
-        <p:spPr>
-          <a:xfrm rot="16200000">
-            <a:off x="8867771" y="2923203"/>
-            <a:ext cx="5329664" cy="369332"/>
-          </a:xfrm>
-          <a:prstGeom prst="rect">
-            <a:avLst/>
-          </a:prstGeom>
-          <a:noFill/>
-        </p:spPr>
-        <p:txBody>
-          <a:bodyPr wrap="none" rtlCol="0">
-            <a:spAutoFit/>
-          </a:bodyPr>
-          <a:lstStyle/>
-          <a:p>
-            <a:r>
-              <a:rPr lang="ru-RU" b="1" dirty="0"/>
-              <a:t>Подробнее: </a:t>
-            </a:r>
-            <a:r>
-              <a:rPr lang="en-US" b="1" dirty="0">
-                <a:hlinkClick r:id="rId2"/>
-              </a:rPr>
-              <a:t>https://</a:t>
-            </a:r>
-            <a:r>
-              <a:rPr lang="en-US" sz="1600" b="1" dirty="0">
-                <a:hlinkClick r:id="rId2"/>
-              </a:rPr>
-              <a:t>learn.javascript.ru/styles-and-classes</a:t>
-            </a:r>
-            <a:endParaRPr lang="ru-RU" b="1" dirty="0"/>
-          </a:p>
-        </p:txBody>
-      </p:sp>
-      <p:sp>
-        <p:nvSpPr>
-          <p:cNvPr id="7" name="Номер слайда 36"/>
+          <p:cNvPr id="20" name="Номер слайда 36"/>
           <p:cNvSpPr txBox="1">
             <a:spLocks/>
           </p:cNvSpPr>
@@ -10379,7 +10290,7 @@
         </p:nvSpPr>
         <p:spPr>
           <a:xfrm>
-            <a:off x="11208568" y="6058780"/>
+            <a:off x="11136560" y="6005744"/>
             <a:ext cx="648072" cy="432048"/>
           </a:xfrm>
           <a:prstGeom prst="roundRect">
@@ -10441,43 +10352,43 @@
       </p:sp>
       <p:sp>
         <p:nvSpPr>
-          <p:cNvPr id="3" name="Прямоугольник 2"/>
-          <p:cNvSpPr/>
-          <p:nvPr/>
-        </p:nvSpPr>
-        <p:spPr>
-          <a:xfrm>
-            <a:off x="2949443" y="116633"/>
-            <a:ext cx="6293134" cy="646331"/>
+          <p:cNvPr id="4" name="TextBox 3"/>
+          <p:cNvSpPr txBox="1"/>
+          <p:nvPr/>
+        </p:nvSpPr>
+        <p:spPr>
+          <a:xfrm>
+            <a:off x="2057716" y="362616"/>
+            <a:ext cx="8220584" cy="523220"/>
           </a:xfrm>
           <a:prstGeom prst="rect">
             <a:avLst/>
           </a:prstGeom>
-        </p:spPr>
-        <p:txBody>
-          <a:bodyPr wrap="none">
+          <a:noFill/>
+        </p:spPr>
+        <p:txBody>
+          <a:bodyPr wrap="none" rtlCol="0">
             <a:spAutoFit/>
           </a:bodyPr>
           <a:lstStyle/>
           <a:p>
-            <a:pPr algn="ctr"/>
-            <a:r>
-              <a:rPr lang="ru-RU" sz="3600" b="1" dirty="0"/>
-              <a:t>Полезные свойства элементов</a:t>
-            </a:r>
-          </a:p>
-        </p:txBody>
-      </p:sp>
-      <p:sp>
-        <p:nvSpPr>
-          <p:cNvPr id="8" name="TextBox 7"/>
+            <a:r>
+              <a:rPr lang="ru-RU" sz="2800" b="1" dirty="0"/>
+              <a:t> Добавление новых элементов к дереву документа</a:t>
+            </a:r>
+          </a:p>
+        </p:txBody>
+      </p:sp>
+      <p:sp>
+        <p:nvSpPr>
+          <p:cNvPr id="7" name="TextBox 6"/>
           <p:cNvSpPr txBox="1"/>
           <p:nvPr/>
         </p:nvSpPr>
         <p:spPr>
           <a:xfrm>
-            <a:off x="2207568" y="692696"/>
-            <a:ext cx="7992888" cy="830997"/>
+            <a:off x="1991544" y="980728"/>
+            <a:ext cx="8352928" cy="1569660"/>
           </a:xfrm>
           <a:prstGeom prst="rect">
             <a:avLst/>
@@ -10492,366 +10403,48 @@
           <a:p>
             <a:pPr algn="just"/>
             <a:r>
-              <a:rPr lang="en-US" sz="2400" b="1" i="1" dirty="0"/>
-              <a:t>.</a:t>
-            </a:r>
-            <a:r>
-              <a:rPr lang="en-US" sz="2400" b="1" i="1" dirty="0" err="1"/>
-              <a:t>className</a:t>
-            </a:r>
-            <a:r>
-              <a:rPr lang="en-US" sz="2400" b="1" i="1" dirty="0"/>
-              <a:t> </a:t>
-            </a:r>
-            <a:r>
-              <a:rPr lang="en-US" sz="2400" i="1" dirty="0"/>
-              <a:t>– </a:t>
-            </a:r>
-            <a:r>
-              <a:rPr lang="ru-RU" sz="2400" i="1" dirty="0"/>
-              <a:t>свойство содержит полный список всех классов которые присвоены тегу (одной строкой).</a:t>
-            </a:r>
-          </a:p>
-        </p:txBody>
-      </p:sp>
-      <p:sp>
-        <p:nvSpPr>
-          <p:cNvPr id="9" name="TextBox 8"/>
-          <p:cNvSpPr txBox="1"/>
-          <p:nvPr/>
-        </p:nvSpPr>
-        <p:spPr>
-          <a:xfrm>
-            <a:off x="2207568" y="1484784"/>
-            <a:ext cx="7992888" cy="830997"/>
+              <a:rPr lang="ru-RU" sz="2400" dirty="0"/>
+              <a:t>Вставить новый элемент в документ, можно прикрепив его к какому-либо существующему элементу. Т.е. прикрепить его к родительскому элементу (другими словами: сделать его дочерним для существующего элемента).</a:t>
+            </a:r>
+          </a:p>
+        </p:txBody>
+      </p:sp>
+      <p:pic>
+        <p:nvPicPr>
+          <p:cNvPr id="8" name="Picture 2"/>
+          <p:cNvPicPr>
+            <a:picLocks noChangeAspect="1" noChangeArrowheads="1"/>
+          </p:cNvPicPr>
+          <p:nvPr/>
+        </p:nvPicPr>
+        <p:blipFill>
+          <a:blip r:embed="rId2" cstate="print"/>
+          <a:srcRect/>
+          <a:stretch>
+            <a:fillRect/>
+          </a:stretch>
+        </p:blipFill>
+        <p:spPr bwMode="auto">
+          <a:xfrm>
+            <a:off x="3719736" y="2780928"/>
+            <a:ext cx="5422990" cy="3296824"/>
           </a:xfrm>
           <a:prstGeom prst="rect">
             <a:avLst/>
           </a:prstGeom>
           <a:noFill/>
-        </p:spPr>
-        <p:txBody>
-          <a:bodyPr wrap="square" rtlCol="0">
-            <a:spAutoFit/>
-          </a:bodyPr>
-          <a:lstStyle/>
-          <a:p>
-            <a:pPr algn="just"/>
-            <a:r>
-              <a:rPr lang="en-US" sz="2400" b="1" i="1" dirty="0"/>
-              <a:t>.</a:t>
-            </a:r>
-            <a:r>
-              <a:rPr lang="en-US" sz="2400" b="1" i="1" dirty="0" err="1"/>
-              <a:t>classList</a:t>
-            </a:r>
-            <a:r>
-              <a:rPr lang="en-US" sz="2400" b="1" i="1" dirty="0"/>
-              <a:t> </a:t>
-            </a:r>
-            <a:r>
-              <a:rPr lang="en-US" sz="2400" i="1" dirty="0"/>
-              <a:t>– </a:t>
-            </a:r>
-            <a:r>
-              <a:rPr lang="ru-RU" sz="2400" i="1" dirty="0"/>
-              <a:t>свойство содержит список всех классов которые присвоены тегу (в виде массива).</a:t>
-            </a:r>
-          </a:p>
-        </p:txBody>
-      </p:sp>
-      <p:sp>
-        <p:nvSpPr>
-          <p:cNvPr id="10" name="TextBox 9"/>
-          <p:cNvSpPr txBox="1"/>
-          <p:nvPr/>
-        </p:nvSpPr>
-        <p:spPr>
-          <a:xfrm>
-            <a:off x="2207568" y="2276872"/>
-            <a:ext cx="7992888" cy="830997"/>
-          </a:xfrm>
-          <a:prstGeom prst="rect">
-            <a:avLst/>
-          </a:prstGeom>
-          <a:noFill/>
-        </p:spPr>
-        <p:txBody>
-          <a:bodyPr wrap="square" rtlCol="0">
-            <a:spAutoFit/>
-          </a:bodyPr>
-          <a:lstStyle/>
-          <a:p>
-            <a:pPr algn="just"/>
-            <a:r>
-              <a:rPr lang="en-US" sz="2400" b="1" i="1" dirty="0"/>
-              <a:t>.</a:t>
-            </a:r>
-            <a:r>
-              <a:rPr lang="en-US" sz="2400" b="1" i="1" dirty="0" err="1"/>
-              <a:t>classList.add</a:t>
-            </a:r>
-            <a:r>
-              <a:rPr lang="en-US" sz="2400" b="1" i="1" dirty="0"/>
-              <a:t>(‘cat’) </a:t>
-            </a:r>
-            <a:r>
-              <a:rPr lang="en-US" sz="2400" i="1" dirty="0"/>
-              <a:t>– </a:t>
-            </a:r>
-            <a:r>
-              <a:rPr lang="ru-RU" sz="2400" i="1" dirty="0"/>
-              <a:t>метод добавляет класс к тегу (если есть другие классы то они остаются).</a:t>
-            </a:r>
-          </a:p>
-        </p:txBody>
-      </p:sp>
-      <p:sp>
-        <p:nvSpPr>
-          <p:cNvPr id="11" name="TextBox 10"/>
-          <p:cNvSpPr txBox="1"/>
-          <p:nvPr/>
-        </p:nvSpPr>
-        <p:spPr>
-          <a:xfrm>
-            <a:off x="2207568" y="2996952"/>
-            <a:ext cx="7992888" cy="830997"/>
-          </a:xfrm>
-          <a:prstGeom prst="rect">
-            <a:avLst/>
-          </a:prstGeom>
-          <a:noFill/>
-        </p:spPr>
-        <p:txBody>
-          <a:bodyPr wrap="square" rtlCol="0">
-            <a:spAutoFit/>
-          </a:bodyPr>
-          <a:lstStyle/>
-          <a:p>
-            <a:pPr algn="just"/>
-            <a:r>
-              <a:rPr lang="en-US" sz="2400" b="1" i="1" dirty="0"/>
-              <a:t>.</a:t>
-            </a:r>
-            <a:r>
-              <a:rPr lang="en-US" sz="2400" b="1" i="1" dirty="0" err="1"/>
-              <a:t>classList.remove</a:t>
-            </a:r>
-            <a:r>
-              <a:rPr lang="en-US" sz="2400" b="1" i="1" dirty="0"/>
-              <a:t>(‘cat’) </a:t>
-            </a:r>
-            <a:r>
-              <a:rPr lang="en-US" sz="2400" i="1" dirty="0"/>
-              <a:t>– </a:t>
-            </a:r>
-            <a:r>
-              <a:rPr lang="ru-RU" sz="2400" i="1" dirty="0"/>
-              <a:t>метод удаляет класс у тегу (если есть другие классы то они не затрагиваются).</a:t>
-            </a:r>
-          </a:p>
-        </p:txBody>
-      </p:sp>
-      <p:sp>
-        <p:nvSpPr>
-          <p:cNvPr id="13" name="TextBox 12"/>
-          <p:cNvSpPr txBox="1"/>
-          <p:nvPr/>
-        </p:nvSpPr>
-        <p:spPr>
-          <a:xfrm>
-            <a:off x="2207568" y="4470211"/>
-            <a:ext cx="7992888" cy="830997"/>
-          </a:xfrm>
-          <a:prstGeom prst="rect">
-            <a:avLst/>
-          </a:prstGeom>
-          <a:noFill/>
-        </p:spPr>
-        <p:txBody>
-          <a:bodyPr wrap="square" rtlCol="0">
-            <a:spAutoFit/>
-          </a:bodyPr>
-          <a:lstStyle/>
-          <a:p>
-            <a:pPr algn="just"/>
-            <a:r>
-              <a:rPr lang="en-US" sz="2400" b="1" i="1" dirty="0"/>
-              <a:t>.</a:t>
-            </a:r>
-            <a:r>
-              <a:rPr lang="en-US" sz="2400" b="1" i="1" dirty="0" err="1"/>
-              <a:t>classList.contains</a:t>
-            </a:r>
-            <a:r>
-              <a:rPr lang="en-US" sz="2400" b="1" i="1" dirty="0"/>
-              <a:t>(‘cat’) </a:t>
-            </a:r>
-            <a:r>
-              <a:rPr lang="en-US" sz="2400" i="1" dirty="0"/>
-              <a:t>– </a:t>
-            </a:r>
-            <a:r>
-              <a:rPr lang="ru-RU" sz="2400" i="1" dirty="0"/>
-              <a:t>метод проверяет наличие у тега заданного класса (возвращает </a:t>
-            </a:r>
-            <a:r>
-              <a:rPr lang="en-US" sz="2400" i="1" dirty="0"/>
-              <a:t>true/false</a:t>
-            </a:r>
-            <a:r>
-              <a:rPr lang="ru-RU" sz="2400" i="1" dirty="0"/>
-              <a:t>).</a:t>
-            </a:r>
-          </a:p>
-        </p:txBody>
-      </p:sp>
-      <p:sp>
-        <p:nvSpPr>
-          <p:cNvPr id="12" name="TextBox 11"/>
-          <p:cNvSpPr txBox="1"/>
-          <p:nvPr/>
-        </p:nvSpPr>
-        <p:spPr>
-          <a:xfrm>
-            <a:off x="2207568" y="5229200"/>
-            <a:ext cx="7992612" cy="830997"/>
-          </a:xfrm>
-          <a:prstGeom prst="rect">
-            <a:avLst/>
-          </a:prstGeom>
-          <a:noFill/>
-        </p:spPr>
-        <p:txBody>
-          <a:bodyPr wrap="square" rtlCol="0">
-            <a:spAutoFit/>
-          </a:bodyPr>
-          <a:lstStyle/>
-          <a:p>
-            <a:pPr algn="just"/>
-            <a:r>
-              <a:rPr lang="en-US" sz="2400" b="1" i="1" dirty="0">
-                <a:solidFill>
-                  <a:schemeClr val="accent6"/>
-                </a:solidFill>
-              </a:rPr>
-              <a:t>.style</a:t>
-            </a:r>
-            <a:r>
-              <a:rPr lang="en-US" sz="2400" i="1" dirty="0">
-                <a:solidFill>
-                  <a:schemeClr val="accent6"/>
-                </a:solidFill>
-              </a:rPr>
-              <a:t> </a:t>
-            </a:r>
-            <a:r>
-              <a:rPr lang="en-US" sz="2400" i="1" dirty="0"/>
-              <a:t>– </a:t>
-            </a:r>
-            <a:r>
-              <a:rPr lang="ru-RU" sz="2400" i="1" dirty="0"/>
-              <a:t>свойство определяющее объект со всеми поддерживаемыми браузером стилевые свойства</a:t>
-            </a:r>
-            <a:r>
-              <a:rPr lang="en-US" sz="2400" i="1" dirty="0"/>
-              <a:t> (CSS)</a:t>
-            </a:r>
-            <a:r>
-              <a:rPr lang="ru-RU" sz="2400" i="1" dirty="0"/>
-              <a:t>.</a:t>
-            </a:r>
-          </a:p>
-        </p:txBody>
-      </p:sp>
-      <p:sp>
-        <p:nvSpPr>
-          <p:cNvPr id="14" name="TextBox 13"/>
-          <p:cNvSpPr txBox="1"/>
-          <p:nvPr/>
-        </p:nvSpPr>
-        <p:spPr>
-          <a:xfrm>
-            <a:off x="2207292" y="3750131"/>
-            <a:ext cx="7992888" cy="830997"/>
-          </a:xfrm>
-          <a:prstGeom prst="rect">
-            <a:avLst/>
-          </a:prstGeom>
-          <a:noFill/>
-        </p:spPr>
-        <p:txBody>
-          <a:bodyPr wrap="square" rtlCol="0">
-            <a:spAutoFit/>
-          </a:bodyPr>
-          <a:lstStyle/>
-          <a:p>
-            <a:pPr algn="just"/>
-            <a:r>
-              <a:rPr lang="en-US" sz="2400" b="1" i="1" dirty="0"/>
-              <a:t>.</a:t>
-            </a:r>
-            <a:r>
-              <a:rPr lang="en-US" sz="2400" b="1" i="1" dirty="0" err="1"/>
-              <a:t>classList.toggle</a:t>
-            </a:r>
-            <a:r>
-              <a:rPr lang="en-US" sz="2400" b="1" i="1" dirty="0"/>
-              <a:t>(‘cat’) </a:t>
-            </a:r>
-            <a:r>
-              <a:rPr lang="en-US" sz="2400" i="1" dirty="0"/>
-              <a:t>– </a:t>
-            </a:r>
-            <a:r>
-              <a:rPr lang="ru-RU" sz="2400" i="1" dirty="0"/>
-              <a:t>метод удаляет класс у тегу, если он есть, или добавляет класс, если его нет.</a:t>
-            </a:r>
-          </a:p>
-        </p:txBody>
-      </p:sp>
-      <p:sp>
-        <p:nvSpPr>
-          <p:cNvPr id="15" name="TextBox 14"/>
-          <p:cNvSpPr txBox="1"/>
-          <p:nvPr/>
-        </p:nvSpPr>
-        <p:spPr>
-          <a:xfrm>
-            <a:off x="2279576" y="6022449"/>
-            <a:ext cx="7992612" cy="461665"/>
-          </a:xfrm>
-          <a:prstGeom prst="rect">
-            <a:avLst/>
-          </a:prstGeom>
-          <a:noFill/>
-        </p:spPr>
-        <p:txBody>
-          <a:bodyPr wrap="square" rtlCol="0">
-            <a:spAutoFit/>
-          </a:bodyPr>
-          <a:lstStyle/>
-          <a:p>
-            <a:pPr algn="just"/>
-            <a:r>
-              <a:rPr lang="en-US" sz="2400" b="1" i="1" dirty="0"/>
-              <a:t>.attributes</a:t>
-            </a:r>
-            <a:r>
-              <a:rPr lang="en-US" sz="2400" i="1" dirty="0"/>
-              <a:t> – </a:t>
-            </a:r>
-            <a:r>
-              <a:rPr lang="ru-RU" sz="2400" i="1" dirty="0"/>
-              <a:t>хранит коллекцию с атрибутами тега.</a:t>
-            </a:r>
-          </a:p>
-        </p:txBody>
-      </p:sp>
+          <a:ln w="28575">
+            <a:noFill/>
+            <a:miter lim="800000"/>
+            <a:headEnd/>
+            <a:tailEnd/>
+          </a:ln>
+        </p:spPr>
+      </p:pic>
     </p:spTree>
     <p:extLst>
       <p:ext uri="{BB962C8B-B14F-4D97-AF65-F5344CB8AC3E}">
-        <p14:creationId xmlns:p14="http://schemas.microsoft.com/office/powerpoint/2010/main" val="3096554104"/>
+        <p14:creationId xmlns:p14="http://schemas.microsoft.com/office/powerpoint/2010/main" val="3946249535"/>
       </p:ext>
     </p:extLst>
   </p:cSld>
@@ -11241,61 +10834,153 @@
       </p:grpSpPr>
       <p:sp>
         <p:nvSpPr>
-          <p:cNvPr id="5" name="Прямоугольник 4"/>
-          <p:cNvSpPr/>
-          <p:nvPr/>
-        </p:nvSpPr>
-        <p:spPr>
-          <a:xfrm>
-            <a:off x="0" y="0"/>
-            <a:ext cx="12192000" cy="6858000"/>
-          </a:xfrm>
-          <a:prstGeom prst="rect">
-            <a:avLst/>
-          </a:prstGeom>
-          <a:solidFill>
-            <a:schemeClr val="tx2">
-              <a:lumMod val="75000"/>
-            </a:schemeClr>
-          </a:solidFill>
+          <p:cNvPr id="20" name="Номер слайда 36"/>
+          <p:cNvSpPr txBox="1">
+            <a:spLocks/>
+          </p:cNvSpPr>
+          <p:nvPr/>
+        </p:nvSpPr>
+        <p:spPr>
+          <a:xfrm>
+            <a:off x="11136560" y="6093296"/>
+            <a:ext cx="648072" cy="432048"/>
+          </a:xfrm>
+          <a:prstGeom prst="roundRect">
+            <a:avLst/>
+          </a:prstGeom>
+          <a:ln w="25400" cap="flat" cmpd="sng" algn="ctr">
+            <a:solidFill>
+              <a:schemeClr val="tx2">
+                <a:lumMod val="60000"/>
+                <a:lumOff val="40000"/>
+              </a:schemeClr>
+            </a:solidFill>
+            <a:prstDash val="solid"/>
+          </a:ln>
         </p:spPr>
         <p:style>
           <a:lnRef idx="2">
-            <a:schemeClr val="accent1">
-              <a:shade val="50000"/>
-            </a:schemeClr>
+            <a:schemeClr val="accent1"/>
           </a:lnRef>
           <a:fillRef idx="1">
-            <a:schemeClr val="accent1"/>
+            <a:schemeClr val="lt1"/>
           </a:fillRef>
           <a:effectRef idx="0">
             <a:schemeClr val="accent1"/>
           </a:effectRef>
           <a:fontRef idx="minor">
-            <a:schemeClr val="lt1"/>
+            <a:schemeClr val="dk1"/>
           </a:fontRef>
         </p:style>
         <p:txBody>
-          <a:bodyPr rtlCol="0" anchor="ctr"/>
+          <a:bodyPr vert="horz" lIns="91440" tIns="45720" rIns="91440" bIns="45720" rtlCol="0" anchor="ctr"/>
+          <a:lstStyle/>
+          <a:p>
+            <a:pPr algn="ctr">
+              <a:defRPr/>
+            </a:pPr>
+            <a:fld id="{6389AA22-90B4-448C-8B6B-C699140D38B9}" type="slidenum">
+              <a:rPr lang="uk-UA" sz="2400" b="1">
+                <a:solidFill>
+                  <a:schemeClr val="bg1">
+                    <a:lumMod val="50000"/>
+                  </a:schemeClr>
+                </a:solidFill>
+              </a:rPr>
+              <a:pPr algn="ctr">
+                <a:defRPr/>
+              </a:pPr>
+              <a:t>30</a:t>
+            </a:fld>
+            <a:endParaRPr lang="uk-UA" sz="2400" b="1" dirty="0">
+              <a:solidFill>
+                <a:schemeClr val="bg1">
+                  <a:lumMod val="50000"/>
+                </a:schemeClr>
+              </a:solidFill>
+            </a:endParaRPr>
+          </a:p>
+        </p:txBody>
+      </p:sp>
+      <p:sp>
+        <p:nvSpPr>
+          <p:cNvPr id="4" name="TextBox 3"/>
+          <p:cNvSpPr txBox="1"/>
+          <p:nvPr/>
+        </p:nvSpPr>
+        <p:spPr>
+          <a:xfrm>
+            <a:off x="0" y="764704"/>
+            <a:ext cx="12192000" cy="523220"/>
+          </a:xfrm>
+          <a:prstGeom prst="rect">
+            <a:avLst/>
+          </a:prstGeom>
+          <a:noFill/>
+        </p:spPr>
+        <p:txBody>
+          <a:bodyPr wrap="square" rtlCol="0">
+            <a:spAutoFit/>
+          </a:bodyPr>
           <a:lstStyle/>
           <a:p>
             <a:pPr algn="ctr"/>
             <a:r>
-              <a:rPr lang="en-US" sz="6000" b="1" dirty="0"/>
-              <a:t>6. </a:t>
-            </a:r>
-            <a:r>
-              <a:rPr lang="ru-RU" sz="6000" b="1" dirty="0"/>
-              <a:t>Как удалить тег?</a:t>
-            </a:r>
-            <a:endParaRPr lang="uk-UA" sz="3200" b="1" i="1" dirty="0"/>
+              <a:rPr lang="ru-RU" sz="2800" b="1" dirty="0"/>
+              <a:t> Добавление новых элементов к дереву документа</a:t>
+            </a:r>
+          </a:p>
+        </p:txBody>
+      </p:sp>
+      <p:sp>
+        <p:nvSpPr>
+          <p:cNvPr id="7" name="TextBox 6"/>
+          <p:cNvSpPr txBox="1"/>
+          <p:nvPr/>
+        </p:nvSpPr>
+        <p:spPr>
+          <a:xfrm>
+            <a:off x="2279576" y="2708920"/>
+            <a:ext cx="8182204" cy="2308324"/>
+          </a:xfrm>
+          <a:prstGeom prst="rect">
+            <a:avLst/>
+          </a:prstGeom>
+          <a:noFill/>
+        </p:spPr>
+        <p:txBody>
+          <a:bodyPr wrap="square" rtlCol="0">
+            <a:spAutoFit/>
+          </a:bodyPr>
+          <a:lstStyle/>
+          <a:p>
+            <a:r>
+              <a:rPr lang="ru-RU" sz="3600" dirty="0"/>
+              <a:t>Простейший вариант: просто добавить текстовую строку с нужными данным к свойству </a:t>
+            </a:r>
+            <a:r>
+              <a:rPr lang="en-US" sz="3600" b="1" dirty="0"/>
+              <a:t>.</a:t>
+            </a:r>
+            <a:r>
+              <a:rPr lang="en-US" sz="3600" b="1" dirty="0" err="1"/>
+              <a:t>innerHTML</a:t>
+            </a:r>
+            <a:r>
+              <a:rPr lang="en-US" sz="3600" dirty="0"/>
+              <a:t>. </a:t>
+            </a:r>
+            <a:r>
+              <a:rPr lang="ru-RU" sz="3600" dirty="0"/>
+              <a:t>Однако это не самый удобный вариант.</a:t>
+            </a:r>
           </a:p>
         </p:txBody>
       </p:sp>
     </p:spTree>
     <p:extLst>
       <p:ext uri="{BB962C8B-B14F-4D97-AF65-F5344CB8AC3E}">
-        <p14:creationId xmlns:p14="http://schemas.microsoft.com/office/powerpoint/2010/main" val="2200278204"/>
+        <p14:creationId xmlns:p14="http://schemas.microsoft.com/office/powerpoint/2010/main" val="2089973474"/>
       </p:ext>
     </p:extLst>
   </p:cSld>
@@ -11332,7 +11017,7 @@
         </p:nvSpPr>
         <p:spPr>
           <a:xfrm>
-            <a:off x="10989935" y="6195079"/>
+            <a:off x="11136560" y="6165305"/>
             <a:ext cx="648072" cy="432048"/>
           </a:xfrm>
           <a:prstGeom prst="roundRect">
@@ -11400,8 +11085,55 @@
         </p:nvSpPr>
         <p:spPr>
           <a:xfrm>
-            <a:off x="0" y="385500"/>
-            <a:ext cx="12191999" cy="523220"/>
+            <a:off x="311697" y="260648"/>
+            <a:ext cx="11415882" cy="523220"/>
+          </a:xfrm>
+          <a:prstGeom prst="rect">
+            <a:avLst/>
+          </a:prstGeom>
+          <a:noFill/>
+        </p:spPr>
+        <p:txBody>
+          <a:bodyPr wrap="none" rtlCol="0">
+            <a:spAutoFit/>
+          </a:bodyPr>
+          <a:lstStyle/>
+          <a:p>
+            <a:pPr algn="ctr"/>
+            <a:r>
+              <a:rPr lang="ru-RU" sz="2800" b="1" dirty="0"/>
+              <a:t> Добавление новых элементов к дереву документа</a:t>
+            </a:r>
+            <a:r>
+              <a:rPr lang="en-US" sz="2800" b="1" dirty="0"/>
+              <a:t> (</a:t>
+            </a:r>
+            <a:r>
+              <a:rPr lang="ru-RU" sz="2800" b="1" dirty="0">
+                <a:solidFill>
+                  <a:srgbClr val="0070C0"/>
+                </a:solidFill>
+              </a:rPr>
+              <a:t>первое поколение</a:t>
+            </a:r>
+            <a:r>
+              <a:rPr lang="en-US" sz="2800" b="1" dirty="0"/>
+              <a:t>)</a:t>
+            </a:r>
+            <a:endParaRPr lang="ru-RU" sz="2800" b="1" dirty="0"/>
+          </a:p>
+        </p:txBody>
+      </p:sp>
+      <p:sp>
+        <p:nvSpPr>
+          <p:cNvPr id="10" name="TextBox 9"/>
+          <p:cNvSpPr txBox="1"/>
+          <p:nvPr/>
+        </p:nvSpPr>
+        <p:spPr>
+          <a:xfrm>
+            <a:off x="2164440" y="1167710"/>
+            <a:ext cx="8244916" cy="4493538"/>
           </a:xfrm>
           <a:prstGeom prst="rect">
             <a:avLst/>
@@ -11414,24 +11146,89 @@
           </a:bodyPr>
           <a:lstStyle/>
           <a:p>
-            <a:pPr algn="ctr"/>
-            <a:r>
-              <a:rPr lang="ru-RU" sz="2800" b="1" dirty="0"/>
-              <a:t>Удаление элементов из дерева документа</a:t>
-            </a:r>
-          </a:p>
-        </p:txBody>
-      </p:sp>
-      <p:sp>
-        <p:nvSpPr>
-          <p:cNvPr id="5" name="TextBox 4"/>
+            <a:r>
+              <a:rPr lang="en-US" sz="2200" b="1" dirty="0" err="1"/>
+              <a:t>document.createElement</a:t>
+            </a:r>
+            <a:r>
+              <a:rPr lang="ru-RU" sz="2200" b="1" dirty="0"/>
+              <a:t>()</a:t>
+            </a:r>
+            <a:r>
+              <a:rPr lang="en-US" sz="2200" dirty="0"/>
+              <a:t> – </a:t>
+            </a:r>
+            <a:r>
+              <a:rPr lang="ru-RU" sz="2200" dirty="0"/>
+              <a:t>создаёт новый элемент (по имени тега). Этот элемент, после создания, еще не включен в дерево. Но его свойства уже можно изменять.</a:t>
+            </a:r>
+          </a:p>
+          <a:p>
+            <a:endParaRPr lang="ru-RU" sz="2200" dirty="0"/>
+          </a:p>
+          <a:p>
+            <a:r>
+              <a:rPr lang="en-US" sz="2200" b="1" dirty="0"/>
+              <a:t>.</a:t>
+            </a:r>
+            <a:r>
+              <a:rPr lang="en-US" sz="2200" b="1" dirty="0" err="1"/>
+              <a:t>appendChild</a:t>
+            </a:r>
+            <a:r>
+              <a:rPr lang="ru-RU" sz="2200" b="1" dirty="0"/>
+              <a:t>()</a:t>
+            </a:r>
+            <a:r>
+              <a:rPr lang="en-US" sz="2200" dirty="0"/>
+              <a:t> – </a:t>
+            </a:r>
+            <a:r>
+              <a:rPr lang="ru-RU" sz="2200" dirty="0"/>
+              <a:t>добавляет элемент к существующему, в качестве последнего потомка.  Может быть вызвана для любого существующего тега (даже если он не входит в дерево – другими словами можно формировать ветку еще до того как «присоединять» её к дереву).</a:t>
+            </a:r>
+          </a:p>
+          <a:p>
+            <a:endParaRPr lang="ru-RU" sz="2200" dirty="0"/>
+          </a:p>
+          <a:p>
+            <a:r>
+              <a:rPr lang="en-US" sz="2200" b="1" dirty="0"/>
+              <a:t>.</a:t>
+            </a:r>
+            <a:r>
+              <a:rPr lang="en-US" sz="2200" b="1" dirty="0" err="1"/>
+              <a:t>insertBefore</a:t>
+            </a:r>
+            <a:r>
+              <a:rPr lang="ru-RU" sz="2200" b="1" dirty="0"/>
+              <a:t>()</a:t>
+            </a:r>
+            <a:r>
+              <a:rPr lang="en-US" sz="2200" b="1" dirty="0"/>
+              <a:t> </a:t>
+            </a:r>
+            <a:r>
+              <a:rPr lang="en-US" sz="2200" dirty="0"/>
+              <a:t>– </a:t>
+            </a:r>
+            <a:r>
+              <a:rPr lang="ru-RU" sz="2200" dirty="0"/>
+              <a:t>добавляет элемент в качестве дочернего, при этом позволяет указать перед каким из, уже существующих, потомков новый элемент должен быть размещён.</a:t>
+            </a:r>
+          </a:p>
+        </p:txBody>
+      </p:sp>
+      <p:sp>
+        <p:nvSpPr>
+          <p:cNvPr id="11" name="TextBox 10"/>
           <p:cNvSpPr txBox="1"/>
           <p:nvPr/>
         </p:nvSpPr>
         <p:spPr>
           <a:xfrm>
-            <a:off x="720057" y="3821395"/>
-            <a:ext cx="5400600" cy="2308324"/>
+            <a:off x="2164440" y="6021288"/>
+            <a:ext cx="7989816" cy="461665"/>
           </a:xfrm>
           <a:prstGeom prst="rect">
             <a:avLst/>
@@ -11439,100 +11236,35 @@
           <a:noFill/>
         </p:spPr>
         <p:txBody>
-          <a:bodyPr wrap="square" rtlCol="0">
+          <a:bodyPr wrap="none" rtlCol="0">
             <a:spAutoFit/>
           </a:bodyPr>
           <a:lstStyle/>
           <a:p>
             <a:r>
-              <a:rPr lang="ru-RU" sz="2400" dirty="0"/>
-              <a:t>Удалить элемент из дерева документа можно вызывав у него метод </a:t>
-            </a:r>
-            <a:r>
               <a:rPr lang="ru-RU" sz="2400" b="1" dirty="0"/>
-              <a:t>.</a:t>
+              <a:t>Подробнее:</a:t>
             </a:r>
             <a:r>
               <a:rPr lang="en-US" sz="2400" b="1" dirty="0"/>
-              <a:t>remove()</a:t>
-            </a:r>
-            <a:r>
-              <a:rPr lang="ru-RU" sz="2400" dirty="0"/>
-              <a:t>, при этом все его дочерние элементы также исчезнут со странице. Однако сам объект-тег не уничтожается. Его можно использовать в дальнейшем.  </a:t>
-            </a:r>
-          </a:p>
-        </p:txBody>
-      </p:sp>
-      <p:pic>
-        <p:nvPicPr>
-          <p:cNvPr id="13" name="Picture 3"/>
-          <p:cNvPicPr>
-            <a:picLocks noChangeAspect="1" noChangeArrowheads="1"/>
-          </p:cNvPicPr>
-          <p:nvPr/>
-        </p:nvPicPr>
-        <p:blipFill rotWithShape="1">
-          <a:blip r:embed="rId2" cstate="print"/>
-          <a:srcRect t="25836" r="20589" b="836"/>
-          <a:stretch/>
-        </p:blipFill>
-        <p:spPr bwMode="auto">
-          <a:xfrm>
-            <a:off x="7176120" y="4397844"/>
-            <a:ext cx="3921827" cy="1155426"/>
-          </a:xfrm>
-          <a:prstGeom prst="rect">
-            <a:avLst/>
-          </a:prstGeom>
-          <a:ln>
-            <a:solidFill>
-              <a:srgbClr val="FFC000"/>
-            </a:solidFill>
-          </a:ln>
-          <a:effectLst>
-            <a:outerShdw blurRad="292100" dist="139700" dir="2700000" algn="tl" rotWithShape="0">
-              <a:srgbClr val="333333">
-                <a:alpha val="65000"/>
-              </a:srgbClr>
-            </a:outerShdw>
-          </a:effectLst>
-        </p:spPr>
-      </p:pic>
-      <p:pic>
-        <p:nvPicPr>
-          <p:cNvPr id="2" name="Рисунок 1"/>
-          <p:cNvPicPr>
-            <a:picLocks noChangeAspect="1"/>
-          </p:cNvPicPr>
-          <p:nvPr/>
-        </p:nvPicPr>
-        <p:blipFill>
-          <a:blip r:embed="rId3"/>
-          <a:stretch>
-            <a:fillRect/>
-          </a:stretch>
-        </p:blipFill>
-        <p:spPr>
-          <a:xfrm>
-            <a:off x="720057" y="1281683"/>
-            <a:ext cx="7419975" cy="2219325"/>
-          </a:xfrm>
-          <a:prstGeom prst="rect">
-            <a:avLst/>
-          </a:prstGeom>
-          <a:ln>
-            <a:noFill/>
-          </a:ln>
-          <a:effectLst>
-            <a:outerShdw blurRad="292100" dist="139700" dir="2700000" algn="tl" rotWithShape="0">
-              <a:srgbClr val="333333">
-                <a:alpha val="65000"/>
-              </a:srgbClr>
-            </a:outerShdw>
-          </a:effectLst>
-        </p:spPr>
-      </p:pic>
+              <a:t> </a:t>
+            </a:r>
+            <a:r>
+              <a:rPr lang="en-US" sz="2400" b="1" dirty="0">
+                <a:hlinkClick r:id="rId2"/>
+              </a:rPr>
+              <a:t>https://learn.javascript.ru/modifying-document</a:t>
+            </a:r>
+            <a:endParaRPr lang="ru-RU" sz="2400" b="1" dirty="0"/>
+          </a:p>
+        </p:txBody>
+      </p:sp>
     </p:spTree>
+    <p:extLst>
+      <p:ext uri="{BB962C8B-B14F-4D97-AF65-F5344CB8AC3E}">
+        <p14:creationId xmlns:p14="http://schemas.microsoft.com/office/powerpoint/2010/main" val="456257905"/>
+      </p:ext>
+    </p:extLst>
   </p:cSld>
   <p:clrMapOvr>
     <a:masterClrMapping/>
@@ -11559,61 +11291,458 @@
       </p:grpSpPr>
       <p:sp>
         <p:nvSpPr>
-          <p:cNvPr id="5" name="Прямоугольник 4"/>
-          <p:cNvSpPr/>
-          <p:nvPr/>
-        </p:nvSpPr>
-        <p:spPr>
-          <a:xfrm>
-            <a:off x="0" y="0"/>
-            <a:ext cx="12192000" cy="6858000"/>
-          </a:xfrm>
-          <a:prstGeom prst="rect">
-            <a:avLst/>
-          </a:prstGeom>
-          <a:solidFill>
-            <a:schemeClr val="tx2">
-              <a:lumMod val="75000"/>
-            </a:schemeClr>
-          </a:solidFill>
+          <p:cNvPr id="20" name="Номер слайда 36"/>
+          <p:cNvSpPr txBox="1">
+            <a:spLocks/>
+          </p:cNvSpPr>
+          <p:nvPr/>
+        </p:nvSpPr>
+        <p:spPr>
+          <a:xfrm>
+            <a:off x="11239161" y="6225440"/>
+            <a:ext cx="648072" cy="432048"/>
+          </a:xfrm>
+          <a:prstGeom prst="roundRect">
+            <a:avLst/>
+          </a:prstGeom>
+          <a:ln w="25400" cap="flat" cmpd="sng" algn="ctr">
+            <a:solidFill>
+              <a:schemeClr val="tx2">
+                <a:lumMod val="60000"/>
+                <a:lumOff val="40000"/>
+              </a:schemeClr>
+            </a:solidFill>
+            <a:prstDash val="solid"/>
+          </a:ln>
         </p:spPr>
         <p:style>
           <a:lnRef idx="2">
-            <a:schemeClr val="accent1">
-              <a:shade val="50000"/>
-            </a:schemeClr>
+            <a:schemeClr val="accent1"/>
           </a:lnRef>
           <a:fillRef idx="1">
-            <a:schemeClr val="accent1"/>
+            <a:schemeClr val="lt1"/>
           </a:fillRef>
           <a:effectRef idx="0">
             <a:schemeClr val="accent1"/>
           </a:effectRef>
           <a:fontRef idx="minor">
-            <a:schemeClr val="lt1"/>
+            <a:schemeClr val="dk1"/>
           </a:fontRef>
         </p:style>
         <p:txBody>
-          <a:bodyPr rtlCol="0" anchor="ctr"/>
+          <a:bodyPr vert="horz" lIns="91440" tIns="45720" rIns="91440" bIns="45720" rtlCol="0" anchor="ctr"/>
+          <a:lstStyle/>
+          <a:p>
+            <a:pPr algn="ctr">
+              <a:defRPr/>
+            </a:pPr>
+            <a:fld id="{6389AA22-90B4-448C-8B6B-C699140D38B9}" type="slidenum">
+              <a:rPr lang="uk-UA" sz="2400" b="1">
+                <a:solidFill>
+                  <a:schemeClr val="bg1">
+                    <a:lumMod val="50000"/>
+                  </a:schemeClr>
+                </a:solidFill>
+              </a:rPr>
+              <a:pPr algn="ctr">
+                <a:defRPr/>
+              </a:pPr>
+              <a:t>32</a:t>
+            </a:fld>
+            <a:endParaRPr lang="uk-UA" sz="2400" b="1" dirty="0">
+              <a:solidFill>
+                <a:schemeClr val="bg1">
+                  <a:lumMod val="50000"/>
+                </a:schemeClr>
+              </a:solidFill>
+            </a:endParaRPr>
+          </a:p>
+        </p:txBody>
+      </p:sp>
+      <p:sp>
+        <p:nvSpPr>
+          <p:cNvPr id="4" name="TextBox 3"/>
+          <p:cNvSpPr txBox="1"/>
+          <p:nvPr/>
+        </p:nvSpPr>
+        <p:spPr>
+          <a:xfrm>
+            <a:off x="554397" y="305882"/>
+            <a:ext cx="11371254" cy="523220"/>
+          </a:xfrm>
+          <a:prstGeom prst="rect">
+            <a:avLst/>
+          </a:prstGeom>
+          <a:noFill/>
+        </p:spPr>
+        <p:txBody>
+          <a:bodyPr wrap="none" rtlCol="0">
+            <a:spAutoFit/>
+          </a:bodyPr>
           <a:lstStyle/>
           <a:p>
             <a:pPr algn="ctr"/>
             <a:r>
-              <a:rPr lang="en-US" sz="6000" b="1" dirty="0"/>
-              <a:t>7. </a:t>
-            </a:r>
-            <a:r>
-              <a:rPr lang="ru-RU" sz="6000" b="1" dirty="0"/>
-              <a:t>Как создать и добавить тег?</a:t>
-            </a:r>
-            <a:endParaRPr lang="uk-UA" sz="3200" b="1" i="1" dirty="0"/>
+              <a:rPr lang="ru-RU" sz="2800" b="1" dirty="0"/>
+              <a:t> Добавление новых элементов к дереву документа</a:t>
+            </a:r>
+            <a:r>
+              <a:rPr lang="en-US" sz="2800" b="1" dirty="0"/>
+              <a:t> (</a:t>
+            </a:r>
+            <a:r>
+              <a:rPr lang="ru-RU" sz="2800" b="1" dirty="0">
+                <a:solidFill>
+                  <a:srgbClr val="0070C0"/>
+                </a:solidFill>
+              </a:rPr>
+              <a:t>второе поколение</a:t>
+            </a:r>
+            <a:r>
+              <a:rPr lang="en-US" sz="2800" b="1" dirty="0"/>
+              <a:t>)</a:t>
+            </a:r>
+            <a:endParaRPr lang="ru-RU" sz="2800" b="1" dirty="0"/>
+          </a:p>
+        </p:txBody>
+      </p:sp>
+      <p:sp>
+        <p:nvSpPr>
+          <p:cNvPr id="13" name="TextBox 12"/>
+          <p:cNvSpPr txBox="1"/>
+          <p:nvPr/>
+        </p:nvSpPr>
+        <p:spPr>
+          <a:xfrm>
+            <a:off x="623392" y="4221088"/>
+            <a:ext cx="11233248" cy="1015663"/>
+          </a:xfrm>
+          <a:prstGeom prst="rect">
+            <a:avLst/>
+          </a:prstGeom>
+          <a:noFill/>
+        </p:spPr>
+        <p:txBody>
+          <a:bodyPr wrap="square" rtlCol="0">
+            <a:spAutoFit/>
+          </a:bodyPr>
+          <a:lstStyle/>
+          <a:p>
+            <a:pPr algn="ctr"/>
+            <a:r>
+              <a:rPr lang="en-US" sz="3200" b="1" dirty="0" err="1">
+                <a:solidFill>
+                  <a:srgbClr val="7030A0"/>
+                </a:solidFill>
+                <a:latin typeface="Courier New" panose="02070309020205020404" pitchFamily="49" charset="0"/>
+                <a:cs typeface="Courier New" panose="02070309020205020404" pitchFamily="49" charset="0"/>
+              </a:rPr>
+              <a:t>tag</a:t>
+            </a:r>
+            <a:r>
+              <a:rPr lang="en-US" sz="3200" b="1" i="1" dirty="0" err="1">
+                <a:latin typeface="Courier New" panose="02070309020205020404" pitchFamily="49" charset="0"/>
+                <a:cs typeface="Courier New" panose="02070309020205020404" pitchFamily="49" charset="0"/>
+              </a:rPr>
+              <a:t>.</a:t>
+            </a:r>
+            <a:r>
+              <a:rPr lang="en-US" sz="3200" b="1" dirty="0" err="1">
+                <a:solidFill>
+                  <a:srgbClr val="00B050"/>
+                </a:solidFill>
+                <a:latin typeface="Courier New" panose="02070309020205020404" pitchFamily="49" charset="0"/>
+                <a:cs typeface="Courier New" panose="02070309020205020404" pitchFamily="49" charset="0"/>
+              </a:rPr>
+              <a:t>insertAdjacentElement</a:t>
+            </a:r>
+            <a:r>
+              <a:rPr lang="ru-RU" sz="3200" b="1" dirty="0">
+                <a:solidFill>
+                  <a:srgbClr val="0070C0"/>
+                </a:solidFill>
+                <a:latin typeface="Courier New" panose="02070309020205020404" pitchFamily="49" charset="0"/>
+                <a:cs typeface="Courier New" panose="02070309020205020404" pitchFamily="49" charset="0"/>
+              </a:rPr>
+              <a:t>(</a:t>
+            </a:r>
+            <a:r>
+              <a:rPr lang="en-US" sz="3200" b="1" dirty="0">
+                <a:solidFill>
+                  <a:srgbClr val="FF0000"/>
+                </a:solidFill>
+                <a:latin typeface="Courier New" panose="02070309020205020404" pitchFamily="49" charset="0"/>
+                <a:cs typeface="Courier New" panose="02070309020205020404" pitchFamily="49" charset="0"/>
+              </a:rPr>
+              <a:t>position</a:t>
+            </a:r>
+            <a:r>
+              <a:rPr lang="en-US" sz="3200" b="1" dirty="0">
+                <a:latin typeface="Courier New" panose="02070309020205020404" pitchFamily="49" charset="0"/>
+                <a:cs typeface="Courier New" panose="02070309020205020404" pitchFamily="49" charset="0"/>
+              </a:rPr>
+              <a:t>, </a:t>
+            </a:r>
+            <a:r>
+              <a:rPr lang="en-US" sz="3200" b="1" dirty="0">
+                <a:solidFill>
+                  <a:schemeClr val="accent6"/>
+                </a:solidFill>
+                <a:latin typeface="Courier New" panose="02070309020205020404" pitchFamily="49" charset="0"/>
+                <a:cs typeface="Courier New" panose="02070309020205020404" pitchFamily="49" charset="0"/>
+              </a:rPr>
+              <a:t>element</a:t>
+            </a:r>
+            <a:r>
+              <a:rPr lang="ru-RU" sz="3200" b="1" dirty="0">
+                <a:solidFill>
+                  <a:srgbClr val="0070C0"/>
+                </a:solidFill>
+                <a:latin typeface="Courier New" panose="02070309020205020404" pitchFamily="49" charset="0"/>
+                <a:cs typeface="Courier New" panose="02070309020205020404" pitchFamily="49" charset="0"/>
+              </a:rPr>
+              <a:t>)</a:t>
+            </a:r>
+            <a:r>
+              <a:rPr lang="en-US" sz="2800" i="1" dirty="0"/>
+              <a:t> </a:t>
+            </a:r>
+            <a:r>
+              <a:rPr lang="ru-RU" sz="2800" i="1" dirty="0"/>
+              <a:t>добавляет </a:t>
+            </a:r>
+            <a:r>
+              <a:rPr lang="ru-RU" sz="2800" b="1" i="1" dirty="0">
+                <a:solidFill>
+                  <a:schemeClr val="accent6"/>
+                </a:solidFill>
+              </a:rPr>
+              <a:t>элемент</a:t>
+            </a:r>
+            <a:r>
+              <a:rPr lang="ru-RU" sz="2800" i="1" dirty="0"/>
+              <a:t> к </a:t>
+            </a:r>
+            <a:r>
+              <a:rPr lang="ru-RU" sz="2800" b="1" i="1" dirty="0">
+                <a:solidFill>
+                  <a:srgbClr val="7030A0"/>
+                </a:solidFill>
+              </a:rPr>
+              <a:t>существующему</a:t>
+            </a:r>
+            <a:r>
+              <a:rPr lang="ru-RU" sz="2800" i="1" dirty="0"/>
+              <a:t>, в указанную </a:t>
+            </a:r>
+            <a:r>
+              <a:rPr lang="ru-RU" sz="2800" b="1" i="1" dirty="0">
+                <a:solidFill>
+                  <a:srgbClr val="FF0000"/>
+                </a:solidFill>
+              </a:rPr>
+              <a:t>позицию</a:t>
+            </a:r>
+            <a:r>
+              <a:rPr lang="ru-RU" sz="2800" i="1" dirty="0"/>
+              <a:t>.</a:t>
+            </a:r>
+            <a:endParaRPr lang="ru-RU" sz="2400" i="1" dirty="0"/>
+          </a:p>
+        </p:txBody>
+      </p:sp>
+      <p:pic>
+        <p:nvPicPr>
+          <p:cNvPr id="1026" name="Picture 2" descr="https://cdn-images-1.medium.com/max/1600/1*bq3FX0Fkz1ztYU0snNTAkg.png"/>
+          <p:cNvPicPr>
+            <a:picLocks noChangeAspect="1" noChangeArrowheads="1"/>
+          </p:cNvPicPr>
+          <p:nvPr/>
+        </p:nvPicPr>
+        <p:blipFill rotWithShape="1">
+          <a:blip r:embed="rId2">
+            <a:extLst>
+              <a:ext uri="{28A0092B-C50C-407E-A947-70E740481C1C}">
+                <a14:useLocalDpi xmlns:a14="http://schemas.microsoft.com/office/drawing/2010/main" val="0"/>
+              </a:ext>
+            </a:extLst>
+          </a:blip>
+          <a:srcRect r="59959"/>
+          <a:stretch/>
+        </p:blipFill>
+        <p:spPr bwMode="auto">
+          <a:xfrm>
+            <a:off x="1271464" y="1117575"/>
+            <a:ext cx="4824536" cy="2769223"/>
+          </a:xfrm>
+          <a:prstGeom prst="rect">
+            <a:avLst/>
+          </a:prstGeom>
+          <a:noFill/>
+          <a:ln>
+            <a:solidFill>
+              <a:srgbClr val="00B0F0"/>
+            </a:solidFill>
+          </a:ln>
+          <a:extLst>
+            <a:ext uri="{909E8E84-426E-40DD-AFC4-6F175D3DCCD1}">
+              <a14:hiddenFill xmlns:a14="http://schemas.microsoft.com/office/drawing/2010/main">
+                <a:solidFill>
+                  <a:srgbClr val="FFFFFF"/>
+                </a:solidFill>
+              </a14:hiddenFill>
+            </a:ext>
+          </a:extLst>
+        </p:spPr>
+      </p:pic>
+      <p:sp>
+        <p:nvSpPr>
+          <p:cNvPr id="3" name="TextBox 2"/>
+          <p:cNvSpPr txBox="1"/>
+          <p:nvPr/>
+        </p:nvSpPr>
+        <p:spPr>
+          <a:xfrm>
+            <a:off x="6371217" y="2086687"/>
+            <a:ext cx="5040560" cy="830997"/>
+          </a:xfrm>
+          <a:prstGeom prst="rect">
+            <a:avLst/>
+          </a:prstGeom>
+          <a:noFill/>
+        </p:spPr>
+        <p:txBody>
+          <a:bodyPr wrap="square" rtlCol="0">
+            <a:spAutoFit/>
+          </a:bodyPr>
+          <a:lstStyle/>
+          <a:p>
+            <a:r>
+              <a:rPr lang="ru-RU" sz="2400" i="1" dirty="0"/>
+              <a:t>Варианты позиции для методов </a:t>
+            </a:r>
+            <a:r>
+              <a:rPr lang="en-US" sz="2400" i="1" dirty="0"/>
+              <a:t> </a:t>
+            </a:r>
+            <a:r>
+              <a:rPr lang="ru-RU" sz="2400" i="1" dirty="0"/>
+              <a:t>группы </a:t>
+            </a:r>
+            <a:r>
+              <a:rPr lang="en-US" sz="2400" b="1" i="1" dirty="0"/>
+              <a:t>.</a:t>
+            </a:r>
+            <a:r>
+              <a:rPr lang="en-US" sz="2400" b="1" i="1" dirty="0" err="1"/>
+              <a:t>insertAdjacent</a:t>
+            </a:r>
+            <a:r>
+              <a:rPr lang="en-US" sz="2400" i="1" dirty="0"/>
+              <a:t>…</a:t>
+            </a:r>
+            <a:r>
+              <a:rPr lang="ru-RU" sz="2400" i="1" dirty="0"/>
+              <a:t>()</a:t>
+            </a:r>
+            <a:endParaRPr lang="uk-UA" sz="2400" i="1" dirty="0"/>
+          </a:p>
+        </p:txBody>
+      </p:sp>
+      <p:sp>
+        <p:nvSpPr>
+          <p:cNvPr id="6" name="TextBox 5"/>
+          <p:cNvSpPr txBox="1"/>
+          <p:nvPr/>
+        </p:nvSpPr>
+        <p:spPr>
+          <a:xfrm>
+            <a:off x="381189" y="6061272"/>
+            <a:ext cx="10857972" cy="461665"/>
+          </a:xfrm>
+          <a:prstGeom prst="rect">
+            <a:avLst/>
+          </a:prstGeom>
+          <a:noFill/>
+        </p:spPr>
+        <p:txBody>
+          <a:bodyPr wrap="none" rtlCol="0">
+            <a:spAutoFit/>
+          </a:bodyPr>
+          <a:lstStyle/>
+          <a:p>
+            <a:r>
+              <a:rPr lang="ru-RU" sz="2400" i="1" dirty="0"/>
+              <a:t>Также существуют методы </a:t>
+            </a:r>
+            <a:r>
+              <a:rPr lang="en-US" sz="2400" b="1" i="1" dirty="0" err="1"/>
+              <a:t>tag.insertAdjacentHTML</a:t>
+            </a:r>
+            <a:r>
+              <a:rPr lang="ru-RU" sz="2400" b="1" i="1" dirty="0"/>
+              <a:t>() и </a:t>
+            </a:r>
+            <a:r>
+              <a:rPr lang="en-US" sz="2400" b="1" i="1" dirty="0" err="1"/>
+              <a:t>tag.insertAdjacentText</a:t>
+            </a:r>
+            <a:r>
+              <a:rPr lang="en-US" sz="2400" b="1" i="1" dirty="0"/>
+              <a:t>()</a:t>
+            </a:r>
+            <a:r>
+              <a:rPr lang="ru-RU" sz="2400" b="1" i="1" dirty="0"/>
+              <a:t> </a:t>
+            </a:r>
+            <a:endParaRPr lang="uk-UA" sz="2400" b="1" i="1" dirty="0"/>
+          </a:p>
+        </p:txBody>
+      </p:sp>
+      <p:sp>
+        <p:nvSpPr>
+          <p:cNvPr id="9" name="TextBox 8"/>
+          <p:cNvSpPr txBox="1"/>
+          <p:nvPr/>
+        </p:nvSpPr>
+        <p:spPr>
+          <a:xfrm>
+            <a:off x="2164440" y="5415607"/>
+            <a:ext cx="7989816" cy="461665"/>
+          </a:xfrm>
+          <a:prstGeom prst="rect">
+            <a:avLst/>
+          </a:prstGeom>
+          <a:noFill/>
+        </p:spPr>
+        <p:txBody>
+          <a:bodyPr wrap="none" rtlCol="0">
+            <a:spAutoFit/>
+          </a:bodyPr>
+          <a:lstStyle/>
+          <a:p>
+            <a:r>
+              <a:rPr lang="ru-RU" sz="2400" b="1" dirty="0"/>
+              <a:t>Подробнее:</a:t>
+            </a:r>
+            <a:r>
+              <a:rPr lang="en-US" sz="2400" b="1" dirty="0"/>
+              <a:t> </a:t>
+            </a:r>
+            <a:r>
+              <a:rPr lang="en-US" sz="2400" b="1" dirty="0">
+                <a:hlinkClick r:id="rId3"/>
+              </a:rPr>
+              <a:t>https://learn.javascript.ru/modifying-document</a:t>
+            </a:r>
+            <a:endParaRPr lang="ru-RU" sz="2400" b="1" dirty="0"/>
           </a:p>
         </p:txBody>
       </p:sp>
     </p:spTree>
     <p:extLst>
       <p:ext uri="{BB962C8B-B14F-4D97-AF65-F5344CB8AC3E}">
-        <p14:creationId xmlns:p14="http://schemas.microsoft.com/office/powerpoint/2010/main" val="686537527"/>
+        <p14:creationId xmlns:p14="http://schemas.microsoft.com/office/powerpoint/2010/main" val="4178027007"/>
       </p:ext>
     </p:extLst>
   </p:cSld>
@@ -11642,169 +11771,61 @@
       </p:grpSpPr>
       <p:sp>
         <p:nvSpPr>
-          <p:cNvPr id="20" name="Номер слайда 36"/>
-          <p:cNvSpPr txBox="1">
-            <a:spLocks/>
-          </p:cNvSpPr>
-          <p:nvPr/>
-        </p:nvSpPr>
-        <p:spPr>
-          <a:xfrm>
-            <a:off x="11136560" y="6005744"/>
-            <a:ext cx="648072" cy="432048"/>
-          </a:xfrm>
-          <a:prstGeom prst="roundRect">
-            <a:avLst/>
-          </a:prstGeom>
-          <a:ln w="25400" cap="flat" cmpd="sng" algn="ctr">
-            <a:solidFill>
-              <a:schemeClr val="tx2">
-                <a:lumMod val="60000"/>
-                <a:lumOff val="40000"/>
-              </a:schemeClr>
-            </a:solidFill>
-            <a:prstDash val="solid"/>
-          </a:ln>
+          <p:cNvPr id="5" name="Прямоугольник 4"/>
+          <p:cNvSpPr/>
+          <p:nvPr/>
+        </p:nvSpPr>
+        <p:spPr>
+          <a:xfrm>
+            <a:off x="0" y="0"/>
+            <a:ext cx="12192000" cy="6858000"/>
+          </a:xfrm>
+          <a:prstGeom prst="rect">
+            <a:avLst/>
+          </a:prstGeom>
+          <a:solidFill>
+            <a:schemeClr val="tx2">
+              <a:lumMod val="75000"/>
+            </a:schemeClr>
+          </a:solidFill>
         </p:spPr>
         <p:style>
           <a:lnRef idx="2">
-            <a:schemeClr val="accent1"/>
+            <a:schemeClr val="accent1">
+              <a:shade val="50000"/>
+            </a:schemeClr>
           </a:lnRef>
           <a:fillRef idx="1">
-            <a:schemeClr val="lt1"/>
+            <a:schemeClr val="accent1"/>
           </a:fillRef>
           <a:effectRef idx="0">
             <a:schemeClr val="accent1"/>
           </a:effectRef>
           <a:fontRef idx="minor">
-            <a:schemeClr val="dk1"/>
+            <a:schemeClr val="lt1"/>
           </a:fontRef>
         </p:style>
         <p:txBody>
-          <a:bodyPr vert="horz" lIns="91440" tIns="45720" rIns="91440" bIns="45720" rtlCol="0" anchor="ctr"/>
-          <a:lstStyle/>
-          <a:p>
-            <a:pPr algn="ctr">
-              <a:defRPr/>
-            </a:pPr>
-            <a:fld id="{6389AA22-90B4-448C-8B6B-C699140D38B9}" type="slidenum">
-              <a:rPr lang="uk-UA" sz="2400" b="1">
-                <a:solidFill>
-                  <a:schemeClr val="bg1">
-                    <a:lumMod val="50000"/>
-                  </a:schemeClr>
-                </a:solidFill>
-              </a:rPr>
-              <a:pPr algn="ctr">
-                <a:defRPr/>
-              </a:pPr>
-              <a:t>33</a:t>
-            </a:fld>
-            <a:endParaRPr lang="uk-UA" sz="2400" b="1" dirty="0">
-              <a:solidFill>
-                <a:schemeClr val="bg1">
-                  <a:lumMod val="50000"/>
-                </a:schemeClr>
-              </a:solidFill>
-            </a:endParaRPr>
-          </a:p>
-        </p:txBody>
-      </p:sp>
-      <p:sp>
-        <p:nvSpPr>
-          <p:cNvPr id="4" name="TextBox 3"/>
-          <p:cNvSpPr txBox="1"/>
-          <p:nvPr/>
-        </p:nvSpPr>
-        <p:spPr>
-          <a:xfrm>
-            <a:off x="2057716" y="362616"/>
-            <a:ext cx="8220584" cy="523220"/>
-          </a:xfrm>
-          <a:prstGeom prst="rect">
-            <a:avLst/>
-          </a:prstGeom>
-          <a:noFill/>
-        </p:spPr>
-        <p:txBody>
-          <a:bodyPr wrap="none" rtlCol="0">
-            <a:spAutoFit/>
-          </a:bodyPr>
-          <a:lstStyle/>
-          <a:p>
-            <a:r>
-              <a:rPr lang="ru-RU" sz="2800" b="1" dirty="0"/>
-              <a:t> Добавление новых элементов к дереву документа</a:t>
-            </a:r>
-          </a:p>
-        </p:txBody>
-      </p:sp>
-      <p:sp>
-        <p:nvSpPr>
-          <p:cNvPr id="7" name="TextBox 6"/>
-          <p:cNvSpPr txBox="1"/>
-          <p:nvPr/>
-        </p:nvSpPr>
-        <p:spPr>
-          <a:xfrm>
-            <a:off x="1991544" y="980728"/>
-            <a:ext cx="8352928" cy="1569660"/>
-          </a:xfrm>
-          <a:prstGeom prst="rect">
-            <a:avLst/>
-          </a:prstGeom>
-          <a:noFill/>
-        </p:spPr>
-        <p:txBody>
-          <a:bodyPr wrap="square" rtlCol="0">
-            <a:spAutoFit/>
-          </a:bodyPr>
-          <a:lstStyle/>
-          <a:p>
-            <a:pPr algn="just"/>
-            <a:r>
-              <a:rPr lang="ru-RU" sz="2400" dirty="0"/>
-              <a:t>Вставить новый элемент в документ, можно прикрепив его к какому-либо существующему элементу. Т.е. прикрепить его к родительскому элементу (другими словами: сделать его дочерним для существующего элемента).</a:t>
-            </a:r>
-          </a:p>
-        </p:txBody>
-      </p:sp>
-      <p:pic>
-        <p:nvPicPr>
-          <p:cNvPr id="8" name="Picture 2"/>
-          <p:cNvPicPr>
-            <a:picLocks noChangeAspect="1" noChangeArrowheads="1"/>
-          </p:cNvPicPr>
-          <p:nvPr/>
-        </p:nvPicPr>
-        <p:blipFill>
-          <a:blip r:embed="rId2" cstate="print"/>
-          <a:srcRect/>
-          <a:stretch>
-            <a:fillRect/>
-          </a:stretch>
-        </p:blipFill>
-        <p:spPr bwMode="auto">
-          <a:xfrm>
-            <a:off x="3719736" y="2780928"/>
-            <a:ext cx="5422990" cy="3296824"/>
-          </a:xfrm>
-          <a:prstGeom prst="rect">
-            <a:avLst/>
-          </a:prstGeom>
-          <a:noFill/>
-          <a:ln w="28575">
-            <a:noFill/>
-            <a:miter lim="800000"/>
-            <a:headEnd/>
-            <a:tailEnd/>
-          </a:ln>
-        </p:spPr>
-      </p:pic>
+          <a:bodyPr rtlCol="0" anchor="ctr"/>
+          <a:lstStyle/>
+          <a:p>
+            <a:pPr algn="ctr"/>
+            <a:r>
+              <a:rPr lang="en-US" sz="6600" b="1" dirty="0"/>
+              <a:t>8. </a:t>
+            </a:r>
+            <a:r>
+              <a:rPr lang="ru-RU" sz="6600" b="1" dirty="0"/>
+              <a:t>Немного практики</a:t>
+            </a:r>
+            <a:endParaRPr lang="uk-UA" sz="3600" b="1" i="1" dirty="0"/>
+          </a:p>
+        </p:txBody>
+      </p:sp>
     </p:spTree>
     <p:extLst>
       <p:ext uri="{BB962C8B-B14F-4D97-AF65-F5344CB8AC3E}">
-        <p14:creationId xmlns:p14="http://schemas.microsoft.com/office/powerpoint/2010/main" val="3946249535"/>
+        <p14:creationId xmlns:p14="http://schemas.microsoft.com/office/powerpoint/2010/main" val="2502652056"/>
       </p:ext>
     </p:extLst>
   </p:cSld>
@@ -11841,7 +11862,7 @@
         </p:nvSpPr>
         <p:spPr>
           <a:xfrm>
-            <a:off x="11136560" y="6093296"/>
+            <a:off x="11280576" y="6165304"/>
             <a:ext cx="648072" cy="432048"/>
           </a:xfrm>
           <a:prstGeom prst="roundRect">
@@ -11903,14 +11924,14 @@
       </p:sp>
       <p:sp>
         <p:nvSpPr>
-          <p:cNvPr id="4" name="TextBox 3"/>
+          <p:cNvPr id="6" name="TextBox 5"/>
           <p:cNvSpPr txBox="1"/>
           <p:nvPr/>
         </p:nvSpPr>
         <p:spPr>
           <a:xfrm>
-            <a:off x="0" y="764704"/>
-            <a:ext cx="12192000" cy="523220"/>
+            <a:off x="0" y="2193826"/>
+            <a:ext cx="12192000" cy="3539430"/>
           </a:xfrm>
           <a:prstGeom prst="rect">
             <a:avLst/>
@@ -11925,22 +11946,109 @@
           <a:p>
             <a:pPr algn="ctr"/>
             <a:r>
-              <a:rPr lang="ru-RU" sz="2800" b="1" dirty="0"/>
-              <a:t> Добавление новых элементов к дереву документа</a:t>
-            </a:r>
-          </a:p>
-        </p:txBody>
-      </p:sp>
-      <p:sp>
-        <p:nvSpPr>
-          <p:cNvPr id="7" name="TextBox 6"/>
+              <a:rPr lang="ru-RU" sz="3200" dirty="0"/>
+              <a:t>Выведем в разметку данные пользователей </a:t>
+            </a:r>
+            <a:br>
+              <a:rPr lang="en-US" sz="3200" dirty="0"/>
+            </a:br>
+            <a:r>
+              <a:rPr lang="ru-RU" sz="3200" dirty="0"/>
+              <a:t>полученные от сервиса </a:t>
+            </a:r>
+            <a:r>
+              <a:rPr lang="en-US" sz="3200" b="1" dirty="0">
+                <a:hlinkClick r:id="rId2"/>
+              </a:rPr>
+              <a:t>https://randomuser.me/</a:t>
+            </a:r>
+            <a:endParaRPr lang="en-US" sz="3200" b="1" dirty="0"/>
+          </a:p>
+          <a:p>
+            <a:pPr algn="ctr"/>
+            <a:r>
+              <a:rPr lang="ru-RU" sz="3200" b="1" dirty="0"/>
+              <a:t> </a:t>
+            </a:r>
+            <a:endParaRPr lang="en-US" sz="3200" b="1" dirty="0"/>
+          </a:p>
+          <a:p>
+            <a:pPr algn="ctr"/>
+            <a:endParaRPr lang="en-US" sz="3200" b="1" dirty="0">
+              <a:solidFill>
+                <a:srgbClr val="0070C0"/>
+              </a:solidFill>
+            </a:endParaRPr>
+          </a:p>
+          <a:p>
+            <a:pPr algn="ctr"/>
+            <a:r>
+              <a:rPr lang="ru-RU" sz="3200" b="1" dirty="0">
+                <a:solidFill>
+                  <a:srgbClr val="00B050"/>
+                </a:solidFill>
+              </a:rPr>
+              <a:t>Пример </a:t>
+            </a:r>
+            <a:r>
+              <a:rPr lang="en-US" sz="3200" b="1" dirty="0">
+                <a:solidFill>
+                  <a:srgbClr val="00B050"/>
+                </a:solidFill>
+              </a:rPr>
+              <a:t>URL </a:t>
+            </a:r>
+            <a:r>
+              <a:rPr lang="ru-RU" sz="3200" b="1" dirty="0">
+                <a:solidFill>
+                  <a:srgbClr val="00B050"/>
+                </a:solidFill>
+              </a:rPr>
+              <a:t>для запроса к </a:t>
+            </a:r>
+            <a:r>
+              <a:rPr lang="en-US" sz="3200" b="1" dirty="0">
+                <a:solidFill>
+                  <a:srgbClr val="00B050"/>
+                </a:solidFill>
+              </a:rPr>
+              <a:t>API: </a:t>
+            </a:r>
+            <a:r>
+              <a:rPr lang="en-US" sz="3200" b="1" dirty="0">
+                <a:solidFill>
+                  <a:srgbClr val="0070C0"/>
+                </a:solidFill>
+                <a:hlinkClick r:id="rId3"/>
+              </a:rPr>
+              <a:t>https://randomuser.me/api/?results=50</a:t>
+            </a:r>
+            <a:endParaRPr lang="en-US" sz="3200" b="1" dirty="0">
+              <a:solidFill>
+                <a:srgbClr val="0070C0"/>
+              </a:solidFill>
+            </a:endParaRPr>
+          </a:p>
+          <a:p>
+            <a:pPr algn="ctr"/>
+            <a:endParaRPr lang="en-US" sz="3200" b="1" dirty="0">
+              <a:solidFill>
+                <a:srgbClr val="0070C0"/>
+              </a:solidFill>
+            </a:endParaRPr>
+          </a:p>
+        </p:txBody>
+      </p:sp>
+      <p:sp>
+        <p:nvSpPr>
+          <p:cNvPr id="4" name="TextBox 3"/>
           <p:cNvSpPr txBox="1"/>
           <p:nvPr/>
         </p:nvSpPr>
         <p:spPr>
           <a:xfrm>
-            <a:off x="2279576" y="2708920"/>
-            <a:ext cx="8182204" cy="2308324"/>
+            <a:off x="0" y="692696"/>
+            <a:ext cx="12192000" cy="830997"/>
           </a:xfrm>
           <a:prstGeom prst="rect">
             <a:avLst/>
@@ -11953,35 +12061,19 @@
           </a:bodyPr>
           <a:lstStyle/>
           <a:p>
-            <a:r>
-              <a:rPr lang="ru-RU" sz="3600" dirty="0"/>
-              <a:t>Простейший вариант: просто добавить текстовую строку с нужными данным к свойству </a:t>
-            </a:r>
-            <a:r>
-              <a:rPr lang="en-US" sz="3600" b="1" dirty="0"/>
-              <a:t>.</a:t>
-            </a:r>
-            <a:r>
-              <a:rPr lang="en-US" sz="3600" b="1" dirty="0" err="1"/>
-              <a:t>innerHTML</a:t>
-            </a:r>
-            <a:r>
-              <a:rPr lang="en-US" sz="3600" dirty="0"/>
-              <a:t>. </a:t>
-            </a:r>
-            <a:r>
-              <a:rPr lang="ru-RU" sz="3600" dirty="0"/>
-              <a:t>Однако это не самый удобный вариант.</a:t>
+            <a:pPr algn="ctr"/>
+            <a:r>
+              <a:rPr lang="en-US" sz="4800" b="1" dirty="0"/>
+              <a:t>DOM </a:t>
+            </a:r>
+            <a:r>
+              <a:rPr lang="ru-RU" sz="4800" b="1" dirty="0"/>
+              <a:t>на практике</a:t>
             </a:r>
           </a:p>
         </p:txBody>
       </p:sp>
     </p:spTree>
-    <p:extLst>
-      <p:ext uri="{BB962C8B-B14F-4D97-AF65-F5344CB8AC3E}">
-        <p14:creationId xmlns:p14="http://schemas.microsoft.com/office/powerpoint/2010/main" val="2089973474"/>
-      </p:ext>
-    </p:extLst>
   </p:cSld>
   <p:clrMapOvr>
     <a:masterClrMapping/>
@@ -12008,260 +12100,55 @@
       </p:grpSpPr>
       <p:sp>
         <p:nvSpPr>
-          <p:cNvPr id="20" name="Номер слайда 36"/>
-          <p:cNvSpPr txBox="1">
-            <a:spLocks/>
-          </p:cNvSpPr>
-          <p:nvPr/>
-        </p:nvSpPr>
-        <p:spPr>
-          <a:xfrm>
-            <a:off x="11136560" y="6165305"/>
-            <a:ext cx="648072" cy="432048"/>
-          </a:xfrm>
-          <a:prstGeom prst="roundRect">
-            <a:avLst/>
-          </a:prstGeom>
-          <a:ln w="25400" cap="flat" cmpd="sng" algn="ctr">
-            <a:solidFill>
-              <a:schemeClr val="tx2">
-                <a:lumMod val="60000"/>
-                <a:lumOff val="40000"/>
-              </a:schemeClr>
-            </a:solidFill>
-            <a:prstDash val="solid"/>
-          </a:ln>
+          <p:cNvPr id="5" name="Прямоугольник 4"/>
+          <p:cNvSpPr/>
+          <p:nvPr/>
+        </p:nvSpPr>
+        <p:spPr>
+          <a:xfrm>
+            <a:off x="0" y="0"/>
+            <a:ext cx="12192000" cy="6858000"/>
+          </a:xfrm>
+          <a:prstGeom prst="rect">
+            <a:avLst/>
+          </a:prstGeom>
+          <a:solidFill>
+            <a:srgbClr val="002060"/>
+          </a:solidFill>
         </p:spPr>
         <p:style>
           <a:lnRef idx="2">
-            <a:schemeClr val="accent1"/>
+            <a:schemeClr val="accent1">
+              <a:shade val="50000"/>
+            </a:schemeClr>
           </a:lnRef>
           <a:fillRef idx="1">
-            <a:schemeClr val="lt1"/>
+            <a:schemeClr val="accent1"/>
           </a:fillRef>
           <a:effectRef idx="0">
             <a:schemeClr val="accent1"/>
           </a:effectRef>
           <a:fontRef idx="minor">
-            <a:schemeClr val="dk1"/>
+            <a:schemeClr val="lt1"/>
           </a:fontRef>
         </p:style>
         <p:txBody>
-          <a:bodyPr vert="horz" lIns="91440" tIns="45720" rIns="91440" bIns="45720" rtlCol="0" anchor="ctr"/>
-          <a:lstStyle/>
-          <a:p>
-            <a:pPr algn="ctr">
-              <a:defRPr/>
-            </a:pPr>
-            <a:fld id="{6389AA22-90B4-448C-8B6B-C699140D38B9}" type="slidenum">
-              <a:rPr lang="uk-UA" sz="2400" b="1">
-                <a:solidFill>
-                  <a:schemeClr val="bg1">
-                    <a:lumMod val="50000"/>
-                  </a:schemeClr>
-                </a:solidFill>
-              </a:rPr>
-              <a:pPr algn="ctr">
-                <a:defRPr/>
-              </a:pPr>
-              <a:t>35</a:t>
-            </a:fld>
-            <a:endParaRPr lang="uk-UA" sz="2400" b="1" dirty="0">
-              <a:solidFill>
-                <a:schemeClr val="bg1">
-                  <a:lumMod val="50000"/>
-                </a:schemeClr>
-              </a:solidFill>
-            </a:endParaRPr>
-          </a:p>
-        </p:txBody>
-      </p:sp>
-      <p:sp>
-        <p:nvSpPr>
-          <p:cNvPr id="4" name="TextBox 3"/>
-          <p:cNvSpPr txBox="1"/>
-          <p:nvPr/>
-        </p:nvSpPr>
-        <p:spPr>
-          <a:xfrm>
-            <a:off x="311697" y="260648"/>
-            <a:ext cx="11415882" cy="523220"/>
-          </a:xfrm>
-          <a:prstGeom prst="rect">
-            <a:avLst/>
-          </a:prstGeom>
-          <a:noFill/>
-        </p:spPr>
-        <p:txBody>
-          <a:bodyPr wrap="none" rtlCol="0">
-            <a:spAutoFit/>
-          </a:bodyPr>
+          <a:bodyPr rtlCol="0" anchor="ctr"/>
           <a:lstStyle/>
           <a:p>
             <a:pPr algn="ctr"/>
             <a:r>
-              <a:rPr lang="ru-RU" sz="2800" b="1" dirty="0"/>
-              <a:t> Добавление новых элементов к дереву документа</a:t>
-            </a:r>
-            <a:r>
-              <a:rPr lang="en-US" sz="2800" b="1" dirty="0"/>
-              <a:t> (</a:t>
-            </a:r>
-            <a:r>
-              <a:rPr lang="ru-RU" sz="2800" b="1" dirty="0">
-                <a:solidFill>
-                  <a:srgbClr val="0070C0"/>
-                </a:solidFill>
-              </a:rPr>
-              <a:t>первое поколение</a:t>
-            </a:r>
-            <a:r>
-              <a:rPr lang="en-US" sz="2800" b="1" dirty="0"/>
-              <a:t>)</a:t>
-            </a:r>
-            <a:endParaRPr lang="ru-RU" sz="2800" b="1" dirty="0"/>
-          </a:p>
-        </p:txBody>
-      </p:sp>
-      <p:sp>
-        <p:nvSpPr>
-          <p:cNvPr id="10" name="TextBox 9"/>
-          <p:cNvSpPr txBox="1"/>
-          <p:nvPr/>
-        </p:nvSpPr>
-        <p:spPr>
-          <a:xfrm>
-            <a:off x="2164440" y="1167710"/>
-            <a:ext cx="8244916" cy="4493538"/>
-          </a:xfrm>
-          <a:prstGeom prst="rect">
-            <a:avLst/>
-          </a:prstGeom>
-          <a:noFill/>
-        </p:spPr>
-        <p:txBody>
-          <a:bodyPr wrap="square" rtlCol="0">
-            <a:spAutoFit/>
-          </a:bodyPr>
-          <a:lstStyle/>
-          <a:p>
-            <a:r>
-              <a:rPr lang="en-US" sz="2200" b="1" dirty="0" err="1"/>
-              <a:t>document.createElement</a:t>
-            </a:r>
-            <a:r>
-              <a:rPr lang="ru-RU" sz="2200" b="1" dirty="0"/>
-              <a:t>()</a:t>
-            </a:r>
-            <a:r>
-              <a:rPr lang="en-US" sz="2200" dirty="0"/>
-              <a:t> – </a:t>
-            </a:r>
-            <a:r>
-              <a:rPr lang="ru-RU" sz="2200" dirty="0"/>
-              <a:t>создаёт новый элемент (по имени тега). Этот элемент, после создания, еще не включен в дерево. Но его свойства уже можно изменять.</a:t>
-            </a:r>
-          </a:p>
-          <a:p>
-            <a:endParaRPr lang="ru-RU" sz="2200" dirty="0"/>
-          </a:p>
-          <a:p>
-            <a:r>
-              <a:rPr lang="en-US" sz="2200" b="1" dirty="0"/>
-              <a:t>.</a:t>
-            </a:r>
-            <a:r>
-              <a:rPr lang="en-US" sz="2200" b="1" dirty="0" err="1"/>
-              <a:t>appendChild</a:t>
-            </a:r>
-            <a:r>
-              <a:rPr lang="ru-RU" sz="2200" b="1" dirty="0"/>
-              <a:t>()</a:t>
-            </a:r>
-            <a:r>
-              <a:rPr lang="en-US" sz="2200" dirty="0"/>
-              <a:t> – </a:t>
-            </a:r>
-            <a:r>
-              <a:rPr lang="ru-RU" sz="2200" dirty="0"/>
-              <a:t>добавляет элемент к существующему, в качестве последнего потомка.  Может быть вызвана для любого существующего тега (даже если он не входит в дерево – другими словами можно формировать ветку еще до того как «присоединять» её к дереву).</a:t>
-            </a:r>
-          </a:p>
-          <a:p>
-            <a:endParaRPr lang="ru-RU" sz="2200" dirty="0"/>
-          </a:p>
-          <a:p>
-            <a:r>
-              <a:rPr lang="en-US" sz="2200" b="1" dirty="0"/>
-              <a:t>.</a:t>
-            </a:r>
-            <a:r>
-              <a:rPr lang="en-US" sz="2200" b="1" dirty="0" err="1"/>
-              <a:t>insertBefore</a:t>
-            </a:r>
-            <a:r>
-              <a:rPr lang="ru-RU" sz="2200" b="1" dirty="0"/>
-              <a:t>()</a:t>
-            </a:r>
-            <a:r>
-              <a:rPr lang="en-US" sz="2200" b="1" dirty="0"/>
-              <a:t> </a:t>
-            </a:r>
-            <a:r>
-              <a:rPr lang="en-US" sz="2200" dirty="0"/>
-              <a:t>– </a:t>
-            </a:r>
-            <a:r>
-              <a:rPr lang="ru-RU" sz="2200" dirty="0"/>
-              <a:t>добавляет элемент в качестве дочернего, при этом позволяет указать перед каким из, уже существующих, потомков новый элемент должен быть размещён.</a:t>
-            </a:r>
-          </a:p>
-        </p:txBody>
-      </p:sp>
-      <p:sp>
-        <p:nvSpPr>
-          <p:cNvPr id="11" name="TextBox 10"/>
-          <p:cNvSpPr txBox="1"/>
-          <p:nvPr/>
-        </p:nvSpPr>
-        <p:spPr>
-          <a:xfrm>
-            <a:off x="2164440" y="6021288"/>
-            <a:ext cx="7989816" cy="461665"/>
-          </a:xfrm>
-          <a:prstGeom prst="rect">
-            <a:avLst/>
-          </a:prstGeom>
-          <a:noFill/>
-        </p:spPr>
-        <p:txBody>
-          <a:bodyPr wrap="none" rtlCol="0">
-            <a:spAutoFit/>
-          </a:bodyPr>
-          <a:lstStyle/>
-          <a:p>
-            <a:r>
-              <a:rPr lang="ru-RU" sz="2400" b="1" dirty="0"/>
-              <a:t>Подробнее:</a:t>
-            </a:r>
-            <a:r>
-              <a:rPr lang="en-US" sz="2400" b="1" dirty="0"/>
-              <a:t> </a:t>
-            </a:r>
-            <a:r>
-              <a:rPr lang="en-US" sz="2400" b="1" dirty="0">
-                <a:hlinkClick r:id="rId2"/>
-              </a:rPr>
-              <a:t>https://learn.javascript.ru/modifying-document</a:t>
-            </a:r>
-            <a:endParaRPr lang="ru-RU" sz="2400" b="1" dirty="0"/>
+              <a:rPr lang="ru-RU" sz="6000" b="1" dirty="0"/>
+              <a:t>К следующему занятию будет полезно почитать о…</a:t>
+            </a:r>
+            <a:endParaRPr lang="uk-UA" sz="6000" b="1" dirty="0"/>
           </a:p>
         </p:txBody>
       </p:sp>
     </p:spTree>
     <p:extLst>
       <p:ext uri="{BB962C8B-B14F-4D97-AF65-F5344CB8AC3E}">
-        <p14:creationId xmlns:p14="http://schemas.microsoft.com/office/powerpoint/2010/main" val="456257905"/>
+        <p14:creationId xmlns:p14="http://schemas.microsoft.com/office/powerpoint/2010/main" val="1201679071"/>
       </p:ext>
     </p:extLst>
   </p:cSld>
@@ -12290,131 +12177,14 @@
       </p:grpSpPr>
       <p:sp>
         <p:nvSpPr>
-          <p:cNvPr id="20" name="Номер слайда 36"/>
-          <p:cNvSpPr txBox="1">
-            <a:spLocks/>
-          </p:cNvSpPr>
-          <p:nvPr/>
-        </p:nvSpPr>
-        <p:spPr>
-          <a:xfrm>
-            <a:off x="11239161" y="6225440"/>
-            <a:ext cx="648072" cy="432048"/>
-          </a:xfrm>
-          <a:prstGeom prst="roundRect">
-            <a:avLst/>
-          </a:prstGeom>
-          <a:ln w="25400" cap="flat" cmpd="sng" algn="ctr">
-            <a:solidFill>
-              <a:schemeClr val="tx2">
-                <a:lumMod val="60000"/>
-                <a:lumOff val="40000"/>
-              </a:schemeClr>
-            </a:solidFill>
-            <a:prstDash val="solid"/>
-          </a:ln>
-        </p:spPr>
-        <p:style>
-          <a:lnRef idx="2">
-            <a:schemeClr val="accent1"/>
-          </a:lnRef>
-          <a:fillRef idx="1">
-            <a:schemeClr val="lt1"/>
-          </a:fillRef>
-          <a:effectRef idx="0">
-            <a:schemeClr val="accent1"/>
-          </a:effectRef>
-          <a:fontRef idx="minor">
-            <a:schemeClr val="dk1"/>
-          </a:fontRef>
-        </p:style>
-        <p:txBody>
-          <a:bodyPr vert="horz" lIns="91440" tIns="45720" rIns="91440" bIns="45720" rtlCol="0" anchor="ctr"/>
-          <a:lstStyle/>
-          <a:p>
-            <a:pPr algn="ctr">
-              <a:defRPr/>
-            </a:pPr>
-            <a:fld id="{6389AA22-90B4-448C-8B6B-C699140D38B9}" type="slidenum">
-              <a:rPr lang="uk-UA" sz="2400" b="1">
-                <a:solidFill>
-                  <a:schemeClr val="bg1">
-                    <a:lumMod val="50000"/>
-                  </a:schemeClr>
-                </a:solidFill>
-              </a:rPr>
-              <a:pPr algn="ctr">
-                <a:defRPr/>
-              </a:pPr>
-              <a:t>36</a:t>
-            </a:fld>
-            <a:endParaRPr lang="uk-UA" sz="2400" b="1" dirty="0">
-              <a:solidFill>
-                <a:schemeClr val="bg1">
-                  <a:lumMod val="50000"/>
-                </a:schemeClr>
-              </a:solidFill>
-            </a:endParaRPr>
-          </a:p>
-        </p:txBody>
-      </p:sp>
-      <p:sp>
-        <p:nvSpPr>
-          <p:cNvPr id="4" name="TextBox 3"/>
+          <p:cNvPr id="3" name="TextBox 2"/>
           <p:cNvSpPr txBox="1"/>
           <p:nvPr/>
         </p:nvSpPr>
         <p:spPr>
           <a:xfrm>
-            <a:off x="554397" y="305882"/>
-            <a:ext cx="11371254" cy="523220"/>
-          </a:xfrm>
-          <a:prstGeom prst="rect">
-            <a:avLst/>
-          </a:prstGeom>
-          <a:noFill/>
-        </p:spPr>
-        <p:txBody>
-          <a:bodyPr wrap="none" rtlCol="0">
-            <a:spAutoFit/>
-          </a:bodyPr>
-          <a:lstStyle/>
-          <a:p>
-            <a:pPr algn="ctr"/>
-            <a:r>
-              <a:rPr lang="ru-RU" sz="2800" b="1" dirty="0"/>
-              <a:t> Добавление новых элементов к дереву документа</a:t>
-            </a:r>
-            <a:r>
-              <a:rPr lang="en-US" sz="2800" b="1" dirty="0"/>
-              <a:t> (</a:t>
-            </a:r>
-            <a:r>
-              <a:rPr lang="ru-RU" sz="2800" b="1" dirty="0">
-                <a:solidFill>
-                  <a:srgbClr val="0070C0"/>
-                </a:solidFill>
-              </a:rPr>
-              <a:t>второе поколение</a:t>
-            </a:r>
-            <a:r>
-              <a:rPr lang="en-US" sz="2800" b="1" dirty="0"/>
-              <a:t>)</a:t>
-            </a:r>
-            <a:endParaRPr lang="ru-RU" sz="2800" b="1" dirty="0"/>
-          </a:p>
-        </p:txBody>
-      </p:sp>
-      <p:sp>
-        <p:nvSpPr>
-          <p:cNvPr id="13" name="TextBox 12"/>
-          <p:cNvSpPr txBox="1"/>
-          <p:nvPr/>
-        </p:nvSpPr>
-        <p:spPr>
-          <a:xfrm>
-            <a:off x="623392" y="4221088"/>
-            <a:ext cx="11233248" cy="1015663"/>
+            <a:off x="-1" y="3212976"/>
+            <a:ext cx="12192001" cy="923330"/>
           </a:xfrm>
           <a:prstGeom prst="rect">
             <a:avLst/>
@@ -12429,181 +12199,51 @@
           <a:p>
             <a:pPr algn="ctr"/>
             <a:r>
-              <a:rPr lang="en-US" sz="3200" b="1" dirty="0" err="1">
-                <a:solidFill>
-                  <a:srgbClr val="7030A0"/>
-                </a:solidFill>
-                <a:latin typeface="Courier New" panose="02070309020205020404" pitchFamily="49" charset="0"/>
-                <a:cs typeface="Courier New" panose="02070309020205020404" pitchFamily="49" charset="0"/>
-              </a:rPr>
-              <a:t>tag</a:t>
-            </a:r>
-            <a:r>
-              <a:rPr lang="en-US" sz="3200" b="1" i="1" dirty="0" err="1">
-                <a:latin typeface="Courier New" panose="02070309020205020404" pitchFamily="49" charset="0"/>
-                <a:cs typeface="Courier New" panose="02070309020205020404" pitchFamily="49" charset="0"/>
-              </a:rPr>
-              <a:t>.</a:t>
-            </a:r>
-            <a:r>
-              <a:rPr lang="en-US" sz="3200" b="1" dirty="0" err="1">
+              <a:rPr lang="ru-RU" sz="5400" b="1" dirty="0"/>
+              <a:t>Обработка событий</a:t>
+            </a:r>
+            <a:r>
+              <a:rPr lang="ru-RU" sz="5400" b="1" dirty="0">
                 <a:solidFill>
                   <a:srgbClr val="00B050"/>
                 </a:solidFill>
-                <a:latin typeface="Courier New" panose="02070309020205020404" pitchFamily="49" charset="0"/>
-                <a:cs typeface="Courier New" panose="02070309020205020404" pitchFamily="49" charset="0"/>
               </a:rPr>
-              <a:t>insertAdjacentElement</a:t>
-            </a:r>
-            <a:r>
-              <a:rPr lang="ru-RU" sz="3200" b="1" dirty="0">
+              <a:t> (</a:t>
+            </a:r>
+            <a:r>
+              <a:rPr lang="en-US" sz="5400" b="1" dirty="0">
                 <a:solidFill>
-                  <a:srgbClr val="0070C0"/>
+                  <a:srgbClr val="00B050"/>
                 </a:solidFill>
-                <a:latin typeface="Courier New" panose="02070309020205020404" pitchFamily="49" charset="0"/>
-                <a:cs typeface="Courier New" panose="02070309020205020404" pitchFamily="49" charset="0"/>
               </a:rPr>
-              <a:t>(</a:t>
-            </a:r>
-            <a:r>
-              <a:rPr lang="en-US" sz="3200" b="1" dirty="0">
+              <a:t>DOM Events</a:t>
+            </a:r>
+            <a:r>
+              <a:rPr lang="ru-RU" sz="5400" b="1" dirty="0">
                 <a:solidFill>
-                  <a:srgbClr val="FF0000"/>
+                  <a:srgbClr val="00B050"/>
                 </a:solidFill>
-                <a:latin typeface="Courier New" panose="02070309020205020404" pitchFamily="49" charset="0"/>
-                <a:cs typeface="Courier New" panose="02070309020205020404" pitchFamily="49" charset="0"/>
-              </a:rPr>
-              <a:t>position</a:t>
-            </a:r>
-            <a:r>
-              <a:rPr lang="en-US" sz="3200" b="1" dirty="0">
-                <a:latin typeface="Courier New" panose="02070309020205020404" pitchFamily="49" charset="0"/>
-                <a:cs typeface="Courier New" panose="02070309020205020404" pitchFamily="49" charset="0"/>
-              </a:rPr>
-              <a:t>, </a:t>
-            </a:r>
-            <a:r>
-              <a:rPr lang="en-US" sz="3200" b="1" dirty="0">
-                <a:solidFill>
-                  <a:schemeClr val="accent6"/>
-                </a:solidFill>
-                <a:latin typeface="Courier New" panose="02070309020205020404" pitchFamily="49" charset="0"/>
-                <a:cs typeface="Courier New" panose="02070309020205020404" pitchFamily="49" charset="0"/>
-              </a:rPr>
-              <a:t>element</a:t>
-            </a:r>
-            <a:r>
-              <a:rPr lang="ru-RU" sz="3200" b="1" dirty="0">
-                <a:solidFill>
-                  <a:srgbClr val="0070C0"/>
-                </a:solidFill>
-                <a:latin typeface="Courier New" panose="02070309020205020404" pitchFamily="49" charset="0"/>
-                <a:cs typeface="Courier New" panose="02070309020205020404" pitchFamily="49" charset="0"/>
               </a:rPr>
               <a:t>)</a:t>
             </a:r>
             <a:r>
-              <a:rPr lang="en-US" sz="2800" i="1" dirty="0"/>
+              <a:rPr lang="en-US" sz="5400" b="1" dirty="0"/>
               <a:t> </a:t>
             </a:r>
-            <a:r>
-              <a:rPr lang="ru-RU" sz="2800" i="1" dirty="0"/>
-              <a:t>добавляет </a:t>
-            </a:r>
-            <a:r>
-              <a:rPr lang="ru-RU" sz="2800" b="1" i="1" dirty="0">
-                <a:solidFill>
-                  <a:schemeClr val="accent6"/>
-                </a:solidFill>
-              </a:rPr>
-              <a:t>элемент</a:t>
-            </a:r>
-            <a:r>
-              <a:rPr lang="ru-RU" sz="2800" i="1" dirty="0"/>
-              <a:t> к </a:t>
-            </a:r>
-            <a:r>
-              <a:rPr lang="ru-RU" sz="2800" b="1" i="1" dirty="0">
-                <a:solidFill>
-                  <a:srgbClr val="7030A0"/>
-                </a:solidFill>
-              </a:rPr>
-              <a:t>существующему</a:t>
-            </a:r>
-            <a:r>
-              <a:rPr lang="ru-RU" sz="2800" i="1" dirty="0"/>
-              <a:t>, в указанную </a:t>
-            </a:r>
-            <a:r>
-              <a:rPr lang="ru-RU" sz="2800" b="1" i="1" dirty="0">
-                <a:solidFill>
-                  <a:srgbClr val="FF0000"/>
-                </a:solidFill>
-              </a:rPr>
-              <a:t>позицию</a:t>
-            </a:r>
-            <a:r>
-              <a:rPr lang="ru-RU" sz="2800" i="1" dirty="0"/>
-              <a:t>.</a:t>
-            </a:r>
-            <a:endParaRPr lang="ru-RU" sz="2400" i="1" dirty="0"/>
-          </a:p>
-        </p:txBody>
-      </p:sp>
-      <p:pic>
-        <p:nvPicPr>
-          <p:cNvPr id="1026" name="Picture 2" descr="https://cdn-images-1.medium.com/max/1600/1*bq3FX0Fkz1ztYU0snNTAkg.png"/>
-          <p:cNvPicPr>
-            <a:picLocks noChangeAspect="1" noChangeArrowheads="1"/>
-          </p:cNvPicPr>
-          <p:nvPr/>
-        </p:nvPicPr>
-        <p:blipFill rotWithShape="1">
-          <a:blip r:embed="rId2">
-            <a:extLst>
-              <a:ext uri="{28A0092B-C50C-407E-A947-70E740481C1C}">
-                <a14:useLocalDpi xmlns:a14="http://schemas.microsoft.com/office/drawing/2010/main" val="0"/>
-              </a:ext>
-            </a:extLst>
-          </a:blip>
-          <a:srcRect r="59959"/>
-          <a:stretch/>
-        </p:blipFill>
-        <p:spPr bwMode="auto">
-          <a:xfrm>
-            <a:off x="1271464" y="1117575"/>
-            <a:ext cx="4824536" cy="2769223"/>
-          </a:xfrm>
-          <a:prstGeom prst="rect">
-            <a:avLst/>
-          </a:prstGeom>
-          <a:noFill/>
-          <a:ln>
-            <a:solidFill>
-              <a:srgbClr val="00B0F0"/>
-            </a:solidFill>
-          </a:ln>
-          <a:extLst>
-            <a:ext uri="{909E8E84-426E-40DD-AFC4-6F175D3DCCD1}">
-              <a14:hiddenFill xmlns:a14="http://schemas.microsoft.com/office/drawing/2010/main">
-                <a:solidFill>
-                  <a:srgbClr val="FFFFFF"/>
-                </a:solidFill>
-              </a14:hiddenFill>
-            </a:ext>
-          </a:extLst>
-        </p:spPr>
-      </p:pic>
-      <p:sp>
-        <p:nvSpPr>
-          <p:cNvPr id="3" name="TextBox 2"/>
+            <a:endParaRPr lang="ru-RU" sz="5400" b="1" dirty="0"/>
+          </a:p>
+        </p:txBody>
+      </p:sp>
+      <p:sp>
+        <p:nvSpPr>
+          <p:cNvPr id="5" name="TextBox 4"/>
           <p:cNvSpPr txBox="1"/>
           <p:nvPr/>
         </p:nvSpPr>
         <p:spPr>
           <a:xfrm>
-            <a:off x="6371217" y="2086687"/>
-            <a:ext cx="5040560" cy="830997"/>
+            <a:off x="-1" y="643335"/>
+            <a:ext cx="12192001" cy="769441"/>
           </a:xfrm>
           <a:prstGeom prst="rect">
             <a:avLst/>
@@ -12616,132 +12256,18 @@
           </a:bodyPr>
           <a:lstStyle/>
           <a:p>
-            <a:r>
-              <a:rPr lang="ru-RU" sz="2400" i="1" dirty="0"/>
-              <a:t>Варианты позиции для методов </a:t>
-            </a:r>
-            <a:r>
-              <a:rPr lang="en-US" sz="2400" i="1" dirty="0"/>
-              <a:t> </a:t>
-            </a:r>
-            <a:r>
-              <a:rPr lang="ru-RU" sz="2400" i="1" dirty="0"/>
-              <a:t>группы </a:t>
-            </a:r>
-            <a:r>
-              <a:rPr lang="en-US" sz="2400" b="1" i="1" dirty="0"/>
-              <a:t>.</a:t>
-            </a:r>
-            <a:r>
-              <a:rPr lang="en-US" sz="2400" b="1" i="1" dirty="0" err="1"/>
-              <a:t>insertAdjacent</a:t>
-            </a:r>
-            <a:r>
-              <a:rPr lang="en-US" sz="2400" i="1" dirty="0"/>
-              <a:t>…</a:t>
-            </a:r>
-            <a:r>
-              <a:rPr lang="ru-RU" sz="2400" i="1" dirty="0"/>
-              <a:t>()</a:t>
-            </a:r>
-            <a:endParaRPr lang="uk-UA" sz="2400" i="1" dirty="0"/>
-          </a:p>
-        </p:txBody>
-      </p:sp>
-      <p:sp>
-        <p:nvSpPr>
-          <p:cNvPr id="6" name="TextBox 5"/>
-          <p:cNvSpPr txBox="1"/>
-          <p:nvPr/>
-        </p:nvSpPr>
-        <p:spPr>
-          <a:xfrm>
-            <a:off x="381189" y="6061272"/>
-            <a:ext cx="10857972" cy="461665"/>
-          </a:xfrm>
-          <a:prstGeom prst="rect">
-            <a:avLst/>
-          </a:prstGeom>
-          <a:noFill/>
-        </p:spPr>
-        <p:txBody>
-          <a:bodyPr wrap="none" rtlCol="0">
-            <a:spAutoFit/>
-          </a:bodyPr>
-          <a:lstStyle/>
-          <a:p>
-            <a:r>
-              <a:rPr lang="ru-RU" sz="2400" i="1" dirty="0"/>
-              <a:t>Также существуют методы </a:t>
-            </a:r>
-            <a:r>
-              <a:rPr lang="en-US" sz="2400" b="1" i="1" dirty="0" err="1"/>
-              <a:t>tag.insertAdjacentHTML</a:t>
-            </a:r>
-            <a:r>
-              <a:rPr lang="ru-RU" sz="2400" b="1" i="1" dirty="0"/>
-              <a:t>() и </a:t>
-            </a:r>
-            <a:r>
-              <a:rPr lang="en-US" sz="2400" b="1" i="1" dirty="0" err="1"/>
-              <a:t>tag.insertAdjacentText</a:t>
-            </a:r>
-            <a:r>
-              <a:rPr lang="en-US" sz="2400" b="1" i="1" dirty="0"/>
-              <a:t>()</a:t>
-            </a:r>
-            <a:r>
-              <a:rPr lang="ru-RU" sz="2400" b="1" i="1" dirty="0"/>
-              <a:t> </a:t>
-            </a:r>
-            <a:endParaRPr lang="uk-UA" sz="2400" b="1" i="1" dirty="0"/>
-          </a:p>
-        </p:txBody>
-      </p:sp>
-      <p:sp>
-        <p:nvSpPr>
-          <p:cNvPr id="9" name="TextBox 8"/>
-          <p:cNvSpPr txBox="1"/>
-          <p:nvPr/>
-        </p:nvSpPr>
-        <p:spPr>
-          <a:xfrm>
-            <a:off x="2164440" y="5415607"/>
-            <a:ext cx="7989816" cy="461665"/>
-          </a:xfrm>
-          <a:prstGeom prst="rect">
-            <a:avLst/>
-          </a:prstGeom>
-          <a:noFill/>
-        </p:spPr>
-        <p:txBody>
-          <a:bodyPr wrap="none" rtlCol="0">
-            <a:spAutoFit/>
-          </a:bodyPr>
-          <a:lstStyle/>
-          <a:p>
-            <a:r>
-              <a:rPr lang="ru-RU" sz="2400" b="1" dirty="0"/>
-              <a:t>Подробнее:</a:t>
-            </a:r>
-            <a:r>
-              <a:rPr lang="en-US" sz="2400" b="1" dirty="0"/>
-              <a:t> </a:t>
-            </a:r>
-            <a:r>
-              <a:rPr lang="en-US" sz="2400" b="1" dirty="0">
-                <a:hlinkClick r:id="rId3"/>
-              </a:rPr>
-              <a:t>https://learn.javascript.ru/modifying-document</a:t>
-            </a:r>
-            <a:endParaRPr lang="ru-RU" sz="2400" b="1" dirty="0"/>
+            <a:pPr algn="ctr"/>
+            <a:r>
+              <a:rPr lang="ru-RU" sz="4400" b="1" dirty="0"/>
+              <a:t>К следующему занятию…</a:t>
+            </a:r>
           </a:p>
         </p:txBody>
       </p:sp>
     </p:spTree>
     <p:extLst>
       <p:ext uri="{BB962C8B-B14F-4D97-AF65-F5344CB8AC3E}">
-        <p14:creationId xmlns:p14="http://schemas.microsoft.com/office/powerpoint/2010/main" val="4178027007"/>
+        <p14:creationId xmlns:p14="http://schemas.microsoft.com/office/powerpoint/2010/main" val="1950205379"/>
       </p:ext>
     </p:extLst>
   </p:cSld>
@@ -12783,9 +12309,7 @@
             <a:avLst/>
           </a:prstGeom>
           <a:solidFill>
-            <a:schemeClr val="tx2">
-              <a:lumMod val="75000"/>
-            </a:schemeClr>
+            <a:srgbClr val="002060"/>
           </a:solidFill>
         </p:spPr>
         <p:style>
@@ -12810,21 +12334,28 @@
           <a:p>
             <a:pPr algn="ctr"/>
             <a:r>
-              <a:rPr lang="en-US" sz="6600" b="1" dirty="0"/>
-              <a:t>8. </a:t>
-            </a:r>
-            <a:r>
-              <a:rPr lang="ru-RU" sz="6600" b="1" dirty="0"/>
-              <a:t>Немного практики</a:t>
-            </a:r>
-            <a:endParaRPr lang="uk-UA" sz="3600" b="1" i="1" dirty="0"/>
+              <a:rPr lang="ru-RU" sz="6000" b="1" dirty="0">
+                <a:solidFill>
+                  <a:srgbClr val="FFC000"/>
+                </a:solidFill>
+              </a:rPr>
+              <a:t>Домашнее задание </a:t>
+            </a:r>
+          </a:p>
+          <a:p>
+            <a:pPr algn="ctr"/>
+            <a:r>
+              <a:rPr lang="ru-RU" sz="6000" b="1" dirty="0"/>
+              <a:t>/сделать</a:t>
+            </a:r>
+            <a:endParaRPr lang="uk-UA" sz="6000" b="1" dirty="0"/>
           </a:p>
         </p:txBody>
       </p:sp>
     </p:spTree>
     <p:extLst>
       <p:ext uri="{BB962C8B-B14F-4D97-AF65-F5344CB8AC3E}">
-        <p14:creationId xmlns:p14="http://schemas.microsoft.com/office/powerpoint/2010/main" val="2502652056"/>
+        <p14:creationId xmlns:p14="http://schemas.microsoft.com/office/powerpoint/2010/main" val="2328426287"/>
       </p:ext>
     </p:extLst>
   </p:cSld>
@@ -12861,7 +12392,7 @@
         </p:nvSpPr>
         <p:spPr>
           <a:xfrm>
-            <a:off x="11280576" y="6165304"/>
+            <a:off x="11172564" y="6164170"/>
             <a:ext cx="648072" cy="432048"/>
           </a:xfrm>
           <a:prstGeom prst="roundRect">
@@ -12923,14 +12454,14 @@
       </p:sp>
       <p:sp>
         <p:nvSpPr>
-          <p:cNvPr id="6" name="TextBox 5"/>
+          <p:cNvPr id="3" name="TextBox 2"/>
           <p:cNvSpPr txBox="1"/>
           <p:nvPr/>
         </p:nvSpPr>
         <p:spPr>
           <a:xfrm>
-            <a:off x="0" y="2193826"/>
-            <a:ext cx="12192000" cy="3539430"/>
+            <a:off x="0" y="197756"/>
+            <a:ext cx="12192000" cy="646331"/>
           </a:xfrm>
           <a:prstGeom prst="rect">
             <a:avLst/>
@@ -12945,109 +12476,37 @@
           <a:p>
             <a:pPr algn="ctr"/>
             <a:r>
-              <a:rPr lang="ru-RU" sz="3200" dirty="0"/>
-              <a:t>Выведем в разметку данные пользователей </a:t>
-            </a:r>
-            <a:br>
-              <a:rPr lang="en-US" sz="3200" dirty="0"/>
-            </a:br>
-            <a:r>
-              <a:rPr lang="ru-RU" sz="3200" dirty="0"/>
-              <a:t>полученные от сервиса </a:t>
-            </a:r>
-            <a:r>
-              <a:rPr lang="en-US" sz="3200" b="1" dirty="0">
-                <a:hlinkClick r:id="rId2"/>
-              </a:rPr>
-              <a:t>https://randomuser.me/</a:t>
-            </a:r>
-            <a:endParaRPr lang="en-US" sz="3200" b="1" dirty="0"/>
-          </a:p>
-          <a:p>
-            <a:pPr algn="ctr"/>
-            <a:r>
-              <a:rPr lang="ru-RU" sz="3200" b="1" dirty="0"/>
-              <a:t> </a:t>
-            </a:r>
-            <a:endParaRPr lang="en-US" sz="3200" b="1" dirty="0"/>
-          </a:p>
-          <a:p>
-            <a:pPr algn="ctr"/>
-            <a:endParaRPr lang="en-US" sz="3200" b="1" dirty="0">
-              <a:solidFill>
-                <a:srgbClr val="0070C0"/>
-              </a:solidFill>
-            </a:endParaRPr>
-          </a:p>
-          <a:p>
-            <a:pPr algn="ctr"/>
-            <a:r>
-              <a:rPr lang="ru-RU" sz="3200" b="1" dirty="0">
+              <a:rPr lang="ru-RU" sz="3600" b="1" dirty="0"/>
+              <a:t>Домашнее задание </a:t>
+            </a:r>
+            <a:r>
+              <a:rPr lang="en-US" sz="3600" b="1" dirty="0">
                 <a:solidFill>
-                  <a:srgbClr val="00B050"/>
+                  <a:schemeClr val="accent6">
+                    <a:lumMod val="75000"/>
+                  </a:schemeClr>
                 </a:solidFill>
               </a:rPr>
-              <a:t>Пример </a:t>
-            </a:r>
-            <a:r>
-              <a:rPr lang="en-US" sz="3200" b="1" dirty="0">
-                <a:solidFill>
-                  <a:srgbClr val="00B050"/>
-                </a:solidFill>
-              </a:rPr>
-              <a:t>URL </a:t>
-            </a:r>
-            <a:r>
-              <a:rPr lang="ru-RU" sz="3200" b="1" dirty="0">
-                <a:solidFill>
-                  <a:srgbClr val="00B050"/>
-                </a:solidFill>
-              </a:rPr>
-              <a:t>для запроса к </a:t>
-            </a:r>
-            <a:r>
-              <a:rPr lang="en-US" sz="3200" b="1" dirty="0">
-                <a:solidFill>
-                  <a:srgbClr val="00B050"/>
-                </a:solidFill>
-              </a:rPr>
-              <a:t>API: </a:t>
-            </a:r>
-            <a:r>
-              <a:rPr lang="en-US" sz="3200" b="1" dirty="0">
-                <a:solidFill>
-                  <a:srgbClr val="0070C0"/>
-                </a:solidFill>
-                <a:hlinkClick r:id="rId3"/>
-              </a:rPr>
-              <a:t>https://randomuser.me/api/?results=50</a:t>
-            </a:r>
-            <a:endParaRPr lang="en-US" sz="3200" b="1" dirty="0">
-              <a:solidFill>
-                <a:srgbClr val="0070C0"/>
-              </a:solidFill>
-            </a:endParaRPr>
-          </a:p>
-          <a:p>
-            <a:pPr algn="ctr"/>
-            <a:endParaRPr lang="en-US" sz="3200" b="1" dirty="0">
-              <a:solidFill>
-                <a:srgbClr val="0070C0"/>
-              </a:solidFill>
-            </a:endParaRPr>
-          </a:p>
-        </p:txBody>
-      </p:sp>
-      <p:sp>
-        <p:nvSpPr>
-          <p:cNvPr id="4" name="TextBox 3"/>
+              <a:t>#D.1</a:t>
+            </a:r>
+            <a:r>
+              <a:rPr lang="en-US" sz="3600" b="1" dirty="0"/>
+              <a:t> </a:t>
+            </a:r>
+            <a:endParaRPr lang="uk-UA" sz="3600" b="1" dirty="0"/>
+          </a:p>
+        </p:txBody>
+      </p:sp>
+      <p:sp>
+        <p:nvSpPr>
+          <p:cNvPr id="5" name="TextBox 4"/>
           <p:cNvSpPr txBox="1"/>
           <p:nvPr/>
         </p:nvSpPr>
         <p:spPr>
           <a:xfrm>
-            <a:off x="0" y="692696"/>
-            <a:ext cx="12192000" cy="830997"/>
+            <a:off x="0" y="980728"/>
+            <a:ext cx="12192000" cy="923330"/>
           </a:xfrm>
           <a:prstGeom prst="rect">
             <a:avLst/>
@@ -13062,92 +12521,259 @@
           <a:p>
             <a:pPr algn="ctr"/>
             <a:r>
-              <a:rPr lang="en-US" sz="4800" b="1" dirty="0"/>
-              <a:t>DOM </a:t>
-            </a:r>
-            <a:r>
-              <a:rPr lang="ru-RU" sz="4800" b="1" dirty="0"/>
-              <a:t>на практике</a:t>
-            </a:r>
-          </a:p>
-        </p:txBody>
-      </p:sp>
-    </p:spTree>
-  </p:cSld>
-  <p:clrMapOvr>
-    <a:masterClrMapping/>
-  </p:clrMapOvr>
-</p:sld>
-</file>
-
-<file path=ppt/slides/slide39.xml><?xml version="1.0" encoding="utf-8"?>
-<p:sld xmlns:a="http://schemas.openxmlformats.org/drawingml/2006/main" xmlns:r="http://schemas.openxmlformats.org/officeDocument/2006/relationships" xmlns:p="http://schemas.openxmlformats.org/presentationml/2006/main">
-  <p:cSld>
-    <p:spTree>
-      <p:nvGrpSpPr>
-        <p:cNvPr id="1" name=""/>
-        <p:cNvGrpSpPr/>
-        <p:nvPr/>
-      </p:nvGrpSpPr>
-      <p:grpSpPr>
-        <a:xfrm>
-          <a:off x="0" y="0"/>
-          <a:ext cx="0" cy="0"/>
-          <a:chOff x="0" y="0"/>
-          <a:chExt cx="0" cy="0"/>
-        </a:xfrm>
-      </p:grpSpPr>
-      <p:sp>
-        <p:nvSpPr>
-          <p:cNvPr id="5" name="Прямоугольник 4"/>
-          <p:cNvSpPr/>
-          <p:nvPr/>
-        </p:nvSpPr>
-        <p:spPr>
-          <a:xfrm>
-            <a:off x="0" y="0"/>
-            <a:ext cx="12192000" cy="6858000"/>
+              <a:rPr lang="ru-RU" dirty="0"/>
+              <a:t>Воспользуйтесь </a:t>
+            </a:r>
+            <a:r>
+              <a:rPr lang="en-US" b="1" dirty="0"/>
+              <a:t>API</a:t>
+            </a:r>
+            <a:r>
+              <a:rPr lang="en-US" dirty="0"/>
+              <a:t> </a:t>
+            </a:r>
+            <a:r>
+              <a:rPr lang="ru-RU" dirty="0"/>
+              <a:t>дающее информацию о </a:t>
+            </a:r>
+            <a:r>
+              <a:rPr lang="ru-RU" b="1" dirty="0"/>
+              <a:t>странах мира</a:t>
+            </a:r>
+            <a:r>
+              <a:rPr lang="ru-RU" dirty="0"/>
+              <a:t>: </a:t>
+            </a:r>
+            <a:br>
+              <a:rPr lang="ru-RU" dirty="0"/>
+            </a:br>
+            <a:r>
+              <a:rPr lang="ru-RU" b="1" dirty="0"/>
+              <a:t>Сайт:</a:t>
+            </a:r>
+            <a:r>
+              <a:rPr lang="ru-RU" dirty="0"/>
+              <a:t> </a:t>
+            </a:r>
+            <a:r>
+              <a:rPr lang="en-US" b="1" dirty="0">
+                <a:hlinkClick r:id="rId2"/>
+              </a:rPr>
+              <a:t>https://restcountries.com/</a:t>
+            </a:r>
+            <a:r>
+              <a:rPr lang="en-US" b="1" dirty="0"/>
+              <a:t> </a:t>
+            </a:r>
+          </a:p>
+          <a:p>
+            <a:pPr algn="ctr"/>
+            <a:r>
+              <a:rPr lang="en-US" b="1" dirty="0"/>
+              <a:t>JSON</a:t>
+            </a:r>
+            <a:r>
+              <a:rPr lang="en-US" b="1"/>
+              <a:t>: </a:t>
+            </a:r>
+            <a:r>
+              <a:rPr lang="en-US" b="1">
+                <a:hlinkClick r:id="rId3"/>
+              </a:rPr>
+              <a:t>https://restcountries.com/v3.1/all</a:t>
+            </a:r>
+            <a:endParaRPr lang="ru-RU" b="1" dirty="0"/>
+          </a:p>
+        </p:txBody>
+      </p:sp>
+      <p:sp>
+        <p:nvSpPr>
+          <p:cNvPr id="12" name="TextBox 11"/>
+          <p:cNvSpPr txBox="1"/>
+          <p:nvPr/>
+        </p:nvSpPr>
+        <p:spPr>
+          <a:xfrm>
+            <a:off x="0" y="2134597"/>
+            <a:ext cx="12192000" cy="646331"/>
           </a:xfrm>
           <a:prstGeom prst="rect">
             <a:avLst/>
           </a:prstGeom>
-          <a:solidFill>
-            <a:srgbClr val="002060"/>
-          </a:solidFill>
-        </p:spPr>
-        <p:style>
-          <a:lnRef idx="2">
-            <a:schemeClr val="accent1">
-              <a:shade val="50000"/>
-            </a:schemeClr>
-          </a:lnRef>
-          <a:fillRef idx="1">
-            <a:schemeClr val="accent1"/>
-          </a:fillRef>
-          <a:effectRef idx="0">
-            <a:schemeClr val="accent1"/>
-          </a:effectRef>
-          <a:fontRef idx="minor">
-            <a:schemeClr val="lt1"/>
-          </a:fontRef>
-        </p:style>
-        <p:txBody>
-          <a:bodyPr rtlCol="0" anchor="ctr"/>
+          <a:noFill/>
+        </p:spPr>
+        <p:txBody>
+          <a:bodyPr wrap="square" rtlCol="0">
+            <a:spAutoFit/>
+          </a:bodyPr>
           <a:lstStyle/>
           <a:p>
             <a:pPr algn="ctr"/>
             <a:r>
-              <a:rPr lang="ru-RU" sz="6000" b="1" dirty="0"/>
-              <a:t>К следующему занятию будет полезно почитать о…</a:t>
-            </a:r>
-            <a:endParaRPr lang="uk-UA" sz="6000" b="1" dirty="0"/>
-          </a:p>
-        </p:txBody>
-      </p:sp>
+              <a:rPr lang="ru-RU" dirty="0"/>
+              <a:t>Так же воспользуйтесь </a:t>
+            </a:r>
+            <a:r>
+              <a:rPr lang="en-US" b="1" dirty="0"/>
+              <a:t>API </a:t>
+            </a:r>
+            <a:r>
+              <a:rPr lang="ru-RU" b="1" dirty="0"/>
+              <a:t>НБУ </a:t>
+            </a:r>
+            <a:r>
+              <a:rPr lang="ru-RU" dirty="0"/>
+              <a:t>по курсам валют (</a:t>
+            </a:r>
+            <a:r>
+              <a:rPr lang="en-US" b="1" dirty="0"/>
+              <a:t>JSON</a:t>
+            </a:r>
+            <a:r>
+              <a:rPr lang="ru-RU" dirty="0"/>
+              <a:t>):</a:t>
+            </a:r>
+            <a:br>
+              <a:rPr lang="ru-RU" dirty="0"/>
+            </a:br>
+            <a:r>
+              <a:rPr lang="ru-RU" dirty="0"/>
+              <a:t> </a:t>
+            </a:r>
+            <a:r>
+              <a:rPr lang="en-US" b="1" dirty="0">
+                <a:hlinkClick r:id="rId4"/>
+              </a:rPr>
+              <a:t>https://bank.gov.ua/NBUStatService/v1/statdirectory/exchange?json</a:t>
+            </a:r>
+            <a:endParaRPr lang="ru-RU" b="1" dirty="0"/>
+          </a:p>
+        </p:txBody>
+      </p:sp>
+      <p:sp>
+        <p:nvSpPr>
+          <p:cNvPr id="9" name="TextBox 8"/>
+          <p:cNvSpPr txBox="1"/>
+          <p:nvPr/>
+        </p:nvSpPr>
+        <p:spPr>
+          <a:xfrm>
+            <a:off x="6855741" y="2916150"/>
+            <a:ext cx="4932548" cy="3170099"/>
+          </a:xfrm>
+          <a:prstGeom prst="rect">
+            <a:avLst/>
+          </a:prstGeom>
+          <a:noFill/>
+        </p:spPr>
+        <p:txBody>
+          <a:bodyPr wrap="square" rtlCol="0">
+            <a:spAutoFit/>
+          </a:bodyPr>
+          <a:lstStyle/>
+          <a:p>
+            <a:pPr marL="342900" indent="-342900">
+              <a:buAutoNum type="arabicParenR"/>
+            </a:pPr>
+            <a:r>
+              <a:rPr lang="ru-RU" sz="2000" b="1" dirty="0"/>
+              <a:t>Загрузите список стран;</a:t>
+            </a:r>
+          </a:p>
+          <a:p>
+            <a:pPr marL="342900" indent="-342900">
+              <a:buAutoNum type="arabicParenR"/>
+            </a:pPr>
+            <a:r>
+              <a:rPr lang="ru-RU" sz="2000" b="1" dirty="0"/>
+              <a:t>Загрузите курсы валют НБУ, на текущую дату;</a:t>
+            </a:r>
+          </a:p>
+          <a:p>
+            <a:pPr marL="342900" indent="-342900">
+              <a:buAutoNum type="arabicParenR"/>
+            </a:pPr>
+            <a:r>
+              <a:rPr lang="ru-RU" sz="2000" b="1" dirty="0"/>
+              <a:t>Выведите список курсов валют НБУ, по предложенному </a:t>
+            </a:r>
+            <a:r>
+              <a:rPr lang="en-US" sz="2000" b="1" dirty="0"/>
+              <a:t>wireframe’</a:t>
+            </a:r>
+            <a:r>
+              <a:rPr lang="ru-RU" sz="2000" b="1" dirty="0"/>
+              <a:t>у </a:t>
+            </a:r>
+            <a:r>
+              <a:rPr lang="en-US" sz="2000" b="1" dirty="0">
+                <a:solidFill>
+                  <a:schemeClr val="accent6">
+                    <a:lumMod val="75000"/>
+                  </a:schemeClr>
+                </a:solidFill>
+              </a:rPr>
+              <a:t>c </a:t>
+            </a:r>
+            <a:r>
+              <a:rPr lang="ru-RU" sz="2000" b="1" dirty="0">
+                <a:solidFill>
+                  <a:schemeClr val="accent6">
+                    <a:lumMod val="75000"/>
+                  </a:schemeClr>
+                </a:solidFill>
+              </a:rPr>
+              <a:t>добавлением </a:t>
+            </a:r>
+            <a:r>
+              <a:rPr lang="ru-RU" sz="2000" b="1" dirty="0"/>
+              <a:t>флагов стран в которых валюта используется;</a:t>
+            </a:r>
+          </a:p>
+          <a:p>
+            <a:pPr marL="342900" indent="-342900">
+              <a:buAutoNum type="arabicParenR"/>
+            </a:pPr>
+            <a:r>
+              <a:rPr lang="ru-RU" sz="2000" b="1" dirty="0"/>
+              <a:t>При наведении на каждый флаг должна всплывать подсказка с названием страны.</a:t>
+            </a:r>
+          </a:p>
+        </p:txBody>
+      </p:sp>
+      <p:pic>
+        <p:nvPicPr>
+          <p:cNvPr id="4" name="Рисунок 3">
+            <a:extLst>
+              <a:ext uri="{FF2B5EF4-FFF2-40B4-BE49-F238E27FC236}">
+                <a16:creationId xmlns:a16="http://schemas.microsoft.com/office/drawing/2014/main" id="{18BF8AC9-EA15-4AD4-9629-06E7E4AD7814}"/>
+              </a:ext>
+            </a:extLst>
+          </p:cNvPr>
+          <p:cNvPicPr>
+            <a:picLocks noChangeAspect="1"/>
+          </p:cNvPicPr>
+          <p:nvPr/>
+        </p:nvPicPr>
+        <p:blipFill rotWithShape="1">
+          <a:blip r:embed="rId5"/>
+          <a:srcRect l="5634" t="6622" r="6411"/>
+          <a:stretch/>
+        </p:blipFill>
+        <p:spPr>
+          <a:xfrm>
+            <a:off x="1" y="2887432"/>
+            <a:ext cx="6744072" cy="3970568"/>
+          </a:xfrm>
+          <a:prstGeom prst="rect">
+            <a:avLst/>
+          </a:prstGeom>
+        </p:spPr>
+      </p:pic>
     </p:spTree>
     <p:extLst>
       <p:ext uri="{BB962C8B-B14F-4D97-AF65-F5344CB8AC3E}">
-        <p14:creationId xmlns:p14="http://schemas.microsoft.com/office/powerpoint/2010/main" val="1201679071"/>
+        <p14:creationId xmlns:p14="http://schemas.microsoft.com/office/powerpoint/2010/main" val="810677412"/>
       </p:ext>
     </p:extLst>
   </p:cSld>
@@ -13343,631 +12969,6 @@
         </p:spPr>
       </p:pic>
     </p:spTree>
-  </p:cSld>
-  <p:clrMapOvr>
-    <a:masterClrMapping/>
-  </p:clrMapOvr>
-</p:sld>
-</file>
-
-<file path=ppt/slides/slide40.xml><?xml version="1.0" encoding="utf-8"?>
-<p:sld xmlns:a="http://schemas.openxmlformats.org/drawingml/2006/main" xmlns:r="http://schemas.openxmlformats.org/officeDocument/2006/relationships" xmlns:p="http://schemas.openxmlformats.org/presentationml/2006/main">
-  <p:cSld>
-    <p:spTree>
-      <p:nvGrpSpPr>
-        <p:cNvPr id="1" name=""/>
-        <p:cNvGrpSpPr/>
-        <p:nvPr/>
-      </p:nvGrpSpPr>
-      <p:grpSpPr>
-        <a:xfrm>
-          <a:off x="0" y="0"/>
-          <a:ext cx="0" cy="0"/>
-          <a:chOff x="0" y="0"/>
-          <a:chExt cx="0" cy="0"/>
-        </a:xfrm>
-      </p:grpSpPr>
-      <p:sp>
-        <p:nvSpPr>
-          <p:cNvPr id="3" name="TextBox 2"/>
-          <p:cNvSpPr txBox="1"/>
-          <p:nvPr/>
-        </p:nvSpPr>
-        <p:spPr>
-          <a:xfrm>
-            <a:off x="-1" y="3212976"/>
-            <a:ext cx="12192001" cy="923330"/>
-          </a:xfrm>
-          <a:prstGeom prst="rect">
-            <a:avLst/>
-          </a:prstGeom>
-          <a:noFill/>
-        </p:spPr>
-        <p:txBody>
-          <a:bodyPr wrap="square" rtlCol="0">
-            <a:spAutoFit/>
-          </a:bodyPr>
-          <a:lstStyle/>
-          <a:p>
-            <a:pPr algn="ctr"/>
-            <a:r>
-              <a:rPr lang="ru-RU" sz="5400" b="1" dirty="0"/>
-              <a:t>Обработка событий</a:t>
-            </a:r>
-            <a:r>
-              <a:rPr lang="ru-RU" sz="5400" b="1" dirty="0">
-                <a:solidFill>
-                  <a:srgbClr val="00B050"/>
-                </a:solidFill>
-              </a:rPr>
-              <a:t> (</a:t>
-            </a:r>
-            <a:r>
-              <a:rPr lang="en-US" sz="5400" b="1" dirty="0">
-                <a:solidFill>
-                  <a:srgbClr val="00B050"/>
-                </a:solidFill>
-              </a:rPr>
-              <a:t>DOM Events</a:t>
-            </a:r>
-            <a:r>
-              <a:rPr lang="ru-RU" sz="5400" b="1" dirty="0">
-                <a:solidFill>
-                  <a:srgbClr val="00B050"/>
-                </a:solidFill>
-              </a:rPr>
-              <a:t>)</a:t>
-            </a:r>
-            <a:r>
-              <a:rPr lang="en-US" sz="5400" b="1" dirty="0"/>
-              <a:t> </a:t>
-            </a:r>
-            <a:endParaRPr lang="ru-RU" sz="5400" b="1" dirty="0"/>
-          </a:p>
-        </p:txBody>
-      </p:sp>
-      <p:sp>
-        <p:nvSpPr>
-          <p:cNvPr id="5" name="TextBox 4"/>
-          <p:cNvSpPr txBox="1"/>
-          <p:nvPr/>
-        </p:nvSpPr>
-        <p:spPr>
-          <a:xfrm>
-            <a:off x="-1" y="643335"/>
-            <a:ext cx="12192001" cy="769441"/>
-          </a:xfrm>
-          <a:prstGeom prst="rect">
-            <a:avLst/>
-          </a:prstGeom>
-          <a:noFill/>
-        </p:spPr>
-        <p:txBody>
-          <a:bodyPr wrap="square" rtlCol="0">
-            <a:spAutoFit/>
-          </a:bodyPr>
-          <a:lstStyle/>
-          <a:p>
-            <a:pPr algn="ctr"/>
-            <a:r>
-              <a:rPr lang="ru-RU" sz="4400" b="1" dirty="0"/>
-              <a:t>К следующему занятию…</a:t>
-            </a:r>
-          </a:p>
-        </p:txBody>
-      </p:sp>
-    </p:spTree>
-    <p:extLst>
-      <p:ext uri="{BB962C8B-B14F-4D97-AF65-F5344CB8AC3E}">
-        <p14:creationId xmlns:p14="http://schemas.microsoft.com/office/powerpoint/2010/main" val="1950205379"/>
-      </p:ext>
-    </p:extLst>
-  </p:cSld>
-  <p:clrMapOvr>
-    <a:masterClrMapping/>
-  </p:clrMapOvr>
-</p:sld>
-</file>
-
-<file path=ppt/slides/slide41.xml><?xml version="1.0" encoding="utf-8"?>
-<p:sld xmlns:a="http://schemas.openxmlformats.org/drawingml/2006/main" xmlns:r="http://schemas.openxmlformats.org/officeDocument/2006/relationships" xmlns:p="http://schemas.openxmlformats.org/presentationml/2006/main">
-  <p:cSld>
-    <p:spTree>
-      <p:nvGrpSpPr>
-        <p:cNvPr id="1" name=""/>
-        <p:cNvGrpSpPr/>
-        <p:nvPr/>
-      </p:nvGrpSpPr>
-      <p:grpSpPr>
-        <a:xfrm>
-          <a:off x="0" y="0"/>
-          <a:ext cx="0" cy="0"/>
-          <a:chOff x="0" y="0"/>
-          <a:chExt cx="0" cy="0"/>
-        </a:xfrm>
-      </p:grpSpPr>
-      <p:sp>
-        <p:nvSpPr>
-          <p:cNvPr id="5" name="Прямоугольник 4"/>
-          <p:cNvSpPr/>
-          <p:nvPr/>
-        </p:nvSpPr>
-        <p:spPr>
-          <a:xfrm>
-            <a:off x="0" y="0"/>
-            <a:ext cx="12192000" cy="6858000"/>
-          </a:xfrm>
-          <a:prstGeom prst="rect">
-            <a:avLst/>
-          </a:prstGeom>
-          <a:solidFill>
-            <a:srgbClr val="002060"/>
-          </a:solidFill>
-        </p:spPr>
-        <p:style>
-          <a:lnRef idx="2">
-            <a:schemeClr val="accent1">
-              <a:shade val="50000"/>
-            </a:schemeClr>
-          </a:lnRef>
-          <a:fillRef idx="1">
-            <a:schemeClr val="accent1"/>
-          </a:fillRef>
-          <a:effectRef idx="0">
-            <a:schemeClr val="accent1"/>
-          </a:effectRef>
-          <a:fontRef idx="minor">
-            <a:schemeClr val="lt1"/>
-          </a:fontRef>
-        </p:style>
-        <p:txBody>
-          <a:bodyPr rtlCol="0" anchor="ctr"/>
-          <a:lstStyle/>
-          <a:p>
-            <a:pPr algn="ctr"/>
-            <a:r>
-              <a:rPr lang="ru-RU" sz="6000" b="1" dirty="0">
-                <a:solidFill>
-                  <a:srgbClr val="FFC000"/>
-                </a:solidFill>
-              </a:rPr>
-              <a:t>Домашнее задание </a:t>
-            </a:r>
-          </a:p>
-          <a:p>
-            <a:pPr algn="ctr"/>
-            <a:r>
-              <a:rPr lang="ru-RU" sz="6000" b="1" dirty="0"/>
-              <a:t>/сделать</a:t>
-            </a:r>
-            <a:endParaRPr lang="uk-UA" sz="6000" b="1" dirty="0"/>
-          </a:p>
-        </p:txBody>
-      </p:sp>
-    </p:spTree>
-    <p:extLst>
-      <p:ext uri="{BB962C8B-B14F-4D97-AF65-F5344CB8AC3E}">
-        <p14:creationId xmlns:p14="http://schemas.microsoft.com/office/powerpoint/2010/main" val="2328426287"/>
-      </p:ext>
-    </p:extLst>
-  </p:cSld>
-  <p:clrMapOvr>
-    <a:masterClrMapping/>
-  </p:clrMapOvr>
-</p:sld>
-</file>
-
-<file path=ppt/slides/slide42.xml><?xml version="1.0" encoding="utf-8"?>
-<p:sld xmlns:a="http://schemas.openxmlformats.org/drawingml/2006/main" xmlns:r="http://schemas.openxmlformats.org/officeDocument/2006/relationships" xmlns:p="http://schemas.openxmlformats.org/presentationml/2006/main">
-  <p:cSld>
-    <p:spTree>
-      <p:nvGrpSpPr>
-        <p:cNvPr id="1" name=""/>
-        <p:cNvGrpSpPr/>
-        <p:nvPr/>
-      </p:nvGrpSpPr>
-      <p:grpSpPr>
-        <a:xfrm>
-          <a:off x="0" y="0"/>
-          <a:ext cx="0" cy="0"/>
-          <a:chOff x="0" y="0"/>
-          <a:chExt cx="0" cy="0"/>
-        </a:xfrm>
-      </p:grpSpPr>
-      <p:sp>
-        <p:nvSpPr>
-          <p:cNvPr id="20" name="Номер слайда 36"/>
-          <p:cNvSpPr txBox="1">
-            <a:spLocks/>
-          </p:cNvSpPr>
-          <p:nvPr/>
-        </p:nvSpPr>
-        <p:spPr>
-          <a:xfrm>
-            <a:off x="11172564" y="6164170"/>
-            <a:ext cx="648072" cy="432048"/>
-          </a:xfrm>
-          <a:prstGeom prst="roundRect">
-            <a:avLst/>
-          </a:prstGeom>
-          <a:ln w="25400" cap="flat" cmpd="sng" algn="ctr">
-            <a:solidFill>
-              <a:schemeClr val="tx2">
-                <a:lumMod val="60000"/>
-                <a:lumOff val="40000"/>
-              </a:schemeClr>
-            </a:solidFill>
-            <a:prstDash val="solid"/>
-          </a:ln>
-        </p:spPr>
-        <p:style>
-          <a:lnRef idx="2">
-            <a:schemeClr val="accent1"/>
-          </a:lnRef>
-          <a:fillRef idx="1">
-            <a:schemeClr val="lt1"/>
-          </a:fillRef>
-          <a:effectRef idx="0">
-            <a:schemeClr val="accent1"/>
-          </a:effectRef>
-          <a:fontRef idx="minor">
-            <a:schemeClr val="dk1"/>
-          </a:fontRef>
-        </p:style>
-        <p:txBody>
-          <a:bodyPr vert="horz" lIns="91440" tIns="45720" rIns="91440" bIns="45720" rtlCol="0" anchor="ctr"/>
-          <a:lstStyle/>
-          <a:p>
-            <a:pPr algn="ctr">
-              <a:defRPr/>
-            </a:pPr>
-            <a:fld id="{6389AA22-90B4-448C-8B6B-C699140D38B9}" type="slidenum">
-              <a:rPr lang="uk-UA" sz="2400" b="1">
-                <a:solidFill>
-                  <a:schemeClr val="bg1">
-                    <a:lumMod val="50000"/>
-                  </a:schemeClr>
-                </a:solidFill>
-              </a:rPr>
-              <a:pPr algn="ctr">
-                <a:defRPr/>
-              </a:pPr>
-              <a:t>42</a:t>
-            </a:fld>
-            <a:endParaRPr lang="uk-UA" sz="2400" b="1" dirty="0">
-              <a:solidFill>
-                <a:schemeClr val="bg1">
-                  <a:lumMod val="50000"/>
-                </a:schemeClr>
-              </a:solidFill>
-            </a:endParaRPr>
-          </a:p>
-        </p:txBody>
-      </p:sp>
-      <p:sp>
-        <p:nvSpPr>
-          <p:cNvPr id="3" name="TextBox 2"/>
-          <p:cNvSpPr txBox="1"/>
-          <p:nvPr/>
-        </p:nvSpPr>
-        <p:spPr>
-          <a:xfrm>
-            <a:off x="0" y="197756"/>
-            <a:ext cx="12192000" cy="646331"/>
-          </a:xfrm>
-          <a:prstGeom prst="rect">
-            <a:avLst/>
-          </a:prstGeom>
-          <a:noFill/>
-        </p:spPr>
-        <p:txBody>
-          <a:bodyPr wrap="square" rtlCol="0">
-            <a:spAutoFit/>
-          </a:bodyPr>
-          <a:lstStyle/>
-          <a:p>
-            <a:pPr algn="ctr"/>
-            <a:r>
-              <a:rPr lang="ru-RU" sz="3600" b="1" dirty="0"/>
-              <a:t>Домашнее задание </a:t>
-            </a:r>
-            <a:r>
-              <a:rPr lang="en-US" sz="3600" b="1" dirty="0">
-                <a:solidFill>
-                  <a:schemeClr val="accent6">
-                    <a:lumMod val="75000"/>
-                  </a:schemeClr>
-                </a:solidFill>
-              </a:rPr>
-              <a:t>#D.1</a:t>
-            </a:r>
-            <a:r>
-              <a:rPr lang="en-US" sz="3600" b="1" dirty="0"/>
-              <a:t> </a:t>
-            </a:r>
-            <a:endParaRPr lang="uk-UA" sz="3600" b="1" dirty="0"/>
-          </a:p>
-        </p:txBody>
-      </p:sp>
-      <p:sp>
-        <p:nvSpPr>
-          <p:cNvPr id="5" name="TextBox 4"/>
-          <p:cNvSpPr txBox="1"/>
-          <p:nvPr/>
-        </p:nvSpPr>
-        <p:spPr>
-          <a:xfrm>
-            <a:off x="0" y="980728"/>
-            <a:ext cx="12192000" cy="923330"/>
-          </a:xfrm>
-          <a:prstGeom prst="rect">
-            <a:avLst/>
-          </a:prstGeom>
-          <a:noFill/>
-        </p:spPr>
-        <p:txBody>
-          <a:bodyPr wrap="square" rtlCol="0">
-            <a:spAutoFit/>
-          </a:bodyPr>
-          <a:lstStyle/>
-          <a:p>
-            <a:pPr algn="ctr"/>
-            <a:r>
-              <a:rPr lang="ru-RU" dirty="0"/>
-              <a:t>Воспользуйтесь </a:t>
-            </a:r>
-            <a:r>
-              <a:rPr lang="en-US" b="1" dirty="0"/>
-              <a:t>API</a:t>
-            </a:r>
-            <a:r>
-              <a:rPr lang="en-US" dirty="0"/>
-              <a:t> </a:t>
-            </a:r>
-            <a:r>
-              <a:rPr lang="ru-RU" dirty="0"/>
-              <a:t>дающее информацию о </a:t>
-            </a:r>
-            <a:r>
-              <a:rPr lang="ru-RU" b="1" dirty="0"/>
-              <a:t>странах мира</a:t>
-            </a:r>
-            <a:r>
-              <a:rPr lang="ru-RU" dirty="0"/>
-              <a:t>: </a:t>
-            </a:r>
-            <a:br>
-              <a:rPr lang="ru-RU" dirty="0"/>
-            </a:br>
-            <a:r>
-              <a:rPr lang="ru-RU" b="1" dirty="0"/>
-              <a:t>Сайт:</a:t>
-            </a:r>
-            <a:r>
-              <a:rPr lang="ru-RU" dirty="0"/>
-              <a:t> </a:t>
-            </a:r>
-            <a:r>
-              <a:rPr lang="en-US" b="1" dirty="0">
-                <a:hlinkClick r:id="rId2"/>
-              </a:rPr>
-              <a:t>https://restcountries.com/</a:t>
-            </a:r>
-            <a:r>
-              <a:rPr lang="en-US" b="1" dirty="0"/>
-              <a:t> </a:t>
-            </a:r>
-          </a:p>
-          <a:p>
-            <a:pPr algn="ctr"/>
-            <a:r>
-              <a:rPr lang="en-US" b="1" dirty="0"/>
-              <a:t>JSON</a:t>
-            </a:r>
-            <a:r>
-              <a:rPr lang="en-US" b="1"/>
-              <a:t>: </a:t>
-            </a:r>
-            <a:r>
-              <a:rPr lang="en-US" b="1">
-                <a:hlinkClick r:id="rId3"/>
-              </a:rPr>
-              <a:t>https://restcountries.com/v3.1/all</a:t>
-            </a:r>
-            <a:endParaRPr lang="ru-RU" b="1" dirty="0"/>
-          </a:p>
-        </p:txBody>
-      </p:sp>
-      <p:sp>
-        <p:nvSpPr>
-          <p:cNvPr id="12" name="TextBox 11"/>
-          <p:cNvSpPr txBox="1"/>
-          <p:nvPr/>
-        </p:nvSpPr>
-        <p:spPr>
-          <a:xfrm>
-            <a:off x="0" y="2134597"/>
-            <a:ext cx="12192000" cy="646331"/>
-          </a:xfrm>
-          <a:prstGeom prst="rect">
-            <a:avLst/>
-          </a:prstGeom>
-          <a:noFill/>
-        </p:spPr>
-        <p:txBody>
-          <a:bodyPr wrap="square" rtlCol="0">
-            <a:spAutoFit/>
-          </a:bodyPr>
-          <a:lstStyle/>
-          <a:p>
-            <a:pPr algn="ctr"/>
-            <a:r>
-              <a:rPr lang="ru-RU" dirty="0"/>
-              <a:t>Так же воспользуйтесь </a:t>
-            </a:r>
-            <a:r>
-              <a:rPr lang="en-US" b="1" dirty="0"/>
-              <a:t>API </a:t>
-            </a:r>
-            <a:r>
-              <a:rPr lang="ru-RU" b="1" dirty="0"/>
-              <a:t>НБУ </a:t>
-            </a:r>
-            <a:r>
-              <a:rPr lang="ru-RU" dirty="0"/>
-              <a:t>по курсам валют (</a:t>
-            </a:r>
-            <a:r>
-              <a:rPr lang="en-US" b="1" dirty="0"/>
-              <a:t>JSON</a:t>
-            </a:r>
-            <a:r>
-              <a:rPr lang="ru-RU" dirty="0"/>
-              <a:t>):</a:t>
-            </a:r>
-            <a:br>
-              <a:rPr lang="ru-RU" dirty="0"/>
-            </a:br>
-            <a:r>
-              <a:rPr lang="ru-RU" dirty="0"/>
-              <a:t> </a:t>
-            </a:r>
-            <a:r>
-              <a:rPr lang="en-US" b="1" dirty="0">
-                <a:hlinkClick r:id="rId4"/>
-              </a:rPr>
-              <a:t>https://bank.gov.ua/NBUStatService/v1/statdirectory/exchange?json</a:t>
-            </a:r>
-            <a:endParaRPr lang="ru-RU" b="1" dirty="0"/>
-          </a:p>
-        </p:txBody>
-      </p:sp>
-      <p:sp>
-        <p:nvSpPr>
-          <p:cNvPr id="9" name="TextBox 8"/>
-          <p:cNvSpPr txBox="1"/>
-          <p:nvPr/>
-        </p:nvSpPr>
-        <p:spPr>
-          <a:xfrm>
-            <a:off x="6855741" y="2916150"/>
-            <a:ext cx="4932548" cy="3170099"/>
-          </a:xfrm>
-          <a:prstGeom prst="rect">
-            <a:avLst/>
-          </a:prstGeom>
-          <a:noFill/>
-        </p:spPr>
-        <p:txBody>
-          <a:bodyPr wrap="square" rtlCol="0">
-            <a:spAutoFit/>
-          </a:bodyPr>
-          <a:lstStyle/>
-          <a:p>
-            <a:pPr marL="342900" indent="-342900">
-              <a:buAutoNum type="arabicParenR"/>
-            </a:pPr>
-            <a:r>
-              <a:rPr lang="ru-RU" sz="2000" b="1" dirty="0"/>
-              <a:t>Загрузите список стран;</a:t>
-            </a:r>
-          </a:p>
-          <a:p>
-            <a:pPr marL="342900" indent="-342900">
-              <a:buAutoNum type="arabicParenR"/>
-            </a:pPr>
-            <a:r>
-              <a:rPr lang="ru-RU" sz="2000" b="1" dirty="0"/>
-              <a:t>Загрузите курсы валют НБУ, на текущую дату;</a:t>
-            </a:r>
-          </a:p>
-          <a:p>
-            <a:pPr marL="342900" indent="-342900">
-              <a:buAutoNum type="arabicParenR"/>
-            </a:pPr>
-            <a:r>
-              <a:rPr lang="ru-RU" sz="2000" b="1" dirty="0"/>
-              <a:t>Выведите список курсов валют НБУ, по предложенному </a:t>
-            </a:r>
-            <a:r>
-              <a:rPr lang="en-US" sz="2000" b="1" dirty="0"/>
-              <a:t>wireframe’</a:t>
-            </a:r>
-            <a:r>
-              <a:rPr lang="ru-RU" sz="2000" b="1" dirty="0"/>
-              <a:t>у </a:t>
-            </a:r>
-            <a:r>
-              <a:rPr lang="en-US" sz="2000" b="1" dirty="0">
-                <a:solidFill>
-                  <a:schemeClr val="accent6">
-                    <a:lumMod val="75000"/>
-                  </a:schemeClr>
-                </a:solidFill>
-              </a:rPr>
-              <a:t>c </a:t>
-            </a:r>
-            <a:r>
-              <a:rPr lang="ru-RU" sz="2000" b="1" dirty="0">
-                <a:solidFill>
-                  <a:schemeClr val="accent6">
-                    <a:lumMod val="75000"/>
-                  </a:schemeClr>
-                </a:solidFill>
-              </a:rPr>
-              <a:t>добавлением </a:t>
-            </a:r>
-            <a:r>
-              <a:rPr lang="ru-RU" sz="2000" b="1" dirty="0"/>
-              <a:t>флагов стран в которых валюта используется;</a:t>
-            </a:r>
-          </a:p>
-          <a:p>
-            <a:pPr marL="342900" indent="-342900">
-              <a:buAutoNum type="arabicParenR"/>
-            </a:pPr>
-            <a:r>
-              <a:rPr lang="ru-RU" sz="2000" b="1" dirty="0"/>
-              <a:t>При наведении на каждый флаг должна всплывать подсказка с названием страны.</a:t>
-            </a:r>
-          </a:p>
-        </p:txBody>
-      </p:sp>
-      <p:pic>
-        <p:nvPicPr>
-          <p:cNvPr id="4" name="Рисунок 3">
-            <a:extLst>
-              <a:ext uri="{FF2B5EF4-FFF2-40B4-BE49-F238E27FC236}">
-                <a16:creationId xmlns:a16="http://schemas.microsoft.com/office/drawing/2014/main" id="{18BF8AC9-EA15-4AD4-9629-06E7E4AD7814}"/>
-              </a:ext>
-            </a:extLst>
-          </p:cNvPr>
-          <p:cNvPicPr>
-            <a:picLocks noChangeAspect="1"/>
-          </p:cNvPicPr>
-          <p:nvPr/>
-        </p:nvPicPr>
-        <p:blipFill rotWithShape="1">
-          <a:blip r:embed="rId5"/>
-          <a:srcRect l="5634" t="6622" r="6411"/>
-          <a:stretch/>
-        </p:blipFill>
-        <p:spPr>
-          <a:xfrm>
-            <a:off x="1" y="2887432"/>
-            <a:ext cx="6744072" cy="3970568"/>
-          </a:xfrm>
-          <a:prstGeom prst="rect">
-            <a:avLst/>
-          </a:prstGeom>
-        </p:spPr>
-      </p:pic>
-    </p:spTree>
-    <p:extLst>
-      <p:ext uri="{BB962C8B-B14F-4D97-AF65-F5344CB8AC3E}">
-        <p14:creationId xmlns:p14="http://schemas.microsoft.com/office/powerpoint/2010/main" val="810677412"/>
-      </p:ext>
-    </p:extLst>
   </p:cSld>
   <p:clrMapOvr>
     <a:masterClrMapping/>
